--- a/doc/workdir/Rathetal_MT-Uncertainty_11-19-2017.pptx
+++ b/doc/workdir/Rathetal_MT-Uncertainty_11-19-2017.pptx
@@ -126,6 +126,22 @@
       </a:defRPr>
     </a:lvl9pPr>
   </p:defaultTextStyle>
+  <p:extLst>
+    <p:ext uri="{EFAFB233-063F-42B5-8137-9DF3F51BA10A}">
+      <p15:sldGuideLst xmlns:p15="http://schemas.microsoft.com/office/powerpoint/2012/main">
+        <p15:guide id="1" orient="horz" pos="1620">
+          <p15:clr>
+            <a:srgbClr val="A4A3A4"/>
+          </p15:clr>
+        </p15:guide>
+        <p15:guide id="2" pos="2880">
+          <p15:clr>
+            <a:srgbClr val="A4A3A4"/>
+          </p15:clr>
+        </p15:guide>
+      </p15:sldGuideLst>
+    </p:ext>
+  </p:extLst>
 </p:presentation>
 </file>
 
@@ -211,7 +227,7 @@
           <a:p>
             <a:fld id="{B772926C-CDFE-4671-AF9E-E55C98503BDF}" type="datetimeFigureOut">
               <a:rPr lang="en-GB" smtClean="0"/>
-              <a:t>19/11/2017</a:t>
+              <a:t>23/08/2023</a:t>
             </a:fld>
             <a:endParaRPr lang="en-GB"/>
           </a:p>
@@ -275,35 +291,35 @@
           <a:p>
             <a:pPr lvl="0"/>
             <a:r>
-              <a:rPr lang="en-US" smtClean="0"/>
+              <a:rPr lang="en-US"/>
               <a:t>Click to edit Master text styles</a:t>
             </a:r>
           </a:p>
           <a:p>
             <a:pPr lvl="1"/>
             <a:r>
-              <a:rPr lang="en-US" smtClean="0"/>
+              <a:rPr lang="en-US"/>
               <a:t>Second level</a:t>
             </a:r>
           </a:p>
           <a:p>
             <a:pPr lvl="2"/>
             <a:r>
-              <a:rPr lang="en-US" smtClean="0"/>
+              <a:rPr lang="en-US"/>
               <a:t>Third level</a:t>
             </a:r>
           </a:p>
           <a:p>
             <a:pPr lvl="3"/>
             <a:r>
-              <a:rPr lang="en-US" smtClean="0"/>
+              <a:rPr lang="en-US"/>
               <a:t>Fourth level</a:t>
             </a:r>
           </a:p>
           <a:p>
             <a:pPr lvl="4"/>
             <a:r>
-              <a:rPr lang="en-US" smtClean="0"/>
+              <a:rPr lang="en-US"/>
               <a:t>Fifth level</a:t>
             </a:r>
             <a:endParaRPr lang="en-GB"/>
@@ -689,7 +705,7 @@
           <a:lstStyle/>
           <a:p>
             <a:r>
-              <a:rPr lang="en-US" smtClean="0"/>
+              <a:rPr lang="en-US"/>
               <a:t>Click to edit Master title style</a:t>
             </a:r>
             <a:endParaRPr lang="en-GB"/>
@@ -808,7 +824,7 @@
           </a:lstStyle>
           <a:p>
             <a:r>
-              <a:rPr lang="en-US" smtClean="0"/>
+              <a:rPr lang="en-US"/>
               <a:t>Click to edit Master subtitle style</a:t>
             </a:r>
             <a:endParaRPr lang="en-GB"/>
@@ -832,7 +848,7 @@
           <a:p>
             <a:fld id="{1945572D-1E09-4451-97C7-5D83F89E2794}" type="datetimeFigureOut">
               <a:rPr lang="en-GB" smtClean="0"/>
-              <a:t>19/11/2017</a:t>
+              <a:t>23/08/2023</a:t>
             </a:fld>
             <a:endParaRPr lang="en-GB"/>
           </a:p>
@@ -890,13 +906,6 @@
   <p:clrMapOvr>
     <a:masterClrMapping/>
   </p:clrMapOvr>
-  <p:timing>
-    <p:tnLst>
-      <p:par>
-        <p:cTn id="1" dur="indefinite" restart="never" nodeType="tmRoot"/>
-      </p:par>
-    </p:tnLst>
-  </p:timing>
 </p:sldLayout>
 </file>
 
@@ -933,7 +942,7 @@
           <a:lstStyle/>
           <a:p>
             <a:r>
-              <a:rPr lang="en-US" smtClean="0"/>
+              <a:rPr lang="en-US"/>
               <a:t>Click to edit Master title style</a:t>
             </a:r>
             <a:endParaRPr lang="en-GB"/>
@@ -957,35 +966,35 @@
           <a:p>
             <a:pPr lvl="0"/>
             <a:r>
-              <a:rPr lang="en-US" smtClean="0"/>
+              <a:rPr lang="en-US"/>
               <a:t>Click to edit Master text styles</a:t>
             </a:r>
           </a:p>
           <a:p>
             <a:pPr lvl="1"/>
             <a:r>
-              <a:rPr lang="en-US" smtClean="0"/>
+              <a:rPr lang="en-US"/>
               <a:t>Second level</a:t>
             </a:r>
           </a:p>
           <a:p>
             <a:pPr lvl="2"/>
             <a:r>
-              <a:rPr lang="en-US" smtClean="0"/>
+              <a:rPr lang="en-US"/>
               <a:t>Third level</a:t>
             </a:r>
           </a:p>
           <a:p>
             <a:pPr lvl="3"/>
             <a:r>
-              <a:rPr lang="en-US" smtClean="0"/>
+              <a:rPr lang="en-US"/>
               <a:t>Fourth level</a:t>
             </a:r>
           </a:p>
           <a:p>
             <a:pPr lvl="4"/>
             <a:r>
-              <a:rPr lang="en-US" smtClean="0"/>
+              <a:rPr lang="en-US"/>
               <a:t>Fifth level</a:t>
             </a:r>
             <a:endParaRPr lang="en-GB"/>
@@ -1009,7 +1018,7 @@
           <a:p>
             <a:fld id="{1945572D-1E09-4451-97C7-5D83F89E2794}" type="datetimeFigureOut">
               <a:rPr lang="en-GB" smtClean="0"/>
-              <a:t>19/11/2017</a:t>
+              <a:t>23/08/2023</a:t>
             </a:fld>
             <a:endParaRPr lang="en-GB"/>
           </a:p>
@@ -1108,7 +1117,7 @@
           <a:lstStyle/>
           <a:p>
             <a:r>
-              <a:rPr lang="en-US" smtClean="0"/>
+              <a:rPr lang="en-US"/>
               <a:t>Click to edit Master title style</a:t>
             </a:r>
             <a:endParaRPr lang="en-GB"/>
@@ -1137,35 +1146,35 @@
           <a:p>
             <a:pPr lvl="0"/>
             <a:r>
-              <a:rPr lang="en-US" smtClean="0"/>
+              <a:rPr lang="en-US"/>
               <a:t>Click to edit Master text styles</a:t>
             </a:r>
           </a:p>
           <a:p>
             <a:pPr lvl="1"/>
             <a:r>
-              <a:rPr lang="en-US" smtClean="0"/>
+              <a:rPr lang="en-US"/>
               <a:t>Second level</a:t>
             </a:r>
           </a:p>
           <a:p>
             <a:pPr lvl="2"/>
             <a:r>
-              <a:rPr lang="en-US" smtClean="0"/>
+              <a:rPr lang="en-US"/>
               <a:t>Third level</a:t>
             </a:r>
           </a:p>
           <a:p>
             <a:pPr lvl="3"/>
             <a:r>
-              <a:rPr lang="en-US" smtClean="0"/>
+              <a:rPr lang="en-US"/>
               <a:t>Fourth level</a:t>
             </a:r>
           </a:p>
           <a:p>
             <a:pPr lvl="4"/>
             <a:r>
-              <a:rPr lang="en-US" smtClean="0"/>
+              <a:rPr lang="en-US"/>
               <a:t>Fifth level</a:t>
             </a:r>
             <a:endParaRPr lang="en-GB"/>
@@ -1189,7 +1198,7 @@
           <a:p>
             <a:fld id="{1945572D-1E09-4451-97C7-5D83F89E2794}" type="datetimeFigureOut">
               <a:rPr lang="en-GB" smtClean="0"/>
-              <a:t>19/11/2017</a:t>
+              <a:t>23/08/2023</a:t>
             </a:fld>
             <a:endParaRPr lang="en-GB"/>
           </a:p>
@@ -1288,7 +1297,7 @@
           <a:lstStyle/>
           <a:p>
             <a:r>
-              <a:rPr lang="en-US" smtClean="0"/>
+              <a:rPr lang="en-US"/>
               <a:t>Click to edit Master title style</a:t>
             </a:r>
             <a:endParaRPr lang="en-GB"/>
@@ -1317,35 +1326,35 @@
           <a:p>
             <a:pPr lvl="0"/>
             <a:r>
-              <a:rPr lang="en-US" smtClean="0"/>
+              <a:rPr lang="en-US"/>
               <a:t>Click to edit Master text styles</a:t>
             </a:r>
           </a:p>
           <a:p>
             <a:pPr lvl="1"/>
             <a:r>
-              <a:rPr lang="en-US" smtClean="0"/>
+              <a:rPr lang="en-US"/>
               <a:t>Second level</a:t>
             </a:r>
           </a:p>
           <a:p>
             <a:pPr lvl="2"/>
             <a:r>
-              <a:rPr lang="en-US" smtClean="0"/>
+              <a:rPr lang="en-US"/>
               <a:t>Third level</a:t>
             </a:r>
           </a:p>
           <a:p>
             <a:pPr lvl="3"/>
             <a:r>
-              <a:rPr lang="en-US" smtClean="0"/>
+              <a:rPr lang="en-US"/>
               <a:t>Fourth level</a:t>
             </a:r>
           </a:p>
           <a:p>
             <a:pPr lvl="4"/>
             <a:r>
-              <a:rPr lang="en-US" smtClean="0"/>
+              <a:rPr lang="en-US"/>
               <a:t>Fifth level</a:t>
             </a:r>
             <a:endParaRPr lang="en-GB"/>
@@ -1374,35 +1383,35 @@
           <a:p>
             <a:pPr lvl="0"/>
             <a:r>
-              <a:rPr lang="en-US" smtClean="0"/>
+              <a:rPr lang="en-US"/>
               <a:t>Click to edit Master text styles</a:t>
             </a:r>
           </a:p>
           <a:p>
             <a:pPr lvl="1"/>
             <a:r>
-              <a:rPr lang="en-US" smtClean="0"/>
+              <a:rPr lang="en-US"/>
               <a:t>Second level</a:t>
             </a:r>
           </a:p>
           <a:p>
             <a:pPr lvl="2"/>
             <a:r>
-              <a:rPr lang="en-US" smtClean="0"/>
+              <a:rPr lang="en-US"/>
               <a:t>Third level</a:t>
             </a:r>
           </a:p>
           <a:p>
             <a:pPr lvl="3"/>
             <a:r>
-              <a:rPr lang="en-US" smtClean="0"/>
+              <a:rPr lang="en-US"/>
               <a:t>Fourth level</a:t>
             </a:r>
           </a:p>
           <a:p>
             <a:pPr lvl="4"/>
             <a:r>
-              <a:rPr lang="en-US" smtClean="0"/>
+              <a:rPr lang="en-US"/>
               <a:t>Fifth level</a:t>
             </a:r>
             <a:endParaRPr lang="en-GB"/>
@@ -1431,35 +1440,35 @@
           <a:p>
             <a:pPr lvl="0"/>
             <a:r>
-              <a:rPr lang="en-US" smtClean="0"/>
+              <a:rPr lang="en-US"/>
               <a:t>Click to edit Master text styles</a:t>
             </a:r>
           </a:p>
           <a:p>
             <a:pPr lvl="1"/>
             <a:r>
-              <a:rPr lang="en-US" smtClean="0"/>
+              <a:rPr lang="en-US"/>
               <a:t>Second level</a:t>
             </a:r>
           </a:p>
           <a:p>
             <a:pPr lvl="2"/>
             <a:r>
-              <a:rPr lang="en-US" smtClean="0"/>
+              <a:rPr lang="en-US"/>
               <a:t>Third level</a:t>
             </a:r>
           </a:p>
           <a:p>
             <a:pPr lvl="3"/>
             <a:r>
-              <a:rPr lang="en-US" smtClean="0"/>
+              <a:rPr lang="en-US"/>
               <a:t>Fourth level</a:t>
             </a:r>
           </a:p>
           <a:p>
             <a:pPr lvl="4"/>
             <a:r>
-              <a:rPr lang="en-US" smtClean="0"/>
+              <a:rPr lang="en-US"/>
               <a:t>Fifth level</a:t>
             </a:r>
             <a:endParaRPr lang="en-GB"/>
@@ -1488,35 +1497,35 @@
           <a:p>
             <a:pPr lvl="0"/>
             <a:r>
-              <a:rPr lang="en-US" smtClean="0"/>
+              <a:rPr lang="en-US"/>
               <a:t>Click to edit Master text styles</a:t>
             </a:r>
           </a:p>
           <a:p>
             <a:pPr lvl="1"/>
             <a:r>
-              <a:rPr lang="en-US" smtClean="0"/>
+              <a:rPr lang="en-US"/>
               <a:t>Second level</a:t>
             </a:r>
           </a:p>
           <a:p>
             <a:pPr lvl="2"/>
             <a:r>
-              <a:rPr lang="en-US" smtClean="0"/>
+              <a:rPr lang="en-US"/>
               <a:t>Third level</a:t>
             </a:r>
           </a:p>
           <a:p>
             <a:pPr lvl="3"/>
             <a:r>
-              <a:rPr lang="en-US" smtClean="0"/>
+              <a:rPr lang="en-US"/>
               <a:t>Fourth level</a:t>
             </a:r>
           </a:p>
           <a:p>
             <a:pPr lvl="4"/>
             <a:r>
-              <a:rPr lang="en-US" smtClean="0"/>
+              <a:rPr lang="en-US"/>
               <a:t>Fifth level</a:t>
             </a:r>
             <a:endParaRPr lang="en-GB"/>
@@ -1646,7 +1655,7 @@
           <a:lstStyle/>
           <a:p>
             <a:r>
-              <a:rPr lang="en-US" smtClean="0"/>
+              <a:rPr lang="en-US"/>
               <a:t>Click to edit Master title style</a:t>
             </a:r>
             <a:endParaRPr lang="en-GB"/>
@@ -1670,35 +1679,35 @@
           <a:p>
             <a:pPr lvl="0"/>
             <a:r>
-              <a:rPr lang="en-US" smtClean="0"/>
+              <a:rPr lang="en-US"/>
               <a:t>Click to edit Master text styles</a:t>
             </a:r>
           </a:p>
           <a:p>
             <a:pPr lvl="1"/>
             <a:r>
-              <a:rPr lang="en-US" smtClean="0"/>
+              <a:rPr lang="en-US"/>
               <a:t>Second level</a:t>
             </a:r>
           </a:p>
           <a:p>
             <a:pPr lvl="2"/>
             <a:r>
-              <a:rPr lang="en-US" smtClean="0"/>
+              <a:rPr lang="en-US"/>
               <a:t>Third level</a:t>
             </a:r>
           </a:p>
           <a:p>
             <a:pPr lvl="3"/>
             <a:r>
-              <a:rPr lang="en-US" smtClean="0"/>
+              <a:rPr lang="en-US"/>
               <a:t>Fourth level</a:t>
             </a:r>
           </a:p>
           <a:p>
             <a:pPr lvl="4"/>
             <a:r>
-              <a:rPr lang="en-US" smtClean="0"/>
+              <a:rPr lang="en-US"/>
               <a:t>Fifth level</a:t>
             </a:r>
             <a:endParaRPr lang="en-GB"/>
@@ -1722,7 +1731,7 @@
           <a:p>
             <a:fld id="{1945572D-1E09-4451-97C7-5D83F89E2794}" type="datetimeFigureOut">
               <a:rPr lang="en-GB" smtClean="0"/>
-              <a:t>19/11/2017</a:t>
+              <a:t>23/08/2023</a:t>
             </a:fld>
             <a:endParaRPr lang="en-GB"/>
           </a:p>
@@ -1825,7 +1834,7 @@
           </a:lstStyle>
           <a:p>
             <a:r>
-              <a:rPr lang="en-US" smtClean="0"/>
+              <a:rPr lang="en-US"/>
               <a:t>Click to edit Master title style</a:t>
             </a:r>
             <a:endParaRPr lang="en-GB"/>
@@ -1945,7 +1954,7 @@
           <a:p>
             <a:pPr lvl="0"/>
             <a:r>
-              <a:rPr lang="en-US" smtClean="0"/>
+              <a:rPr lang="en-US"/>
               <a:t>Click to edit Master text styles</a:t>
             </a:r>
           </a:p>
@@ -1968,7 +1977,7 @@
           <a:p>
             <a:fld id="{1945572D-1E09-4451-97C7-5D83F89E2794}" type="datetimeFigureOut">
               <a:rPr lang="en-GB" smtClean="0"/>
-              <a:t>19/11/2017</a:t>
+              <a:t>23/08/2023</a:t>
             </a:fld>
             <a:endParaRPr lang="en-GB"/>
           </a:p>
@@ -2062,7 +2071,7 @@
           <a:lstStyle/>
           <a:p>
             <a:r>
-              <a:rPr lang="en-US" smtClean="0"/>
+              <a:rPr lang="en-US"/>
               <a:t>Click to edit Master title style</a:t>
             </a:r>
             <a:endParaRPr lang="en-GB"/>
@@ -2119,35 +2128,35 @@
           <a:p>
             <a:pPr lvl="0"/>
             <a:r>
-              <a:rPr lang="en-US" smtClean="0"/>
+              <a:rPr lang="en-US"/>
               <a:t>Click to edit Master text styles</a:t>
             </a:r>
           </a:p>
           <a:p>
             <a:pPr lvl="1"/>
             <a:r>
-              <a:rPr lang="en-US" smtClean="0"/>
+              <a:rPr lang="en-US"/>
               <a:t>Second level</a:t>
             </a:r>
           </a:p>
           <a:p>
             <a:pPr lvl="2"/>
             <a:r>
-              <a:rPr lang="en-US" smtClean="0"/>
+              <a:rPr lang="en-US"/>
               <a:t>Third level</a:t>
             </a:r>
           </a:p>
           <a:p>
             <a:pPr lvl="3"/>
             <a:r>
-              <a:rPr lang="en-US" smtClean="0"/>
+              <a:rPr lang="en-US"/>
               <a:t>Fourth level</a:t>
             </a:r>
           </a:p>
           <a:p>
             <a:pPr lvl="4"/>
             <a:r>
-              <a:rPr lang="en-US" smtClean="0"/>
+              <a:rPr lang="en-US"/>
               <a:t>Fifth level</a:t>
             </a:r>
             <a:endParaRPr lang="en-GB"/>
@@ -2204,35 +2213,35 @@
           <a:p>
             <a:pPr lvl="0"/>
             <a:r>
-              <a:rPr lang="en-US" smtClean="0"/>
+              <a:rPr lang="en-US"/>
               <a:t>Click to edit Master text styles</a:t>
             </a:r>
           </a:p>
           <a:p>
             <a:pPr lvl="1"/>
             <a:r>
-              <a:rPr lang="en-US" smtClean="0"/>
+              <a:rPr lang="en-US"/>
               <a:t>Second level</a:t>
             </a:r>
           </a:p>
           <a:p>
             <a:pPr lvl="2"/>
             <a:r>
-              <a:rPr lang="en-US" smtClean="0"/>
+              <a:rPr lang="en-US"/>
               <a:t>Third level</a:t>
             </a:r>
           </a:p>
           <a:p>
             <a:pPr lvl="3"/>
             <a:r>
-              <a:rPr lang="en-US" smtClean="0"/>
+              <a:rPr lang="en-US"/>
               <a:t>Fourth level</a:t>
             </a:r>
           </a:p>
           <a:p>
             <a:pPr lvl="4"/>
             <a:r>
-              <a:rPr lang="en-US" smtClean="0"/>
+              <a:rPr lang="en-US"/>
               <a:t>Fifth level</a:t>
             </a:r>
             <a:endParaRPr lang="en-GB"/>
@@ -2256,7 +2265,7 @@
           <a:p>
             <a:fld id="{1945572D-1E09-4451-97C7-5D83F89E2794}" type="datetimeFigureOut">
               <a:rPr lang="en-GB" smtClean="0"/>
-              <a:t>19/11/2017</a:t>
+              <a:t>23/08/2023</a:t>
             </a:fld>
             <a:endParaRPr lang="en-GB"/>
           </a:p>
@@ -2354,7 +2363,7 @@
           </a:lstStyle>
           <a:p>
             <a:r>
-              <a:rPr lang="en-US" smtClean="0"/>
+              <a:rPr lang="en-US"/>
               <a:t>Click to edit Master title style</a:t>
             </a:r>
             <a:endParaRPr lang="en-GB"/>
@@ -2420,7 +2429,7 @@
           <a:p>
             <a:pPr lvl="0"/>
             <a:r>
-              <a:rPr lang="en-US" smtClean="0"/>
+              <a:rPr lang="en-US"/>
               <a:t>Click to edit Master text styles</a:t>
             </a:r>
           </a:p>
@@ -2476,35 +2485,35 @@
           <a:p>
             <a:pPr lvl="0"/>
             <a:r>
-              <a:rPr lang="en-US" smtClean="0"/>
+              <a:rPr lang="en-US"/>
               <a:t>Click to edit Master text styles</a:t>
             </a:r>
           </a:p>
           <a:p>
             <a:pPr lvl="1"/>
             <a:r>
-              <a:rPr lang="en-US" smtClean="0"/>
+              <a:rPr lang="en-US"/>
               <a:t>Second level</a:t>
             </a:r>
           </a:p>
           <a:p>
             <a:pPr lvl="2"/>
             <a:r>
-              <a:rPr lang="en-US" smtClean="0"/>
+              <a:rPr lang="en-US"/>
               <a:t>Third level</a:t>
             </a:r>
           </a:p>
           <a:p>
             <a:pPr lvl="3"/>
             <a:r>
-              <a:rPr lang="en-US" smtClean="0"/>
+              <a:rPr lang="en-US"/>
               <a:t>Fourth level</a:t>
             </a:r>
           </a:p>
           <a:p>
             <a:pPr lvl="4"/>
             <a:r>
-              <a:rPr lang="en-US" smtClean="0"/>
+              <a:rPr lang="en-US"/>
               <a:t>Fifth level</a:t>
             </a:r>
             <a:endParaRPr lang="en-GB"/>
@@ -2570,7 +2579,7 @@
           <a:p>
             <a:pPr lvl="0"/>
             <a:r>
-              <a:rPr lang="en-US" smtClean="0"/>
+              <a:rPr lang="en-US"/>
               <a:t>Click to edit Master text styles</a:t>
             </a:r>
           </a:p>
@@ -2626,35 +2635,35 @@
           <a:p>
             <a:pPr lvl="0"/>
             <a:r>
-              <a:rPr lang="en-US" smtClean="0"/>
+              <a:rPr lang="en-US"/>
               <a:t>Click to edit Master text styles</a:t>
             </a:r>
           </a:p>
           <a:p>
             <a:pPr lvl="1"/>
             <a:r>
-              <a:rPr lang="en-US" smtClean="0"/>
+              <a:rPr lang="en-US"/>
               <a:t>Second level</a:t>
             </a:r>
           </a:p>
           <a:p>
             <a:pPr lvl="2"/>
             <a:r>
-              <a:rPr lang="en-US" smtClean="0"/>
+              <a:rPr lang="en-US"/>
               <a:t>Third level</a:t>
             </a:r>
           </a:p>
           <a:p>
             <a:pPr lvl="3"/>
             <a:r>
-              <a:rPr lang="en-US" smtClean="0"/>
+              <a:rPr lang="en-US"/>
               <a:t>Fourth level</a:t>
             </a:r>
           </a:p>
           <a:p>
             <a:pPr lvl="4"/>
             <a:r>
-              <a:rPr lang="en-US" smtClean="0"/>
+              <a:rPr lang="en-US"/>
               <a:t>Fifth level</a:t>
             </a:r>
             <a:endParaRPr lang="en-GB"/>
@@ -2678,7 +2687,7 @@
           <a:p>
             <a:fld id="{1945572D-1E09-4451-97C7-5D83F89E2794}" type="datetimeFigureOut">
               <a:rPr lang="en-GB" smtClean="0"/>
-              <a:t>19/11/2017</a:t>
+              <a:t>23/08/2023</a:t>
             </a:fld>
             <a:endParaRPr lang="en-GB"/>
           </a:p>
@@ -2772,7 +2781,7 @@
           <a:lstStyle/>
           <a:p>
             <a:r>
-              <a:rPr lang="en-US" smtClean="0"/>
+              <a:rPr lang="en-US"/>
               <a:t>Click to edit Master title style</a:t>
             </a:r>
             <a:endParaRPr lang="en-GB"/>
@@ -2796,7 +2805,7 @@
           <a:p>
             <a:fld id="{1945572D-1E09-4451-97C7-5D83F89E2794}" type="datetimeFigureOut">
               <a:rPr lang="en-GB" smtClean="0"/>
-              <a:t>19/11/2017</a:t>
+              <a:t>23/08/2023</a:t>
             </a:fld>
             <a:endParaRPr lang="en-GB"/>
           </a:p>
@@ -2891,7 +2900,7 @@
           <a:p>
             <a:fld id="{1945572D-1E09-4451-97C7-5D83F89E2794}" type="datetimeFigureOut">
               <a:rPr lang="en-GB" smtClean="0"/>
-              <a:t>19/11/2017</a:t>
+              <a:t>23/08/2023</a:t>
             </a:fld>
             <a:endParaRPr lang="en-GB"/>
           </a:p>
@@ -2994,7 +3003,7 @@
           </a:lstStyle>
           <a:p>
             <a:r>
-              <a:rPr lang="en-US" smtClean="0"/>
+              <a:rPr lang="en-US"/>
               <a:t>Click to edit Master title style</a:t>
             </a:r>
             <a:endParaRPr lang="en-GB"/>
@@ -3051,35 +3060,35 @@
           <a:p>
             <a:pPr lvl="0"/>
             <a:r>
-              <a:rPr lang="en-US" smtClean="0"/>
+              <a:rPr lang="en-US"/>
               <a:t>Click to edit Master text styles</a:t>
             </a:r>
           </a:p>
           <a:p>
             <a:pPr lvl="1"/>
             <a:r>
-              <a:rPr lang="en-US" smtClean="0"/>
+              <a:rPr lang="en-US"/>
               <a:t>Second level</a:t>
             </a:r>
           </a:p>
           <a:p>
             <a:pPr lvl="2"/>
             <a:r>
-              <a:rPr lang="en-US" smtClean="0"/>
+              <a:rPr lang="en-US"/>
               <a:t>Third level</a:t>
             </a:r>
           </a:p>
           <a:p>
             <a:pPr lvl="3"/>
             <a:r>
-              <a:rPr lang="en-US" smtClean="0"/>
+              <a:rPr lang="en-US"/>
               <a:t>Fourth level</a:t>
             </a:r>
           </a:p>
           <a:p>
             <a:pPr lvl="4"/>
             <a:r>
-              <a:rPr lang="en-US" smtClean="0"/>
+              <a:rPr lang="en-US"/>
               <a:t>Fifth level</a:t>
             </a:r>
             <a:endParaRPr lang="en-GB"/>
@@ -3145,7 +3154,7 @@
           <a:p>
             <a:pPr lvl="0"/>
             <a:r>
-              <a:rPr lang="en-US" smtClean="0"/>
+              <a:rPr lang="en-US"/>
               <a:t>Click to edit Master text styles</a:t>
             </a:r>
           </a:p>
@@ -3168,7 +3177,7 @@
           <a:p>
             <a:fld id="{1945572D-1E09-4451-97C7-5D83F89E2794}" type="datetimeFigureOut">
               <a:rPr lang="en-GB" smtClean="0"/>
-              <a:t>19/11/2017</a:t>
+              <a:t>23/08/2023</a:t>
             </a:fld>
             <a:endParaRPr lang="en-GB"/>
           </a:p>
@@ -3271,7 +3280,7 @@
           </a:lstStyle>
           <a:p>
             <a:r>
-              <a:rPr lang="en-US" smtClean="0"/>
+              <a:rPr lang="en-US"/>
               <a:t>Click to edit Master title style</a:t>
             </a:r>
             <a:endParaRPr lang="en-GB"/>
@@ -3398,7 +3407,7 @@
           <a:p>
             <a:pPr lvl="0"/>
             <a:r>
-              <a:rPr lang="en-US" smtClean="0"/>
+              <a:rPr lang="en-US"/>
               <a:t>Click to edit Master text styles</a:t>
             </a:r>
           </a:p>
@@ -3421,7 +3430,7 @@
           <a:p>
             <a:fld id="{1945572D-1E09-4451-97C7-5D83F89E2794}" type="datetimeFigureOut">
               <a:rPr lang="en-GB" smtClean="0"/>
-              <a:t>19/11/2017</a:t>
+              <a:t>23/08/2023</a:t>
             </a:fld>
             <a:endParaRPr lang="en-GB"/>
           </a:p>
@@ -3558,7 +3567,7 @@
           <a:lstStyle/>
           <a:p>
             <a:r>
-              <a:rPr lang="en-US" smtClean="0"/>
+              <a:rPr lang="en-US"/>
               <a:t>Click to edit Master title style</a:t>
             </a:r>
             <a:endParaRPr lang="en-GB"/>
@@ -3592,35 +3601,35 @@
           <a:p>
             <a:pPr lvl="0"/>
             <a:r>
-              <a:rPr lang="en-US" smtClean="0"/>
+              <a:rPr lang="en-US"/>
               <a:t>Click to edit Master text styles</a:t>
             </a:r>
           </a:p>
           <a:p>
             <a:pPr lvl="1"/>
             <a:r>
-              <a:rPr lang="en-US" smtClean="0"/>
+              <a:rPr lang="en-US"/>
               <a:t>Second level</a:t>
             </a:r>
           </a:p>
           <a:p>
             <a:pPr lvl="2"/>
             <a:r>
-              <a:rPr lang="en-US" smtClean="0"/>
+              <a:rPr lang="en-US"/>
               <a:t>Third level</a:t>
             </a:r>
           </a:p>
           <a:p>
             <a:pPr lvl="3"/>
             <a:r>
-              <a:rPr lang="en-US" smtClean="0"/>
+              <a:rPr lang="en-US"/>
               <a:t>Fourth level</a:t>
             </a:r>
           </a:p>
           <a:p>
             <a:pPr lvl="4"/>
             <a:r>
-              <a:rPr lang="en-US" smtClean="0"/>
+              <a:rPr lang="en-US"/>
               <a:t>Fifth level</a:t>
             </a:r>
             <a:endParaRPr lang="en-GB"/>
@@ -3662,7 +3671,7 @@
           <a:p>
             <a:fld id="{1945572D-1E09-4451-97C7-5D83F89E2794}" type="datetimeFigureOut">
               <a:rPr lang="en-GB" smtClean="0"/>
-              <a:t>19/11/2017</a:t>
+              <a:t>23/08/2023</a:t>
             </a:fld>
             <a:endParaRPr lang="en-GB"/>
           </a:p>
@@ -4110,7 +4119,7 @@
           <a:lstStyle/>
           <a:p>
             <a:r>
-              <a:rPr lang="en-IE" sz="3100" b="1" dirty="0" smtClean="0">
+              <a:rPr lang="en-IE" sz="3100" b="1" dirty="0">
                 <a:effectLst>
                   <a:outerShdw blurRad="38100" dist="38100" dir="2700000" algn="tl">
                     <a:srgbClr val="000000">
@@ -4123,7 +4132,7 @@
               <a:t>Randomized </a:t>
             </a:r>
             <a:r>
-              <a:rPr lang="en-IE" sz="3100" b="1" dirty="0" err="1" smtClean="0">
+              <a:rPr lang="en-IE" sz="3100" b="1" dirty="0" err="1">
                 <a:effectLst>
                   <a:outerShdw blurRad="38100" dist="38100" dir="2700000" algn="tl">
                     <a:srgbClr val="000000">
@@ -4136,7 +4145,7 @@
               <a:t>Lineazr</a:t>
             </a:r>
             <a:r>
-              <a:rPr lang="en-IE" sz="3100" b="1" dirty="0" smtClean="0">
+              <a:rPr lang="en-IE" sz="3100" b="1" dirty="0">
                 <a:effectLst>
                   <a:outerShdw blurRad="38100" dist="38100" dir="2700000" algn="tl">
                     <a:srgbClr val="000000">
@@ -4185,50 +4194,47 @@
           <a:p>
             <a:pPr algn="ctr"/>
             <a:r>
-              <a:rPr lang="en-GB" sz="2400" i="1" dirty="0" smtClean="0">
+              <a:rPr lang="en-GB" sz="2400" i="1" dirty="0">
                 <a:latin typeface="Calibri" panose="020F0502020204030204" pitchFamily="34" charset="0"/>
               </a:rPr>
               <a:t>Volker Rath, </a:t>
             </a:r>
             <a:r>
-              <a:rPr lang="en-GB" sz="2400" i="1" dirty="0" err="1" smtClean="0">
+              <a:rPr lang="en-GB" sz="2400" i="1" dirty="0" err="1">
                 <a:latin typeface="Calibri" panose="020F0502020204030204" pitchFamily="34" charset="0"/>
               </a:rPr>
               <a:t>Duygu</a:t>
             </a:r>
             <a:r>
-              <a:rPr lang="en-GB" sz="2400" i="1" dirty="0" smtClean="0">
+              <a:rPr lang="en-GB" sz="2400" i="1" dirty="0">
                 <a:latin typeface="Calibri" panose="020F0502020204030204" pitchFamily="34" charset="0"/>
               </a:rPr>
               <a:t> </a:t>
             </a:r>
             <a:r>
-              <a:rPr lang="en-GB" sz="2400" i="1" dirty="0" err="1" smtClean="0">
+              <a:rPr lang="en-GB" sz="2400" i="1" dirty="0" err="1">
                 <a:latin typeface="Calibri" panose="020F0502020204030204" pitchFamily="34" charset="0"/>
               </a:rPr>
               <a:t>Kiyan</a:t>
             </a:r>
             <a:r>
-              <a:rPr lang="en-GB" sz="2400" i="1" dirty="0" smtClean="0">
+              <a:rPr lang="en-GB" sz="2400" i="1" dirty="0">
                 <a:latin typeface="Calibri" panose="020F0502020204030204" pitchFamily="34" charset="0"/>
               </a:rPr>
               <a:t>, Robert </a:t>
             </a:r>
             <a:r>
-              <a:rPr lang="en-GB" sz="2400" i="1" dirty="0" err="1" smtClean="0">
+              <a:rPr lang="en-GB" sz="2400" i="1" dirty="0" err="1">
                 <a:latin typeface="Calibri" panose="020F0502020204030204" pitchFamily="34" charset="0"/>
               </a:rPr>
               <a:t>Delhaye</a:t>
             </a:r>
             <a:r>
-              <a:rPr lang="en-GB" sz="2400" i="1" dirty="0" smtClean="0">
+              <a:rPr lang="en-GB" sz="2400" i="1" dirty="0">
                 <a:latin typeface="Calibri" panose="020F0502020204030204" pitchFamily="34" charset="0"/>
               </a:rPr>
               <a:t>, Gerard Muñoz</a:t>
             </a:r>
-            <a:endParaRPr lang="en-GB" sz="2400" i="1" dirty="0">
-              <a:latin typeface="Calibri" panose="020F0502020204030204" pitchFamily="34" charset="0"/>
-            </a:endParaRPr>
           </a:p>
         </p:txBody>
       </p:sp>
@@ -4272,13 +4278,6 @@
   <p:clrMapOvr>
     <a:masterClrMapping/>
   </p:clrMapOvr>
-  <p:timing>
-    <p:tnLst>
-      <p:par>
-        <p:cTn id="1" dur="indefinite" restart="never" nodeType="tmRoot"/>
-      </p:par>
-    </p:tnLst>
-  </p:timing>
 </p:sld>
 </file>
 
@@ -4320,12 +4319,8 @@
           </a:bodyPr>
           <a:lstStyle/>
           <a:p>
-            <a:r>
-              <a:rPr lang="en-IE" sz="2400" dirty="0" smtClean="0"/>
-              <a:t/>
-            </a:r>
             <a:br>
-              <a:rPr lang="en-IE" sz="2400" dirty="0" smtClean="0"/>
+              <a:rPr lang="en-IE" sz="2400" dirty="0"/>
             </a:br>
             <a:endParaRPr lang="en-IE" sz="2400" dirty="0"/>
           </a:p>
@@ -4354,7 +4349,7 @@
           <a:lstStyle/>
           <a:p>
             <a:r>
-              <a:rPr lang="en-IE" sz="3200" i="1" dirty="0" smtClean="0">
+              <a:rPr lang="en-IE" sz="3200" i="1" dirty="0">
                 <a:effectLst>
                   <a:outerShdw blurRad="38100" dist="38100" dir="2700000" algn="tl">
                     <a:srgbClr val="000000">
@@ -4365,15 +4360,6 @@
               </a:rPr>
               <a:t>How sparse can we make the Jacobian?</a:t>
             </a:r>
-            <a:endParaRPr lang="en-IE" sz="3200" i="1" dirty="0">
-              <a:effectLst>
-                <a:outerShdw blurRad="38100" dist="38100" dir="2700000" algn="tl">
-                  <a:srgbClr val="000000">
-                    <a:alpha val="43137"/>
-                  </a:srgbClr>
-                </a:outerShdw>
-              </a:effectLst>
-            </a:endParaRPr>
           </a:p>
         </p:txBody>
       </p:sp>
@@ -4400,7 +4386,7 @@
           <a:lstStyle/>
           <a:p>
             <a:r>
-              <a:rPr lang="en-US" dirty="0" smtClean="0">
+              <a:rPr lang="en-US" dirty="0">
                 <a:cs typeface="Courier New" panose="02070309020205020404" pitchFamily="49" charset="0"/>
               </a:rPr>
               <a:t> </a:t>
@@ -4432,33 +4418,27 @@
           <a:lstStyle/>
           <a:p>
             <a:r>
-              <a:rPr lang="en-GB" dirty="0" err="1" smtClean="0"/>
+              <a:rPr lang="en-GB" dirty="0" err="1"/>
               <a:t>Rathlin</a:t>
             </a:r>
             <a:r>
-              <a:rPr lang="en-GB" dirty="0" smtClean="0"/>
+              <a:rPr lang="en-GB" dirty="0"/>
               <a:t> Basin (RB): 	</a:t>
             </a:r>
           </a:p>
           <a:p>
             <a:r>
-              <a:rPr lang="en-GB" dirty="0" smtClean="0"/>
+              <a:rPr lang="en-GB" dirty="0"/>
               <a:t>68</a:t>
-            </a:r>
-            <a:r>
-              <a:rPr lang="en-GB" dirty="0" smtClean="0">
-                <a:sym typeface="Symbol"/>
-              </a:rPr>
-              <a:t> </a:t>
             </a:r>
             <a:r>
               <a:rPr lang="en-GB" dirty="0">
                 <a:sym typeface="Symbol"/>
               </a:rPr>
-              <a:t> </a:t>
-            </a:r>
-            <a:r>
-              <a:rPr lang="en-GB" dirty="0" smtClean="0"/>
+              <a:t>  </a:t>
+            </a:r>
+            <a:r>
+              <a:rPr lang="en-GB" dirty="0"/>
               <a:t>59</a:t>
             </a:r>
             <a:r>
@@ -4468,31 +4448,31 @@
               <a:t>  </a:t>
             </a:r>
             <a:r>
-              <a:rPr lang="en-GB" dirty="0" smtClean="0"/>
+              <a:rPr lang="en-GB" dirty="0"/>
               <a:t>82 = 328984 Cells, 15196 data</a:t>
             </a:r>
           </a:p>
           <a:p>
             <a:r>
-              <a:rPr lang="en-GB" dirty="0" smtClean="0">
+              <a:rPr lang="en-GB" dirty="0">
                 <a:sym typeface="Symbol"/>
               </a:rPr>
               <a:t> 510</a:t>
             </a:r>
             <a:r>
-              <a:rPr lang="en-GB" baseline="30000" dirty="0" smtClean="0">
+              <a:rPr lang="en-GB" baseline="30000" dirty="0">
                 <a:sym typeface="Symbol"/>
               </a:rPr>
               <a:t>9  </a:t>
             </a:r>
             <a:r>
-              <a:rPr lang="en-GB" dirty="0" smtClean="0">
+              <a:rPr lang="en-GB" dirty="0">
                 <a:sym typeface="Symbol"/>
               </a:rPr>
               <a:t>elements, 37 GB</a:t>
             </a:r>
             <a:r>
-              <a:rPr lang="en-GB" dirty="0" smtClean="0"/>
+              <a:rPr lang="en-GB" dirty="0"/>
               <a:t> </a:t>
             </a:r>
           </a:p>
@@ -4503,68 +4483,40 @@
             </a:r>
             <a:r>
               <a:rPr lang="en-GB" dirty="0"/>
-              <a:t> </a:t>
-            </a:r>
-            <a:r>
-              <a:rPr lang="en-GB" dirty="0" smtClean="0"/>
-              <a:t>Island (RI): 	</a:t>
-            </a:r>
-          </a:p>
-          <a:p>
-            <a:r>
-              <a:rPr lang="en-GB" dirty="0" smtClean="0"/>
+              <a:t> Island (RI): 	</a:t>
+            </a:r>
+          </a:p>
+          <a:p>
+            <a:r>
+              <a:rPr lang="en-GB" dirty="0"/>
               <a:t>53</a:t>
-            </a:r>
-            <a:r>
-              <a:rPr lang="en-GB" dirty="0" smtClean="0">
-                <a:sym typeface="Symbol"/>
-              </a:rPr>
-              <a:t> </a:t>
             </a:r>
             <a:r>
               <a:rPr lang="en-GB" dirty="0">
                 <a:sym typeface="Symbol"/>
               </a:rPr>
-              <a:t> </a:t>
-            </a:r>
-            <a:r>
-              <a:rPr lang="en-GB" dirty="0" smtClean="0">
-                <a:sym typeface="Symbol"/>
-              </a:rPr>
-              <a:t>61 </a:t>
-            </a:r>
+              <a:t>  61  7</a:t>
+            </a:r>
+            <a:r>
+              <a:rPr lang="en-GB" dirty="0"/>
+              <a:t>2 = 232776 Cells, 1560 data        </a:t>
+            </a:r>
+          </a:p>
+          <a:p>
             <a:r>
               <a:rPr lang="en-GB" dirty="0">
                 <a:sym typeface="Symbol"/>
               </a:rPr>
-              <a:t> </a:t>
-            </a:r>
-            <a:r>
-              <a:rPr lang="en-GB" dirty="0" smtClean="0">
+              <a:t> 410</a:t>
+            </a:r>
+            <a:r>
+              <a:rPr lang="en-GB" baseline="30000" dirty="0">
                 <a:sym typeface="Symbol"/>
               </a:rPr>
-              <a:t>7</a:t>
-            </a:r>
-            <a:r>
-              <a:rPr lang="en-GB" dirty="0" smtClean="0"/>
-              <a:t>2 = 232776 Cells, 1560 data        </a:t>
-            </a:r>
-          </a:p>
-          <a:p>
-            <a:r>
-              <a:rPr lang="en-GB" dirty="0" smtClean="0">
-                <a:sym typeface="Symbol"/>
-              </a:rPr>
-              <a:t> 410</a:t>
-            </a:r>
-            <a:r>
-              <a:rPr lang="en-GB" baseline="30000" dirty="0" smtClean="0">
-                <a:sym typeface="Symbol"/>
-              </a:rPr>
               <a:t>6  </a:t>
             </a:r>
             <a:r>
-              <a:rPr lang="en-GB" dirty="0" smtClean="0">
+              <a:rPr lang="en-GB" dirty="0">
                 <a:sym typeface="Symbol"/>
               </a:rPr>
               <a:t> elements, 2.6 GB</a:t>
@@ -4598,9 +4550,27 @@
                 <a:tableStyleId>{5C22544A-7EE6-4342-B048-85BDC9FD1C3A}</a:tableStyleId>
               </a:tblPr>
               <a:tblGrid>
-                <a:gridCol w="848092"/>
-                <a:gridCol w="1184519"/>
-                <a:gridCol w="1683263"/>
+                <a:gridCol w="848092">
+                  <a:extLst>
+                    <a:ext uri="{9D8B030D-6E8A-4147-A177-3AD203B41FA5}">
+                      <a16:colId xmlns:a16="http://schemas.microsoft.com/office/drawing/2014/main" val="20000"/>
+                    </a:ext>
+                  </a:extLst>
+                </a:gridCol>
+                <a:gridCol w="1184519">
+                  <a:extLst>
+                    <a:ext uri="{9D8B030D-6E8A-4147-A177-3AD203B41FA5}">
+                      <a16:colId xmlns:a16="http://schemas.microsoft.com/office/drawing/2014/main" val="20001"/>
+                    </a:ext>
+                  </a:extLst>
+                </a:gridCol>
+                <a:gridCol w="1683263">
+                  <a:extLst>
+                    <a:ext uri="{9D8B030D-6E8A-4147-A177-3AD203B41FA5}">
+                      <a16:colId xmlns:a16="http://schemas.microsoft.com/office/drawing/2014/main" val="20002"/>
+                    </a:ext>
+                  </a:extLst>
+                </a:gridCol>
               </a:tblGrid>
               <a:tr h="301642">
                 <a:tc>
@@ -4609,7 +4579,7 @@
                     <a:lstStyle/>
                     <a:p>
                       <a:r>
-                        <a:rPr lang="en-US" sz="1400" dirty="0" smtClean="0"/>
+                        <a:rPr lang="en-US" sz="1400" dirty="0"/>
                         <a:t>Thresh</a:t>
                       </a:r>
                       <a:endParaRPr lang="en-GB" sz="1400" dirty="0"/>
@@ -4623,11 +4593,11 @@
                     <a:lstStyle/>
                     <a:p>
                       <a:r>
-                        <a:rPr lang="en-US" sz="1400" dirty="0" err="1" smtClean="0"/>
+                        <a:rPr lang="en-US" sz="1400" dirty="0" err="1"/>
                         <a:t>nnz</a:t>
                       </a:r>
                       <a:r>
-                        <a:rPr lang="en-US" sz="1400" dirty="0" smtClean="0"/>
+                        <a:rPr lang="en-US" sz="1400" dirty="0"/>
                         <a:t> RB (RI)</a:t>
                       </a:r>
                       <a:endParaRPr lang="en-GB" sz="1400" dirty="0"/>
@@ -4641,7 +4611,7 @@
                     <a:lstStyle/>
                     <a:p>
                       <a:r>
-                        <a:rPr lang="en-US" sz="1400" dirty="0" smtClean="0"/>
+                        <a:rPr lang="en-US" sz="1400" dirty="0"/>
                         <a:t>Size RB (RI) </a:t>
                       </a:r>
                       <a:endParaRPr lang="en-GB" sz="1400" dirty="0"/>
@@ -4649,6 +4619,11 @@
                   </a:txBody>
                   <a:tcPr/>
                 </a:tc>
+                <a:extLst>
+                  <a:ext uri="{0D108BD9-81ED-4DB2-BD59-A6C34878D82A}">
+                    <a16:rowId xmlns:a16="http://schemas.microsoft.com/office/drawing/2014/main" val="10000"/>
+                  </a:ext>
+                </a:extLst>
               </a:tr>
               <a:tr h="282545">
                 <a:tc>
@@ -4657,7 +4632,7 @@
                     <a:lstStyle/>
                     <a:p>
                       <a:r>
-                        <a:rPr lang="en-US" sz="1400" dirty="0" smtClean="0"/>
+                        <a:rPr lang="en-US" sz="1400" dirty="0"/>
                         <a:t>1e-4</a:t>
                       </a:r>
                       <a:endParaRPr lang="en-GB" sz="1400" dirty="0"/>
@@ -4671,7 +4646,7 @@
                     <a:lstStyle/>
                     <a:p>
                       <a:r>
-                        <a:rPr lang="en-US" sz="1400" dirty="0" smtClean="0"/>
+                        <a:rPr lang="en-US" sz="1400" dirty="0"/>
                         <a:t>&lt;1% (2%)</a:t>
                       </a:r>
                       <a:endParaRPr lang="en-GB" sz="1400" dirty="0"/>
@@ -4685,7 +4660,7 @@
                     <a:lstStyle/>
                     <a:p>
                       <a:r>
-                        <a:rPr lang="en-US" sz="1400" dirty="0" smtClean="0"/>
+                        <a:rPr lang="en-US" sz="1400" dirty="0"/>
                         <a:t>170 MB (0.13 MB)</a:t>
                       </a:r>
                       <a:endParaRPr lang="en-GB" sz="1400" dirty="0"/>
@@ -4693,6 +4668,11 @@
                   </a:txBody>
                   <a:tcPr/>
                 </a:tc>
+                <a:extLst>
+                  <a:ext uri="{0D108BD9-81ED-4DB2-BD59-A6C34878D82A}">
+                    <a16:rowId xmlns:a16="http://schemas.microsoft.com/office/drawing/2014/main" val="10001"/>
+                  </a:ext>
+                </a:extLst>
               </a:tr>
               <a:tr h="282545">
                 <a:tc>
@@ -4701,7 +4681,7 @@
                     <a:lstStyle/>
                     <a:p>
                       <a:r>
-                        <a:rPr lang="en-US" sz="1400" dirty="0" smtClean="0"/>
+                        <a:rPr lang="en-US" sz="1400" dirty="0"/>
                         <a:t>1e-6</a:t>
                       </a:r>
                       <a:endParaRPr lang="en-GB" sz="1400" dirty="0"/>
@@ -4715,7 +4695,7 @@
                     <a:lstStyle/>
                     <a:p>
                       <a:r>
-                        <a:rPr lang="en-US" sz="1400" dirty="0" smtClean="0"/>
+                        <a:rPr lang="en-US" sz="1400" dirty="0"/>
                         <a:t>14% (20%)</a:t>
                       </a:r>
                       <a:endParaRPr lang="en-GB" sz="1400" dirty="0"/>
@@ -4729,7 +4709,7 @@
                     <a:lstStyle/>
                     <a:p>
                       <a:r>
-                        <a:rPr lang="en-US" sz="1400" dirty="0" smtClean="0"/>
+                        <a:rPr lang="en-US" sz="1400" dirty="0"/>
                         <a:t>6.1 GB (12 MB)</a:t>
                       </a:r>
                       <a:endParaRPr lang="en-GB" sz="1400" dirty="0"/>
@@ -4737,6 +4717,11 @@
                   </a:txBody>
                   <a:tcPr/>
                 </a:tc>
+                <a:extLst>
+                  <a:ext uri="{0D108BD9-81ED-4DB2-BD59-A6C34878D82A}">
+                    <a16:rowId xmlns:a16="http://schemas.microsoft.com/office/drawing/2014/main" val="10002"/>
+                  </a:ext>
+                </a:extLst>
               </a:tr>
               <a:tr h="282545">
                 <a:tc>
@@ -4745,7 +4730,7 @@
                     <a:lstStyle/>
                     <a:p>
                       <a:r>
-                        <a:rPr lang="en-US" sz="1400" dirty="0" smtClean="0"/>
+                        <a:rPr lang="en-US" sz="1400" dirty="0"/>
                         <a:t>1e-8</a:t>
                       </a:r>
                       <a:endParaRPr lang="en-GB" sz="1400" dirty="0"/>
@@ -4759,7 +4744,7 @@
                     <a:lstStyle/>
                     <a:p>
                       <a:r>
-                        <a:rPr lang="en-US" sz="1400" dirty="0" smtClean="0"/>
+                        <a:rPr lang="en-US" sz="1400" dirty="0"/>
                         <a:t>45% (38%)</a:t>
                       </a:r>
                       <a:endParaRPr lang="en-GB" sz="1400" dirty="0"/>
@@ -4773,15 +4758,15 @@
                     <a:lstStyle/>
                     <a:p>
                       <a:r>
-                        <a:rPr lang="en-US" sz="1400" dirty="0" smtClean="0"/>
+                        <a:rPr lang="en-US" sz="1400" dirty="0"/>
                         <a:t>19.4</a:t>
                       </a:r>
                       <a:r>
-                        <a:rPr lang="en-US" sz="1400" baseline="0" dirty="0" smtClean="0"/>
+                        <a:rPr lang="en-US" sz="1400" baseline="0" dirty="0"/>
                         <a:t> GB </a:t>
                       </a:r>
                       <a:r>
-                        <a:rPr lang="en-US" sz="1400" dirty="0" smtClean="0"/>
+                        <a:rPr lang="en-US" sz="1400" dirty="0"/>
                         <a:t>(324 MB)</a:t>
                       </a:r>
                       <a:endParaRPr lang="en-GB" sz="1400" dirty="0"/>
@@ -4789,6 +4774,11 @@
                   </a:txBody>
                   <a:tcPr/>
                 </a:tc>
+                <a:extLst>
+                  <a:ext uri="{0D108BD9-81ED-4DB2-BD59-A6C34878D82A}">
+                    <a16:rowId xmlns:a16="http://schemas.microsoft.com/office/drawing/2014/main" val="10003"/>
+                  </a:ext>
+                </a:extLst>
               </a:tr>
               <a:tr h="282545">
                 <a:tc>
@@ -4797,7 +4787,7 @@
                     <a:lstStyle/>
                     <a:p>
                       <a:r>
-                        <a:rPr lang="en-US" sz="1400" dirty="0" smtClean="0"/>
+                        <a:rPr lang="en-US" sz="1400" dirty="0"/>
                         <a:t>1e-10</a:t>
                       </a:r>
                       <a:endParaRPr lang="en-GB" sz="1400" dirty="0"/>
@@ -4811,7 +4801,7 @@
                     <a:lstStyle/>
                     <a:p>
                       <a:r>
-                        <a:rPr lang="en-US" sz="1400" dirty="0" smtClean="0"/>
+                        <a:rPr lang="en-US" sz="1400" dirty="0"/>
                         <a:t>58% (50%)</a:t>
                       </a:r>
                     </a:p>
@@ -4824,7 +4814,7 @@
                     <a:lstStyle/>
                     <a:p>
                       <a:r>
-                        <a:rPr lang="en-US" sz="1400" dirty="0" smtClean="0"/>
+                        <a:rPr lang="en-US" sz="1400" dirty="0"/>
                         <a:t>25.1 GB (1 GB)</a:t>
                       </a:r>
                       <a:endParaRPr lang="en-GB" sz="1400" dirty="0"/>
@@ -4832,6 +4822,11 @@
                   </a:txBody>
                   <a:tcPr/>
                 </a:tc>
+                <a:extLst>
+                  <a:ext uri="{0D108BD9-81ED-4DB2-BD59-A6C34878D82A}">
+                    <a16:rowId xmlns:a16="http://schemas.microsoft.com/office/drawing/2014/main" val="10004"/>
+                  </a:ext>
+                </a:extLst>
               </a:tr>
               <a:tr h="282545">
                 <a:tc>
@@ -4840,7 +4835,7 @@
                     <a:lstStyle/>
                     <a:p>
                       <a:r>
-                        <a:rPr lang="en-US" sz="1400" dirty="0" smtClean="0"/>
+                        <a:rPr lang="en-US" sz="1400" dirty="0"/>
                         <a:t>1e-12</a:t>
                       </a:r>
                       <a:endParaRPr lang="en-GB" sz="1400" dirty="0"/>
@@ -4854,7 +4849,7 @@
                     <a:lstStyle/>
                     <a:p>
                       <a:r>
-                        <a:rPr lang="en-US" sz="1400" dirty="0" smtClean="0"/>
+                        <a:rPr lang="en-US" sz="1400" dirty="0"/>
                         <a:t>68% (67%)</a:t>
                       </a:r>
                     </a:p>
@@ -4867,19 +4862,19 @@
                     <a:lstStyle/>
                     <a:p>
                       <a:r>
-                        <a:rPr lang="en-US" sz="1400" dirty="0" smtClean="0"/>
+                        <a:rPr lang="en-US" sz="1400" dirty="0"/>
                         <a:t>29.2</a:t>
                       </a:r>
                       <a:r>
-                        <a:rPr lang="en-US" sz="1400" baseline="0" dirty="0" smtClean="0"/>
+                        <a:rPr lang="en-US" sz="1400" baseline="0" dirty="0"/>
                         <a:t> GB </a:t>
                       </a:r>
                       <a:r>
-                        <a:rPr lang="en-US" sz="1400" dirty="0" smtClean="0"/>
+                        <a:rPr lang="en-US" sz="1400" dirty="0"/>
                         <a:t>(1.4</a:t>
                       </a:r>
                       <a:r>
-                        <a:rPr lang="en-US" sz="1400" baseline="0" dirty="0" smtClean="0"/>
+                        <a:rPr lang="en-US" sz="1400" baseline="0" dirty="0"/>
                         <a:t> GB)</a:t>
                       </a:r>
                       <a:endParaRPr lang="en-GB" sz="1400" dirty="0"/>
@@ -4887,6 +4882,11 @@
                   </a:txBody>
                   <a:tcPr/>
                 </a:tc>
+                <a:extLst>
+                  <a:ext uri="{0D108BD9-81ED-4DB2-BD59-A6C34878D82A}">
+                    <a16:rowId xmlns:a16="http://schemas.microsoft.com/office/drawing/2014/main" val="10005"/>
+                  </a:ext>
+                </a:extLst>
               </a:tr>
               <a:tr h="282545">
                 <a:tc>
@@ -4895,7 +4895,7 @@
                     <a:lstStyle/>
                     <a:p>
                       <a:r>
-                        <a:rPr lang="en-US" sz="1400" dirty="0" smtClean="0"/>
+                        <a:rPr lang="en-US" sz="1400" dirty="0"/>
                         <a:t>1e-14</a:t>
                       </a:r>
                       <a:endParaRPr lang="en-GB" sz="1400" dirty="0"/>
@@ -4909,7 +4909,7 @@
                     <a:lstStyle/>
                     <a:p>
                       <a:r>
-                        <a:rPr lang="en-US" sz="1400" dirty="0" smtClean="0"/>
+                        <a:rPr lang="en-US" sz="1400" dirty="0"/>
                         <a:t>81% (75%)</a:t>
                       </a:r>
                     </a:p>
@@ -4922,15 +4922,15 @@
                     <a:lstStyle/>
                     <a:p>
                       <a:r>
-                        <a:rPr lang="en-US" sz="1400" dirty="0" smtClean="0"/>
+                        <a:rPr lang="en-US" sz="1400" dirty="0"/>
                         <a:t>34.8 GB</a:t>
                       </a:r>
                       <a:r>
-                        <a:rPr lang="en-US" sz="1400" baseline="0" dirty="0" smtClean="0"/>
+                        <a:rPr lang="en-US" sz="1400" baseline="0" dirty="0"/>
                         <a:t> </a:t>
                       </a:r>
                       <a:r>
-                        <a:rPr lang="en-US" sz="1400" dirty="0" smtClean="0"/>
+                        <a:rPr lang="en-US" sz="1400" dirty="0"/>
                         <a:t>(1.8 GB)</a:t>
                       </a:r>
                       <a:endParaRPr lang="en-GB" sz="1400" dirty="0"/>
@@ -4938,6 +4938,11 @@
                   </a:txBody>
                   <a:tcPr/>
                 </a:tc>
+                <a:extLst>
+                  <a:ext uri="{0D108BD9-81ED-4DB2-BD59-A6C34878D82A}">
+                    <a16:rowId xmlns:a16="http://schemas.microsoft.com/office/drawing/2014/main" val="10006"/>
+                  </a:ext>
+                </a:extLst>
               </a:tr>
             </a:tbl>
           </a:graphicData>
@@ -4970,7 +4975,7 @@
               <a:buChar char="Ø"/>
             </a:pPr>
             <a:r>
-              <a:rPr lang="en-US" dirty="0" smtClean="0"/>
+              <a:rPr lang="en-US" dirty="0"/>
               <a:t>Jacobians are large, but have many “zeros”,  and structured</a:t>
             </a:r>
             <a:endParaRPr lang="en-GB" dirty="0"/>
@@ -4981,15 +4986,15 @@
               <a:buChar char="Ø"/>
             </a:pPr>
             <a:r>
-              <a:rPr lang="en-US" dirty="0" smtClean="0"/>
+              <a:rPr lang="en-US" dirty="0"/>
               <a:t>Should (and can!) be </a:t>
             </a:r>
             <a:r>
-              <a:rPr lang="en-US" dirty="0" err="1" smtClean="0"/>
+              <a:rPr lang="en-US" dirty="0" err="1"/>
               <a:t>sparsified</a:t>
             </a:r>
             <a:r>
-              <a:rPr lang="en-US" dirty="0" smtClean="0"/>
+              <a:rPr lang="en-US" dirty="0"/>
               <a:t> “on the fly”, i.e., column-wise within the modeling code</a:t>
             </a:r>
           </a:p>
@@ -5035,13 +5040,6 @@
   <p:clrMapOvr>
     <a:masterClrMapping/>
   </p:clrMapOvr>
-  <p:timing>
-    <p:tnLst>
-      <p:par>
-        <p:cTn id="1" dur="indefinite" restart="never" nodeType="tmRoot"/>
-      </p:par>
-    </p:tnLst>
-  </p:timing>
 </p:sld>
 </file>
 
@@ -5083,12 +5081,8 @@
           </a:bodyPr>
           <a:lstStyle/>
           <a:p>
-            <a:r>
-              <a:rPr lang="en-IE" sz="2400" dirty="0" smtClean="0"/>
-              <a:t/>
-            </a:r>
             <a:br>
-              <a:rPr lang="en-IE" sz="2400" dirty="0" smtClean="0"/>
+              <a:rPr lang="en-IE" sz="2400" dirty="0"/>
             </a:br>
             <a:endParaRPr lang="en-IE" sz="2400" dirty="0"/>
           </a:p>
@@ -5117,7 +5111,7 @@
           <a:lstStyle/>
           <a:p>
             <a:r>
-              <a:rPr lang="en-IE" sz="3200" i="1" dirty="0" smtClean="0">
+              <a:rPr lang="en-IE" sz="3200" i="1" dirty="0">
                 <a:effectLst>
                   <a:outerShdw blurRad="38100" dist="38100" dir="2700000" algn="tl">
                     <a:srgbClr val="000000">
@@ -5128,15 +5122,6 @@
               </a:rPr>
               <a:t>Singular value decomposition – experiments</a:t>
             </a:r>
-            <a:endParaRPr lang="en-IE" sz="3200" i="1" dirty="0">
-              <a:effectLst>
-                <a:outerShdw blurRad="38100" dist="38100" dir="2700000" algn="tl">
-                  <a:srgbClr val="000000">
-                    <a:alpha val="43137"/>
-                  </a:srgbClr>
-                </a:outerShdw>
-              </a:effectLst>
-            </a:endParaRPr>
           </a:p>
         </p:txBody>
       </p:sp>
@@ -5163,7 +5148,7 @@
           <a:lstStyle/>
           <a:p>
             <a:r>
-              <a:rPr lang="fi-FI" dirty="0" smtClean="0">
+              <a:rPr lang="fi-FI" dirty="0">
                 <a:latin typeface="+mj-lt"/>
                 <a:cs typeface="Courier New" panose="02070309020205020404" pitchFamily="49" charset="0"/>
               </a:rPr>
@@ -5182,25 +5167,25 @@
           <p:nvPr>
             <p:extLst>
               <p:ext uri="{D42A27DB-BD31-4B8C-83A1-F6EECF244321}">
-                <p14:modId xmlns:p14="http://schemas.microsoft.com/office/powerpoint/2010/main" val="492134019"/>
+                <p14:modId xmlns:p14="http://schemas.microsoft.com/office/powerpoint/2010/main" val="2221221497"/>
               </p:ext>
             </p:extLst>
           </p:nvPr>
         </p:nvGraphicFramePr>
         <p:xfrm>
-          <a:off x="7556500" y="4621213"/>
+          <a:off x="4103948" y="1887674"/>
           <a:ext cx="1803400" cy="508000"/>
         </p:xfrm>
         <a:graphic>
           <a:graphicData uri="http://schemas.openxmlformats.org/presentationml/2006/ole">
             <mc:AlternateContent xmlns:mc="http://schemas.openxmlformats.org/markup-compatibility/2006">
               <mc:Choice xmlns:v="urn:schemas-microsoft-com:vml" Requires="v">
-                <p:oleObj spid="_x0000_s5141" name="Equation" r:id="rId3" imgW="1803240" imgH="507960" progId="Equation.DSMT4">
+                <p:oleObj name="Equation" r:id="rId2" imgW="1803240" imgH="507960" progId="Equation.DSMT4">
                   <p:embed/>
                 </p:oleObj>
               </mc:Choice>
               <mc:Fallback>
-                <p:oleObj name="Equation" r:id="rId3" imgW="1803240" imgH="507960" progId="Equation.DSMT4">
+                <p:oleObj name="Equation" r:id="rId2" imgW="1803240" imgH="507960" progId="Equation.DSMT4">
                   <p:embed/>
                   <p:pic>
                     <p:nvPicPr>
@@ -5209,14 +5194,14 @@
                       <p:nvPr/>
                     </p:nvPicPr>
                     <p:blipFill>
-                      <a:blip r:embed="rId4"/>
+                      <a:blip r:embed="rId3"/>
                       <a:stretch>
                         <a:fillRect/>
                       </a:stretch>
                     </p:blipFill>
                     <p:spPr>
                       <a:xfrm>
-                        <a:off x="7556500" y="4621213"/>
+                        <a:off x="4103948" y="1887674"/>
                         <a:ext cx="1803400" cy="508000"/>
                       </a:xfrm>
                       <a:prstGeom prst="rect">
@@ -5240,13 +5225,6 @@
   <p:clrMapOvr>
     <a:masterClrMapping/>
   </p:clrMapOvr>
-  <p:timing>
-    <p:tnLst>
-      <p:par>
-        <p:cTn id="1" dur="indefinite" restart="never" nodeType="tmRoot"/>
-      </p:par>
-    </p:tnLst>
-  </p:timing>
 </p:sld>
 </file>
 
@@ -5288,12 +5266,8 @@
           </a:bodyPr>
           <a:lstStyle/>
           <a:p>
-            <a:r>
-              <a:rPr lang="en-IE" sz="2400" dirty="0" smtClean="0"/>
-              <a:t/>
-            </a:r>
             <a:br>
-              <a:rPr lang="en-IE" sz="2400" dirty="0" smtClean="0"/>
+              <a:rPr lang="en-IE" sz="2400" dirty="0"/>
             </a:br>
             <a:endParaRPr lang="en-IE" sz="2400" dirty="0"/>
           </a:p>
@@ -5322,7 +5296,7 @@
           <a:lstStyle/>
           <a:p>
             <a:r>
-              <a:rPr lang="en-IE" sz="3200" i="1" dirty="0" smtClean="0">
+              <a:rPr lang="en-IE" sz="3200" i="1" dirty="0">
                 <a:effectLst>
                   <a:outerShdw blurRad="38100" dist="38100" dir="2700000" algn="tl">
                     <a:srgbClr val="000000">
@@ -5333,15 +5307,6 @@
               </a:rPr>
               <a:t>Singular value decomposition – experiments</a:t>
             </a:r>
-            <a:endParaRPr lang="en-IE" sz="3200" i="1" dirty="0">
-              <a:effectLst>
-                <a:outerShdw blurRad="38100" dist="38100" dir="2700000" algn="tl">
-                  <a:srgbClr val="000000">
-                    <a:alpha val="43137"/>
-                  </a:srgbClr>
-                </a:outerShdw>
-              </a:effectLst>
-            </a:endParaRPr>
           </a:p>
         </p:txBody>
       </p:sp>
@@ -5372,14 +5337,7 @@
                 <a:latin typeface="+mj-lt"/>
                 <a:cs typeface="Courier New" panose="02070309020205020404" pitchFamily="49" charset="0"/>
               </a:rPr>
-              <a:t>s</a:t>
-            </a:r>
-            <a:r>
-              <a:rPr lang="fi-FI" dirty="0" smtClean="0">
-                <a:latin typeface="+mj-lt"/>
-                <a:cs typeface="Courier New" panose="02070309020205020404" pitchFamily="49" charset="0"/>
-              </a:rPr>
-              <a:t>parsity </a:t>
+              <a:t>sparsity </a:t>
             </a:r>
             <a:endParaRPr lang="en-GB" dirty="0"/>
           </a:p>
@@ -5412,41 +5370,33 @@
                 <a:latin typeface="+mj-lt"/>
                 <a:cs typeface="Courier New" panose="02070309020205020404" pitchFamily="49" charset="0"/>
               </a:rPr>
-              <a:t>r</a:t>
-            </a:r>
-            <a:r>
-              <a:rPr lang="fi-FI" dirty="0" smtClean="0">
+              <a:t>rsvd  vs  MATLAB svds</a:t>
+            </a:r>
+          </a:p>
+          <a:p>
+            <a:r>
+              <a:rPr lang="fi-FI" sz="1600" i="1" dirty="0">
                 <a:latin typeface="+mj-lt"/>
                 <a:cs typeface="Courier New" panose="02070309020205020404" pitchFamily="49" charset="0"/>
               </a:rPr>
-              <a:t>svd  vs  MATLAB svds</a:t>
-            </a:r>
-          </a:p>
-          <a:p>
-            <a:r>
-              <a:rPr lang="fi-FI" sz="1600" i="1" dirty="0" smtClean="0">
-                <a:latin typeface="+mj-lt"/>
-                <a:cs typeface="Courier New" panose="02070309020205020404" pitchFamily="49" charset="0"/>
-              </a:rPr>
               <a:t>(</a:t>
             </a:r>
             <a:r>
-              <a:rPr lang="en-GB" sz="1600" i="1" dirty="0" err="1" smtClean="0"/>
+              <a:rPr lang="en-GB" sz="1600" i="1" dirty="0" err="1"/>
               <a:t>Baglama</a:t>
             </a:r>
             <a:r>
-              <a:rPr lang="en-GB" sz="1600" i="1" dirty="0" smtClean="0"/>
+              <a:rPr lang="en-GB" sz="1600" i="1" dirty="0"/>
               <a:t> &amp; </a:t>
             </a:r>
             <a:r>
-              <a:rPr lang="en-GB" sz="1600" i="1" dirty="0" err="1" smtClean="0"/>
+              <a:rPr lang="en-GB" sz="1600" i="1" dirty="0" err="1"/>
               <a:t>Reichel</a:t>
             </a:r>
             <a:r>
-              <a:rPr lang="en-GB" sz="1600" i="1" dirty="0" smtClean="0"/>
+              <a:rPr lang="en-GB" sz="1600" i="1" dirty="0"/>
               <a:t>, 2005) </a:t>
             </a:r>
-            <a:endParaRPr lang="en-GB" sz="1600" i="1" dirty="0"/>
           </a:p>
         </p:txBody>
       </p:sp>
@@ -5460,13 +5410,6 @@
   <p:clrMapOvr>
     <a:masterClrMapping/>
   </p:clrMapOvr>
-  <p:timing>
-    <p:tnLst>
-      <p:par>
-        <p:cTn id="1" dur="indefinite" restart="never" nodeType="tmRoot"/>
-      </p:par>
-    </p:tnLst>
-  </p:timing>
 </p:sld>
 </file>
 
@@ -5508,12 +5451,8 @@
           </a:bodyPr>
           <a:lstStyle/>
           <a:p>
-            <a:r>
-              <a:rPr lang="en-IE" sz="2400" dirty="0" smtClean="0"/>
-              <a:t/>
-            </a:r>
             <a:br>
-              <a:rPr lang="en-IE" sz="2400" dirty="0" smtClean="0"/>
+              <a:rPr lang="en-IE" sz="2400" dirty="0"/>
             </a:br>
             <a:endParaRPr lang="en-IE" sz="2400" dirty="0"/>
           </a:p>
@@ -5542,7 +5481,7 @@
           <a:lstStyle/>
           <a:p>
             <a:r>
-              <a:rPr lang="en-IE" sz="3200" i="1" dirty="0" smtClean="0">
+              <a:rPr lang="en-IE" sz="3200" i="1" dirty="0">
                 <a:effectLst>
                   <a:outerShdw blurRad="38100" dist="38100" dir="2700000" algn="tl">
                     <a:srgbClr val="000000">
@@ -5553,15 +5492,6 @@
               </a:rPr>
               <a:t>Singular value decomposition - Timing</a:t>
             </a:r>
-            <a:endParaRPr lang="en-IE" sz="3200" i="1" dirty="0">
-              <a:effectLst>
-                <a:outerShdw blurRad="38100" dist="38100" dir="2700000" algn="tl">
-                  <a:srgbClr val="000000">
-                    <a:alpha val="43137"/>
-                  </a:srgbClr>
-                </a:outerShdw>
-              </a:effectLst>
-            </a:endParaRPr>
           </a:p>
         </p:txBody>
       </p:sp>
@@ -5588,44 +5518,30 @@
           <a:lstStyle/>
           <a:p>
             <a:r>
-              <a:rPr lang="en-US" dirty="0" smtClean="0">
+              <a:rPr lang="en-US" dirty="0">
                 <a:cs typeface="Courier New" panose="02070309020205020404" pitchFamily="49" charset="0"/>
               </a:rPr>
               <a:t> </a:t>
-            </a:r>
-            <a:r>
-              <a:rPr lang="fi-FI" dirty="0" smtClean="0">
-                <a:latin typeface="+mj-lt"/>
-                <a:cs typeface="Courier New" panose="02070309020205020404" pitchFamily="49" charset="0"/>
-              </a:rPr>
-              <a:t>rsvd  algorithm </a:t>
-            </a:r>
-            <a:br>
-              <a:rPr lang="fi-FI" dirty="0" smtClean="0">
-                <a:latin typeface="+mj-lt"/>
-                <a:cs typeface="Courier New" panose="02070309020205020404" pitchFamily="49" charset="0"/>
-              </a:rPr>
-            </a:br>
-            <a:r>
-              <a:rPr lang="fi-FI" dirty="0" smtClean="0">
-                <a:latin typeface="+mj-lt"/>
-                <a:cs typeface="Courier New" panose="02070309020205020404" pitchFamily="49" charset="0"/>
-              </a:rPr>
-              <a:t>(after </a:t>
             </a:r>
             <a:r>
               <a:rPr lang="fi-FI" dirty="0">
                 <a:latin typeface="+mj-lt"/>
                 <a:cs typeface="Courier New" panose="02070309020205020404" pitchFamily="49" charset="0"/>
               </a:rPr>
-              <a:t>Antoine Liutkus 2014</a:t>
-            </a:r>
-            <a:r>
-              <a:rPr lang="fi-FI" dirty="0" smtClean="0">
+              <a:t>rsvd  algorithm </a:t>
+            </a:r>
+            <a:br>
+              <a:rPr lang="fi-FI" dirty="0">
                 <a:latin typeface="+mj-lt"/>
                 <a:cs typeface="Courier New" panose="02070309020205020404" pitchFamily="49" charset="0"/>
               </a:rPr>
-              <a:t>)</a:t>
+            </a:br>
+            <a:r>
+              <a:rPr lang="fi-FI" dirty="0">
+                <a:latin typeface="+mj-lt"/>
+                <a:cs typeface="Courier New" panose="02070309020205020404" pitchFamily="49" charset="0"/>
+              </a:rPr>
+              <a:t>(after Antoine Liutkus 2014)</a:t>
             </a:r>
           </a:p>
           <a:p>
@@ -5640,42 +5556,30 @@
               <a:buChar char="•"/>
             </a:pPr>
             <a:r>
-              <a:rPr lang="en-US" dirty="0" smtClean="0">
-                <a:cs typeface="Courier New" panose="02070309020205020404" pitchFamily="49" charset="0"/>
-              </a:rPr>
-              <a:t>generate </a:t>
-            </a:r>
-            <a:r>
               <a:rPr lang="en-US" dirty="0">
                 <a:cs typeface="Courier New" panose="02070309020205020404" pitchFamily="49" charset="0"/>
               </a:rPr>
-              <a:t>matrix of </a:t>
-            </a:r>
-            <a:r>
-              <a:rPr lang="en-US" dirty="0" smtClean="0">
+              <a:t>generate matrix of </a:t>
+            </a:r>
+            <a:br>
+              <a:rPr lang="en-US" dirty="0">
                 <a:cs typeface="Courier New" panose="02070309020205020404" pitchFamily="49" charset="0"/>
               </a:rPr>
-              <a:t/>
-            </a:r>
-            <a:br>
-              <a:rPr lang="en-US" dirty="0" smtClean="0">
+            </a:br>
+            <a:r>
+              <a:rPr lang="en-US" dirty="0">
                 <a:cs typeface="Courier New" panose="02070309020205020404" pitchFamily="49" charset="0"/>
               </a:rPr>
-            </a:br>
-            <a:r>
-              <a:rPr lang="en-US" dirty="0" smtClean="0">
-                <a:cs typeface="Courier New" panose="02070309020205020404" pitchFamily="49" charset="0"/>
-              </a:rPr>
               <a:t>orthonormal random columns</a:t>
             </a:r>
             <a:r>
-              <a:rPr lang="en-US" dirty="0" smtClean="0">
+              <a:rPr lang="en-US" dirty="0">
                 <a:latin typeface="Courier New" panose="02070309020205020404" pitchFamily="49" charset="0"/>
                 <a:cs typeface="Courier New" panose="02070309020205020404" pitchFamily="49" charset="0"/>
               </a:rPr>
               <a:t> </a:t>
             </a:r>
-            <a:endParaRPr lang="en-GB" dirty="0" smtClean="0">
+            <a:endParaRPr lang="en-GB" dirty="0">
               <a:latin typeface="Courier New" panose="02070309020205020404" pitchFamily="49" charset="0"/>
               <a:cs typeface="Courier New" panose="02070309020205020404" pitchFamily="49" charset="0"/>
             </a:endParaRPr>
@@ -5689,29 +5593,23 @@
               <a:rPr lang="en-US" dirty="0">
                 <a:cs typeface="Courier New" panose="02070309020205020404" pitchFamily="49" charset="0"/>
               </a:rPr>
-              <a:t>t</a:t>
-            </a:r>
-            <a:r>
-              <a:rPr lang="en-US" dirty="0" smtClean="0">
-                <a:cs typeface="Courier New" panose="02070309020205020404" pitchFamily="49" charset="0"/>
-              </a:rPr>
-              <a:t>rans form M</a:t>
-            </a:r>
-            <a:r>
-              <a:rPr lang="en-US" dirty="0" smtClean="0">
+              <a:t>trans form M</a:t>
+            </a:r>
+            <a:r>
+              <a:rPr lang="en-US" dirty="0">
                 <a:cs typeface="Courier New" panose="02070309020205020404" pitchFamily="49" charset="0"/>
                 <a:sym typeface="Symbol"/>
               </a:rPr>
               <a:t></a:t>
             </a:r>
             <a:r>
-              <a:rPr lang="en-US" dirty="0" smtClean="0">
+              <a:rPr lang="en-US" dirty="0">
                 <a:cs typeface="Courier New" panose="02070309020205020404" pitchFamily="49" charset="0"/>
               </a:rPr>
               <a:t>N matrix to M</a:t>
             </a:r>
             <a:r>
-              <a:rPr lang="en-US" dirty="0" smtClean="0">
+              <a:rPr lang="en-US" dirty="0">
                 <a:cs typeface="Courier New" panose="02070309020205020404" pitchFamily="49" charset="0"/>
                 <a:sym typeface="Symbol"/>
               </a:rPr>
@@ -5725,11 +5623,7 @@
             </a:pPr>
             <a:r>
               <a:rPr lang="en-US" dirty="0"/>
-              <a:t>c</a:t>
-            </a:r>
-            <a:r>
-              <a:rPr lang="en-US" dirty="0" smtClean="0"/>
-              <a:t>alculate SVD of smaller matrix</a:t>
+              <a:t>calculate SVD of smaller matrix</a:t>
             </a:r>
           </a:p>
           <a:p>
@@ -5738,7 +5632,7 @@
               <a:buChar char="•"/>
             </a:pPr>
             <a:r>
-              <a:rPr lang="en-US" dirty="0" smtClean="0"/>
+              <a:rPr lang="en-US" dirty="0"/>
               <a:t>back transform</a:t>
             </a:r>
           </a:p>
@@ -5748,22 +5642,22 @@
               <a:buChar char="•"/>
             </a:pPr>
             <a:r>
-              <a:rPr lang="en-US" dirty="0" smtClean="0"/>
+              <a:rPr lang="en-US" dirty="0"/>
               <a:t>Truncate to </a:t>
             </a:r>
             <a:br>
-              <a:rPr lang="en-US" dirty="0" smtClean="0"/>
+              <a:rPr lang="en-US" dirty="0"/>
             </a:br>
             <a:r>
-              <a:rPr lang="en-US" dirty="0" smtClean="0"/>
+              <a:rPr lang="en-US" dirty="0"/>
               <a:t>standard  </a:t>
             </a:r>
             <a:r>
-              <a:rPr lang="en-US" dirty="0" err="1" smtClean="0"/>
+              <a:rPr lang="en-US" dirty="0" err="1"/>
               <a:t>matlab</a:t>
             </a:r>
             <a:r>
-              <a:rPr lang="en-US" dirty="0" smtClean="0"/>
+              <a:rPr lang="en-US" dirty="0"/>
               <a:t> “econ” form</a:t>
             </a:r>
             <a:endParaRPr lang="en-GB" dirty="0"/>
@@ -5840,13 +5734,6 @@
   <p:clrMapOvr>
     <a:masterClrMapping/>
   </p:clrMapOvr>
-  <p:timing>
-    <p:tnLst>
-      <p:par>
-        <p:cTn id="1" dur="indefinite" restart="never" nodeType="tmRoot"/>
-      </p:par>
-    </p:tnLst>
-  </p:timing>
 </p:sld>
 </file>
 
@@ -5896,10 +5783,9 @@
               <a:buAutoNum type="arabicPeriod"/>
             </a:pPr>
             <a:r>
-              <a:rPr lang="en-US" dirty="0" smtClean="0"/>
+              <a:rPr lang="en-US" dirty="0"/>
               <a:t>Calculate MAP model, Jacobian, and posterior Covariance   </a:t>
             </a:r>
-            <a:endParaRPr lang="en-US" dirty="0"/>
           </a:p>
           <a:p>
             <a:pPr marL="342900" indent="-342900">
@@ -5910,18 +5796,9 @@
               <a:buAutoNum type="arabicPeriod"/>
             </a:pPr>
             <a:r>
-              <a:rPr lang="en-US" dirty="0" smtClean="0"/>
-              <a:t>Calculate truncated singular </a:t>
-            </a:r>
-            <a:r>
               <a:rPr lang="en-US" dirty="0"/>
-              <a:t>value decomposition of </a:t>
-            </a:r>
-            <a:r>
-              <a:rPr lang="en-US" dirty="0" smtClean="0"/>
-              <a:t>the Jacobian</a:t>
-            </a:r>
-            <a:endParaRPr lang="en-US" dirty="0"/>
+              <a:t>Calculate truncated singular value decomposition of the Jacobian</a:t>
+            </a:r>
           </a:p>
           <a:p>
             <a:pPr marL="342900" indent="-342900">
@@ -5932,22 +5809,9 @@
               <a:buAutoNum type="arabicPeriod"/>
             </a:pPr>
             <a:r>
-              <a:rPr lang="en-US" dirty="0" smtClean="0"/>
-              <a:t>Generate </a:t>
-            </a:r>
-            <a:r>
               <a:rPr lang="en-US" dirty="0"/>
-              <a:t>a new random parameter vector </a:t>
-            </a:r>
-            <a:r>
-              <a:rPr lang="en-US" dirty="0" smtClean="0"/>
-              <a:t>using </a:t>
-            </a:r>
-            <a:r>
-              <a:rPr lang="en-US" dirty="0"/>
-              <a:t>the parameter covariance matrix </a:t>
-            </a:r>
-            <a:endParaRPr lang="en-US" dirty="0" smtClean="0"/>
+              <a:t>Generate a new random parameter vector using the parameter covariance matrix </a:t>
+            </a:r>
           </a:p>
           <a:p>
             <a:pPr marL="342900" indent="-342900">
@@ -5958,7 +5822,7 @@
               <a:buAutoNum type="arabicPeriod"/>
             </a:pPr>
             <a:r>
-              <a:rPr lang="en-US" dirty="0" smtClean="0"/>
+              <a:rPr lang="en-US" dirty="0"/>
               <a:t>Project perturbation vector on the null-space of the Jacobian</a:t>
             </a:r>
           </a:p>
@@ -5971,16 +5835,8 @@
               <a:buAutoNum type="arabicPeriod"/>
             </a:pPr>
             <a:r>
-              <a:rPr lang="en-US" dirty="0" smtClean="0"/>
-              <a:t>New parameter vector </a:t>
-            </a:r>
-            <a:r>
               <a:rPr lang="en-US" dirty="0"/>
-              <a:t>is then produced by adding </a:t>
-            </a:r>
-            <a:r>
-              <a:rPr lang="en-US" dirty="0" smtClean="0"/>
-              <a:t>to MAP model</a:t>
+              <a:t>New parameter vector is then produced by adding to MAP model</a:t>
             </a:r>
           </a:p>
           <a:p>
@@ -5990,18 +5846,9 @@
               </a:lnSpc>
             </a:pPr>
             <a:r>
-              <a:rPr lang="en-US" sz="1600" i="1" dirty="0" smtClean="0"/>
-              <a:t>(Tonkin </a:t>
-            </a:r>
-            <a:r>
               <a:rPr lang="en-US" sz="1600" i="1" dirty="0"/>
-              <a:t>and Doherty, </a:t>
-            </a:r>
-            <a:r>
-              <a:rPr lang="en-US" sz="1600" i="1" dirty="0" smtClean="0"/>
-              <a:t>2009)</a:t>
-            </a:r>
-            <a:endParaRPr lang="en-US" sz="1600" i="1" dirty="0"/>
+              <a:t>(Tonkin and Doherty, 2009)</a:t>
+            </a:r>
           </a:p>
           <a:p>
             <a:pPr marL="342900" indent="-342900">
@@ -6038,18 +5885,6 @@
           <a:lstStyle/>
           <a:p>
             <a:r>
-              <a:rPr lang="en-US" sz="3200" i="1" dirty="0" smtClean="0">
-                <a:effectLst>
-                  <a:outerShdw blurRad="38100" dist="38100" dir="2700000" algn="tl">
-                    <a:srgbClr val="000000">
-                      <a:alpha val="43137"/>
-                    </a:srgbClr>
-                  </a:outerShdw>
-                </a:effectLst>
-              </a:rPr>
-              <a:t>Null-space </a:t>
-            </a:r>
-            <a:r>
               <a:rPr lang="en-US" sz="3200" i="1" dirty="0">
                 <a:effectLst>
                   <a:outerShdw blurRad="38100" dist="38100" dir="2700000" algn="tl">
@@ -6059,10 +5894,10 @@
                   </a:outerShdw>
                 </a:effectLst>
               </a:rPr>
-              <a:t>Monte Carlo </a:t>
-            </a:r>
-            <a:r>
-              <a:rPr lang="en-US" sz="3200" i="1" dirty="0" smtClean="0">
+              <a:t>Null-space Monte Carlo - </a:t>
+            </a:r>
+            <a:r>
+              <a:rPr lang="en-IE" sz="3200" i="1" dirty="0">
                 <a:effectLst>
                   <a:outerShdw blurRad="38100" dist="38100" dir="2700000" algn="tl">
                     <a:srgbClr val="000000">
@@ -6071,29 +5906,8 @@
                   </a:outerShdw>
                 </a:effectLst>
               </a:rPr>
-              <a:t>- </a:t>
-            </a:r>
-            <a:r>
-              <a:rPr lang="en-IE" sz="3200" i="1" dirty="0" smtClean="0">
-                <a:effectLst>
-                  <a:outerShdw blurRad="38100" dist="38100" dir="2700000" algn="tl">
-                    <a:srgbClr val="000000">
-                      <a:alpha val="43137"/>
-                    </a:srgbClr>
-                  </a:outerShdw>
-                </a:effectLst>
-              </a:rPr>
               <a:t>basic idea</a:t>
             </a:r>
-            <a:endParaRPr lang="en-IE" sz="3200" i="1" dirty="0">
-              <a:effectLst>
-                <a:outerShdw blurRad="38100" dist="38100" dir="2700000" algn="tl">
-                  <a:srgbClr val="000000">
-                    <a:alpha val="43137"/>
-                  </a:srgbClr>
-                </a:outerShdw>
-              </a:effectLst>
-            </a:endParaRPr>
           </a:p>
         </p:txBody>
       </p:sp>
@@ -6119,12 +5933,12 @@
           <a:graphicData uri="http://schemas.openxmlformats.org/presentationml/2006/ole">
             <mc:AlternateContent xmlns:mc="http://schemas.openxmlformats.org/markup-compatibility/2006">
               <mc:Choice xmlns:v="urn:schemas-microsoft-com:vml" Requires="v">
-                <p:oleObj spid="_x0000_s7203" name="Equation" r:id="rId3" imgW="774360" imgH="253800" progId="Equation.DSMT4">
+                <p:oleObj name="Equation" r:id="rId2" imgW="774360" imgH="253800" progId="Equation.DSMT4">
                   <p:embed/>
                 </p:oleObj>
               </mc:Choice>
               <mc:Fallback>
-                <p:oleObj name="Equation" r:id="rId3" imgW="774360" imgH="253800" progId="Equation.DSMT4">
+                <p:oleObj name="Equation" r:id="rId2" imgW="774360" imgH="253800" progId="Equation.DSMT4">
                   <p:embed/>
                   <p:pic>
                     <p:nvPicPr>
@@ -6135,7 +5949,7 @@
                       <p:nvPr/>
                     </p:nvPicPr>
                     <p:blipFill>
-                      <a:blip r:embed="rId4"/>
+                      <a:blip r:embed="rId3"/>
                       <a:srcRect/>
                       <a:stretch>
                         <a:fillRect/>
@@ -6171,13 +5985,6 @@
   <p:clrMapOvr>
     <a:masterClrMapping/>
   </p:clrMapOvr>
-  <p:timing>
-    <p:tnLst>
-      <p:par>
-        <p:cTn id="1" dur="indefinite" restart="never" nodeType="tmRoot"/>
-      </p:par>
-    </p:tnLst>
-  </p:timing>
 </p:sld>
 </file>
 
@@ -6302,29 +6109,8 @@
                   </a:outerShdw>
                 </a:effectLst>
               </a:rPr>
-              <a:t>Bayesian </a:t>
-            </a:r>
-            <a:r>
-              <a:rPr lang="de-DE" altLang="en-US" i="1" dirty="0" smtClean="0">
-                <a:effectLst>
-                  <a:outerShdw blurRad="38100" dist="38100" dir="2700000" algn="tl">
-                    <a:srgbClr val="000000">
-                      <a:alpha val="43137"/>
-                    </a:srgbClr>
-                  </a:outerShdw>
-                </a:effectLst>
-              </a:rPr>
-              <a:t>MAP Estimation </a:t>
-            </a:r>
-            <a:endParaRPr lang="de-DE" altLang="en-US" i="1" dirty="0">
-              <a:effectLst>
-                <a:outerShdw blurRad="38100" dist="38100" dir="2700000" algn="tl">
-                  <a:srgbClr val="000000">
-                    <a:alpha val="43137"/>
-                  </a:srgbClr>
-                </a:outerShdw>
-              </a:effectLst>
-            </a:endParaRPr>
+              <a:t>Bayesian MAP Estimation </a:t>
+            </a:r>
           </a:p>
         </p:txBody>
       </p:sp>
@@ -6350,12 +6136,12 @@
           <a:graphicData uri="http://schemas.openxmlformats.org/presentationml/2006/ole">
             <mc:AlternateContent xmlns:mc="http://schemas.openxmlformats.org/markup-compatibility/2006">
               <mc:Choice xmlns:v="urn:schemas-microsoft-com:vml" Requires="v">
-                <p:oleObj spid="_x0000_s10287" name="Equation" r:id="rId4" imgW="1587240" imgH="457200" progId="Equation.DSMT4">
+                <p:oleObj name="Equation" r:id="rId3" imgW="1587240" imgH="457200" progId="Equation.DSMT4">
                   <p:embed/>
                 </p:oleObj>
               </mc:Choice>
               <mc:Fallback>
-                <p:oleObj name="Equation" r:id="rId4" imgW="1587240" imgH="457200" progId="Equation.DSMT4">
+                <p:oleObj name="Equation" r:id="rId3" imgW="1587240" imgH="457200" progId="Equation.DSMT4">
                   <p:embed/>
                   <p:pic>
                     <p:nvPicPr>
@@ -6366,7 +6152,7 @@
                       <p:nvPr/>
                     </p:nvPicPr>
                     <p:blipFill>
-                      <a:blip r:embed="rId5">
+                      <a:blip r:embed="rId4">
                         <a:extLst>
                           <a:ext uri="{28A0092B-C50C-407E-A947-70E740481C1C}">
                             <a14:useLocalDpi xmlns:a14="http://schemas.microsoft.com/office/drawing/2010/main" val="0"/>
@@ -6593,12 +6379,12 @@
           <a:graphicData uri="http://schemas.openxmlformats.org/presentationml/2006/ole">
             <mc:AlternateContent xmlns:mc="http://schemas.openxmlformats.org/markup-compatibility/2006">
               <mc:Choice xmlns:v="urn:schemas-microsoft-com:vml" Requires="v">
-                <p:oleObj spid="_x0000_s10288" name="Equation" r:id="rId6" imgW="3187440" imgH="533160" progId="Equation.DSMT4">
+                <p:oleObj name="Equation" r:id="rId5" imgW="3187440" imgH="533160" progId="Equation.DSMT4">
                   <p:embed/>
                 </p:oleObj>
               </mc:Choice>
               <mc:Fallback>
-                <p:oleObj name="Equation" r:id="rId6" imgW="3187440" imgH="533160" progId="Equation.DSMT4">
+                <p:oleObj name="Equation" r:id="rId5" imgW="3187440" imgH="533160" progId="Equation.DSMT4">
                   <p:embed/>
                   <p:pic>
                     <p:nvPicPr>
@@ -6607,7 +6393,7 @@
                       <p:nvPr/>
                     </p:nvPicPr>
                     <p:blipFill>
-                      <a:blip r:embed="rId7"/>
+                      <a:blip r:embed="rId6"/>
                       <a:stretch>
                         <a:fillRect/>
                       </a:stretch>
@@ -6650,12 +6436,12 @@
           <a:graphicData uri="http://schemas.openxmlformats.org/presentationml/2006/ole">
             <mc:AlternateContent xmlns:mc="http://schemas.openxmlformats.org/markup-compatibility/2006">
               <mc:Choice xmlns:v="urn:schemas-microsoft-com:vml" Requires="v">
-                <p:oleObj spid="_x0000_s10289" name="Equation" r:id="rId8" imgW="3657600" imgH="253800" progId="Equation.DSMT4">
+                <p:oleObj name="Equation" r:id="rId7" imgW="3657600" imgH="253800" progId="Equation.DSMT4">
                   <p:embed/>
                 </p:oleObj>
               </mc:Choice>
               <mc:Fallback>
-                <p:oleObj name="Equation" r:id="rId8" imgW="3657600" imgH="253800" progId="Equation.DSMT4">
+                <p:oleObj name="Equation" r:id="rId7" imgW="3657600" imgH="253800" progId="Equation.DSMT4">
                   <p:embed/>
                   <p:pic>
                     <p:nvPicPr>
@@ -6664,7 +6450,7 @@
                       <p:nvPr/>
                     </p:nvPicPr>
                     <p:blipFill>
-                      <a:blip r:embed="rId9"/>
+                      <a:blip r:embed="rId8"/>
                       <a:stretch>
                         <a:fillRect/>
                       </a:stretch>
@@ -6707,12 +6493,12 @@
           <a:graphicData uri="http://schemas.openxmlformats.org/presentationml/2006/ole">
             <mc:AlternateContent xmlns:mc="http://schemas.openxmlformats.org/markup-compatibility/2006">
               <mc:Choice xmlns:v="urn:schemas-microsoft-com:vml" Requires="v">
-                <p:oleObj spid="_x0000_s10290" name="Equation" r:id="rId10" imgW="3377880" imgH="304560" progId="Equation.DSMT4">
+                <p:oleObj name="Equation" r:id="rId9" imgW="3377880" imgH="304560" progId="Equation.DSMT4">
                   <p:embed/>
                 </p:oleObj>
               </mc:Choice>
               <mc:Fallback>
-                <p:oleObj name="Equation" r:id="rId10" imgW="3377880" imgH="304560" progId="Equation.DSMT4">
+                <p:oleObj name="Equation" r:id="rId9" imgW="3377880" imgH="304560" progId="Equation.DSMT4">
                   <p:embed/>
                   <p:pic>
                     <p:nvPicPr>
@@ -6721,7 +6507,7 @@
                       <p:nvPr/>
                     </p:nvPicPr>
                     <p:blipFill>
-                      <a:blip r:embed="rId11"/>
+                      <a:blip r:embed="rId10"/>
                       <a:stretch>
                         <a:fillRect/>
                       </a:stretch>
@@ -6764,12 +6550,12 @@
           <a:graphicData uri="http://schemas.openxmlformats.org/presentationml/2006/ole">
             <mc:AlternateContent xmlns:mc="http://schemas.openxmlformats.org/markup-compatibility/2006">
               <mc:Choice xmlns:v="urn:schemas-microsoft-com:vml" Requires="v">
-                <p:oleObj spid="_x0000_s10291" name="Equation" r:id="rId12" imgW="2349360" imgH="253800" progId="Equation.DSMT4">
+                <p:oleObj name="Equation" r:id="rId11" imgW="2349360" imgH="253800" progId="Equation.DSMT4">
                   <p:embed/>
                 </p:oleObj>
               </mc:Choice>
               <mc:Fallback>
-                <p:oleObj name="Equation" r:id="rId12" imgW="2349360" imgH="253800" progId="Equation.DSMT4">
+                <p:oleObj name="Equation" r:id="rId11" imgW="2349360" imgH="253800" progId="Equation.DSMT4">
                   <p:embed/>
                   <p:pic>
                     <p:nvPicPr>
@@ -6778,7 +6564,7 @@
                       <p:nvPr/>
                     </p:nvPicPr>
                     <p:blipFill>
-                      <a:blip r:embed="rId13"/>
+                      <a:blip r:embed="rId12"/>
                       <a:stretch>
                         <a:fillRect/>
                       </a:stretch>
@@ -6812,13 +6598,6 @@
   <p:transition>
     <p:fade/>
   </p:transition>
-  <p:timing>
-    <p:tnLst>
-      <p:par>
-        <p:cTn id="1" dur="indefinite" restart="never" nodeType="tmRoot"/>
-      </p:par>
-    </p:tnLst>
-  </p:timing>
 </p:sld>
 </file>
 
@@ -6866,20 +6645,16 @@
               </a:lnSpc>
             </a:pPr>
             <a:r>
-              <a:rPr lang="en-US" sz="1600" i="1" dirty="0" smtClean="0"/>
+              <a:rPr lang="en-US" sz="1600" i="1" dirty="0"/>
               <a:t>(e.g. </a:t>
             </a:r>
             <a:r>
-              <a:rPr lang="en-US" sz="1600" i="1" dirty="0" err="1" smtClean="0"/>
+              <a:rPr lang="en-US" sz="1600" i="1" dirty="0" err="1"/>
               <a:t>Flath</a:t>
             </a:r>
             <a:r>
               <a:rPr lang="en-US" sz="1600" i="1" dirty="0"/>
-              <a:t> </a:t>
-            </a:r>
-            <a:r>
-              <a:rPr lang="en-US" sz="1600" i="1" dirty="0" smtClean="0"/>
-              <a:t>et al. 2011)</a:t>
+              <a:t> et al. 2011)</a:t>
             </a:r>
             <a:endParaRPr lang="en-IE" sz="2400" dirty="0"/>
           </a:p>
@@ -6908,18 +6683,6 @@
           <a:lstStyle/>
           <a:p>
             <a:r>
-              <a:rPr lang="en-US" sz="3200" i="1" dirty="0" smtClean="0">
-                <a:effectLst>
-                  <a:outerShdw blurRad="38100" dist="38100" dir="2700000" algn="tl">
-                    <a:srgbClr val="000000">
-                      <a:alpha val="43137"/>
-                    </a:srgbClr>
-                  </a:outerShdw>
-                </a:effectLst>
-              </a:rPr>
-              <a:t>Null-space </a:t>
-            </a:r>
-            <a:r>
               <a:rPr lang="en-US" sz="3200" i="1" dirty="0">
                 <a:effectLst>
                   <a:outerShdw blurRad="38100" dist="38100" dir="2700000" algn="tl">
@@ -6929,19 +6692,7 @@
                   </a:outerShdw>
                 </a:effectLst>
               </a:rPr>
-              <a:t>Monte Carlo </a:t>
-            </a:r>
-            <a:r>
-              <a:rPr lang="en-US" sz="3200" i="1" dirty="0" smtClean="0">
-                <a:effectLst>
-                  <a:outerShdw blurRad="38100" dist="38100" dir="2700000" algn="tl">
-                    <a:srgbClr val="000000">
-                      <a:alpha val="43137"/>
-                    </a:srgbClr>
-                  </a:outerShdw>
-                </a:effectLst>
-              </a:rPr>
-              <a:t>- Posterior Covariance p-space</a:t>
+              <a:t>Null-space Monte Carlo - Posterior Covariance p-space</a:t>
             </a:r>
             <a:endParaRPr lang="en-IE" sz="3200" i="1" dirty="0">
               <a:effectLst>
@@ -6977,12 +6728,12 @@
           <a:graphicData uri="http://schemas.openxmlformats.org/presentationml/2006/ole">
             <mc:AlternateContent xmlns:mc="http://schemas.openxmlformats.org/markup-compatibility/2006">
               <mc:Choice xmlns:v="urn:schemas-microsoft-com:vml" Requires="v">
-                <p:oleObj spid="_x0000_s8240" name="Equation" r:id="rId3" imgW="1143000" imgH="482400" progId="Equation.DSMT4">
+                <p:oleObj name="Equation" r:id="rId2" imgW="1143000" imgH="482400" progId="Equation.DSMT4">
                   <p:embed/>
                 </p:oleObj>
               </mc:Choice>
               <mc:Fallback>
-                <p:oleObj name="Equation" r:id="rId3" imgW="1143000" imgH="482400" progId="Equation.DSMT4">
+                <p:oleObj name="Equation" r:id="rId2" imgW="1143000" imgH="482400" progId="Equation.DSMT4">
                   <p:embed/>
                   <p:pic>
                     <p:nvPicPr>
@@ -6993,7 +6744,7 @@
                       <p:nvPr/>
                     </p:nvPicPr>
                     <p:blipFill>
-                      <a:blip r:embed="rId4"/>
+                      <a:blip r:embed="rId3"/>
                       <a:srcRect/>
                       <a:stretch>
                         <a:fillRect/>
@@ -7041,12 +6792,12 @@
           <a:graphicData uri="http://schemas.openxmlformats.org/presentationml/2006/ole">
             <mc:AlternateContent xmlns:mc="http://schemas.openxmlformats.org/markup-compatibility/2006">
               <mc:Choice xmlns:v="urn:schemas-microsoft-com:vml" Requires="v">
-                <p:oleObj spid="_x0000_s8241" name="Equation" r:id="rId5" imgW="2514600" imgH="634680" progId="Equation.DSMT4">
+                <p:oleObj name="Equation" r:id="rId4" imgW="2514600" imgH="634680" progId="Equation.DSMT4">
                   <p:embed/>
                 </p:oleObj>
               </mc:Choice>
               <mc:Fallback>
-                <p:oleObj name="Equation" r:id="rId5" imgW="2514600" imgH="634680" progId="Equation.DSMT4">
+                <p:oleObj name="Equation" r:id="rId4" imgW="2514600" imgH="634680" progId="Equation.DSMT4">
                   <p:embed/>
                   <p:pic>
                     <p:nvPicPr>
@@ -7057,7 +6808,7 @@
                       <p:nvPr/>
                     </p:nvPicPr>
                     <p:blipFill>
-                      <a:blip r:embed="rId6"/>
+                      <a:blip r:embed="rId5"/>
                       <a:srcRect/>
                       <a:stretch>
                         <a:fillRect/>
@@ -7124,12 +6875,12 @@
           <a:graphicData uri="http://schemas.openxmlformats.org/presentationml/2006/ole">
             <mc:AlternateContent xmlns:mc="http://schemas.openxmlformats.org/markup-compatibility/2006">
               <mc:Choice xmlns:v="urn:schemas-microsoft-com:vml" Requires="v">
-                <p:oleObj spid="_x0000_s8242" name="Equation" r:id="rId7" imgW="2577960" imgH="266400" progId="Equation.DSMT4">
+                <p:oleObj name="Equation" r:id="rId6" imgW="2577960" imgH="266400" progId="Equation.DSMT4">
                   <p:embed/>
                 </p:oleObj>
               </mc:Choice>
               <mc:Fallback>
-                <p:oleObj name="Equation" r:id="rId7" imgW="2577960" imgH="266400" progId="Equation.DSMT4">
+                <p:oleObj name="Equation" r:id="rId6" imgW="2577960" imgH="266400" progId="Equation.DSMT4">
                   <p:embed/>
                   <p:pic>
                     <p:nvPicPr>
@@ -7140,7 +6891,7 @@
                       <p:nvPr/>
                     </p:nvPicPr>
                     <p:blipFill>
-                      <a:blip r:embed="rId8"/>
+                      <a:blip r:embed="rId7"/>
                       <a:srcRect/>
                       <a:stretch>
                         <a:fillRect/>
@@ -7207,12 +6958,12 @@
           <a:graphicData uri="http://schemas.openxmlformats.org/presentationml/2006/ole">
             <mc:AlternateContent xmlns:mc="http://schemas.openxmlformats.org/markup-compatibility/2006">
               <mc:Choice xmlns:v="urn:schemas-microsoft-com:vml" Requires="v">
-                <p:oleObj spid="_x0000_s8243" name="Equation" r:id="rId9" imgW="1536480" imgH="253800" progId="Equation.DSMT4">
+                <p:oleObj name="Equation" r:id="rId8" imgW="1536480" imgH="253800" progId="Equation.DSMT4">
                   <p:embed/>
                 </p:oleObj>
               </mc:Choice>
               <mc:Fallback>
-                <p:oleObj name="Equation" r:id="rId9" imgW="1536480" imgH="253800" progId="Equation.DSMT4">
+                <p:oleObj name="Equation" r:id="rId8" imgW="1536480" imgH="253800" progId="Equation.DSMT4">
                   <p:embed/>
                   <p:pic>
                     <p:nvPicPr>
@@ -7223,7 +6974,7 @@
                       <p:nvPr/>
                     </p:nvPicPr>
                     <p:blipFill>
-                      <a:blip r:embed="rId10"/>
+                      <a:blip r:embed="rId9"/>
                       <a:srcRect/>
                       <a:stretch>
                         <a:fillRect/>
@@ -7278,13 +7029,6 @@
   <p:clrMapOvr>
     <a:masterClrMapping/>
   </p:clrMapOvr>
-  <p:timing>
-    <p:tnLst>
-      <p:par>
-        <p:cTn id="1" dur="indefinite" restart="never" nodeType="tmRoot"/>
-      </p:par>
-    </p:tnLst>
-  </p:timing>
 </p:sld>
 </file>
 
@@ -7328,18 +7072,6 @@
           <a:lstStyle/>
           <a:p>
             <a:r>
-              <a:rPr lang="en-US" sz="3200" i="1" dirty="0" smtClean="0">
-                <a:effectLst>
-                  <a:outerShdw blurRad="38100" dist="38100" dir="2700000" algn="tl">
-                    <a:srgbClr val="000000">
-                      <a:alpha val="43137"/>
-                    </a:srgbClr>
-                  </a:outerShdw>
-                </a:effectLst>
-              </a:rPr>
-              <a:t>Null-space </a:t>
-            </a:r>
-            <a:r>
               <a:rPr lang="en-US" sz="3200" i="1" dirty="0">
                 <a:effectLst>
                   <a:outerShdw blurRad="38100" dist="38100" dir="2700000" algn="tl">
@@ -7349,19 +7081,7 @@
                   </a:outerShdw>
                 </a:effectLst>
               </a:rPr>
-              <a:t>Monte Carlo </a:t>
-            </a:r>
-            <a:r>
-              <a:rPr lang="en-US" sz="3200" i="1" dirty="0" smtClean="0">
-                <a:effectLst>
-                  <a:outerShdw blurRad="38100" dist="38100" dir="2700000" algn="tl">
-                    <a:srgbClr val="000000">
-                      <a:alpha val="43137"/>
-                    </a:srgbClr>
-                  </a:outerShdw>
-                </a:effectLst>
-              </a:rPr>
-              <a:t>- Posterior Covariance d-space</a:t>
+              <a:t>Null-space Monte Carlo - Posterior Covariance d-space</a:t>
             </a:r>
             <a:endParaRPr lang="en-IE" sz="3200" i="1" dirty="0">
               <a:effectLst>
@@ -7397,12 +7117,12 @@
           <a:graphicData uri="http://schemas.openxmlformats.org/presentationml/2006/ole">
             <mc:AlternateContent xmlns:mc="http://schemas.openxmlformats.org/markup-compatibility/2006">
               <mc:Choice xmlns:v="urn:schemas-microsoft-com:vml" Requires="v">
-                <p:oleObj spid="_x0000_s9258" name="Equation" r:id="rId3" imgW="1143000" imgH="482400" progId="Equation.DSMT4">
+                <p:oleObj name="Equation" r:id="rId2" imgW="1143000" imgH="482400" progId="Equation.DSMT4">
                   <p:embed/>
                 </p:oleObj>
               </mc:Choice>
               <mc:Fallback>
-                <p:oleObj name="Equation" r:id="rId3" imgW="1143000" imgH="482400" progId="Equation.DSMT4">
+                <p:oleObj name="Equation" r:id="rId2" imgW="1143000" imgH="482400" progId="Equation.DSMT4">
                   <p:embed/>
                   <p:pic>
                     <p:nvPicPr>
@@ -7413,7 +7133,7 @@
                       <p:nvPr/>
                     </p:nvPicPr>
                     <p:blipFill>
-                      <a:blip r:embed="rId4"/>
+                      <a:blip r:embed="rId3"/>
                       <a:srcRect/>
                       <a:stretch>
                         <a:fillRect/>
@@ -7461,12 +7181,12 @@
           <a:graphicData uri="http://schemas.openxmlformats.org/presentationml/2006/ole">
             <mc:AlternateContent xmlns:mc="http://schemas.openxmlformats.org/markup-compatibility/2006">
               <mc:Choice xmlns:v="urn:schemas-microsoft-com:vml" Requires="v">
-                <p:oleObj spid="_x0000_s9259" name="Equation" r:id="rId5" imgW="3327120" imgH="533160" progId="Equation.DSMT4">
+                <p:oleObj name="Equation" r:id="rId4" imgW="3327120" imgH="533160" progId="Equation.DSMT4">
                   <p:embed/>
                 </p:oleObj>
               </mc:Choice>
               <mc:Fallback>
-                <p:oleObj name="Equation" r:id="rId5" imgW="3327120" imgH="533160" progId="Equation.DSMT4">
+                <p:oleObj name="Equation" r:id="rId4" imgW="3327120" imgH="533160" progId="Equation.DSMT4">
                   <p:embed/>
                   <p:pic>
                     <p:nvPicPr>
@@ -7477,7 +7197,7 @@
                       <p:nvPr/>
                     </p:nvPicPr>
                     <p:blipFill>
-                      <a:blip r:embed="rId6"/>
+                      <a:blip r:embed="rId5"/>
                       <a:srcRect/>
                       <a:stretch>
                         <a:fillRect/>
@@ -7544,12 +7264,12 @@
           <a:graphicData uri="http://schemas.openxmlformats.org/presentationml/2006/ole">
             <mc:AlternateContent xmlns:mc="http://schemas.openxmlformats.org/markup-compatibility/2006">
               <mc:Choice xmlns:v="urn:schemas-microsoft-com:vml" Requires="v">
-                <p:oleObj spid="_x0000_s9260" name="Equation" r:id="rId7" imgW="2577960" imgH="266400" progId="Equation.DSMT4">
+                <p:oleObj name="Equation" r:id="rId6" imgW="2577960" imgH="266400" progId="Equation.DSMT4">
                   <p:embed/>
                 </p:oleObj>
               </mc:Choice>
               <mc:Fallback>
-                <p:oleObj name="Equation" r:id="rId7" imgW="2577960" imgH="266400" progId="Equation.DSMT4">
+                <p:oleObj name="Equation" r:id="rId6" imgW="2577960" imgH="266400" progId="Equation.DSMT4">
                   <p:embed/>
                   <p:pic>
                     <p:nvPicPr>
@@ -7560,7 +7280,7 @@
                       <p:nvPr/>
                     </p:nvPicPr>
                     <p:blipFill>
-                      <a:blip r:embed="rId8"/>
+                      <a:blip r:embed="rId7"/>
                       <a:srcRect/>
                       <a:stretch>
                         <a:fillRect/>
@@ -7627,12 +7347,12 @@
           <a:graphicData uri="http://schemas.openxmlformats.org/presentationml/2006/ole">
             <mc:AlternateContent xmlns:mc="http://schemas.openxmlformats.org/markup-compatibility/2006">
               <mc:Choice xmlns:v="urn:schemas-microsoft-com:vml" Requires="v">
-                <p:oleObj spid="_x0000_s9261" name="Equation" r:id="rId9" imgW="1904760" imgH="253800" progId="Equation.DSMT4">
+                <p:oleObj name="Equation" r:id="rId8" imgW="1904760" imgH="253800" progId="Equation.DSMT4">
                   <p:embed/>
                 </p:oleObj>
               </mc:Choice>
               <mc:Fallback>
-                <p:oleObj name="Equation" r:id="rId9" imgW="1904760" imgH="253800" progId="Equation.DSMT4">
+                <p:oleObj name="Equation" r:id="rId8" imgW="1904760" imgH="253800" progId="Equation.DSMT4">
                   <p:embed/>
                   <p:pic>
                     <p:nvPicPr>
@@ -7643,7 +7363,7 @@
                       <p:nvPr/>
                     </p:nvPicPr>
                     <p:blipFill>
-                      <a:blip r:embed="rId10"/>
+                      <a:blip r:embed="rId9"/>
                       <a:srcRect/>
                       <a:stretch>
                         <a:fillRect/>
@@ -7698,13 +7418,6 @@
   <p:clrMapOvr>
     <a:masterClrMapping/>
   </p:clrMapOvr>
-  <p:timing>
-    <p:tnLst>
-      <p:par>
-        <p:cTn id="1" dur="indefinite" restart="never" nodeType="tmRoot"/>
-      </p:par>
-    </p:tnLst>
-  </p:timing>
 </p:sld>
 </file>
 
@@ -7748,7 +7461,7 @@
           <a:lstStyle/>
           <a:p>
             <a:r>
-              <a:rPr lang="en-US" sz="3200" i="1" dirty="0" smtClean="0">
+              <a:rPr lang="en-US" sz="3200" i="1" dirty="0">
                 <a:effectLst>
                   <a:outerShdw blurRad="38100" dist="38100" dir="2700000" algn="tl">
                     <a:srgbClr val="000000">
@@ -7760,7 +7473,7 @@
               <a:t>Prior </a:t>
             </a:r>
             <a:r>
-              <a:rPr lang="en-US" sz="3200" i="1" dirty="0" err="1" smtClean="0">
+              <a:rPr lang="en-US" sz="3200" i="1" dirty="0" err="1">
                 <a:effectLst>
                   <a:outerShdw blurRad="38100" dist="38100" dir="2700000" algn="tl">
                     <a:srgbClr val="000000">
@@ -7805,12 +7518,12 @@
           <a:graphicData uri="http://schemas.openxmlformats.org/presentationml/2006/ole">
             <mc:AlternateContent xmlns:mc="http://schemas.openxmlformats.org/markup-compatibility/2006">
               <mc:Choice xmlns:v="urn:schemas-microsoft-com:vml" Requires="v">
-                <p:oleObj spid="_x0000_s11286" name="Equation" r:id="rId3" imgW="1714320" imgH="761760" progId="Equation.DSMT4">
+                <p:oleObj name="Equation" r:id="rId2" imgW="1714320" imgH="761760" progId="Equation.DSMT4">
                   <p:embed/>
                 </p:oleObj>
               </mc:Choice>
               <mc:Fallback>
-                <p:oleObj name="Equation" r:id="rId3" imgW="1714320" imgH="761760" progId="Equation.DSMT4">
+                <p:oleObj name="Equation" r:id="rId2" imgW="1714320" imgH="761760" progId="Equation.DSMT4">
                   <p:embed/>
                   <p:pic>
                     <p:nvPicPr>
@@ -7821,7 +7534,7 @@
                       <p:nvPr/>
                     </p:nvPicPr>
                     <p:blipFill>
-                      <a:blip r:embed="rId4"/>
+                      <a:blip r:embed="rId3"/>
                       <a:srcRect/>
                       <a:stretch>
                         <a:fillRect/>
@@ -7869,12 +7582,12 @@
           <a:graphicData uri="http://schemas.openxmlformats.org/presentationml/2006/ole">
             <mc:AlternateContent xmlns:mc="http://schemas.openxmlformats.org/markup-compatibility/2006">
               <mc:Choice xmlns:v="urn:schemas-microsoft-com:vml" Requires="v">
-                <p:oleObj spid="_x0000_s11287" name="Equation" r:id="rId5" imgW="215640" imgH="253800" progId="Equation.DSMT4">
+                <p:oleObj name="Equation" r:id="rId4" imgW="215640" imgH="253800" progId="Equation.DSMT4">
                   <p:embed/>
                 </p:oleObj>
               </mc:Choice>
               <mc:Fallback>
-                <p:oleObj name="Equation" r:id="rId5" imgW="215640" imgH="253800" progId="Equation.DSMT4">
+                <p:oleObj name="Equation" r:id="rId4" imgW="215640" imgH="253800" progId="Equation.DSMT4">
                   <p:embed/>
                   <p:pic>
                     <p:nvPicPr>
@@ -7885,7 +7598,7 @@
                       <p:nvPr/>
                     </p:nvPicPr>
                     <p:blipFill>
-                      <a:blip r:embed="rId6"/>
+                      <a:blip r:embed="rId5"/>
                       <a:srcRect/>
                       <a:stretch>
                         <a:fillRect/>
@@ -7952,12 +7665,12 @@
           <a:graphicData uri="http://schemas.openxmlformats.org/presentationml/2006/ole">
             <mc:AlternateContent xmlns:mc="http://schemas.openxmlformats.org/markup-compatibility/2006">
               <mc:Choice xmlns:v="urn:schemas-microsoft-com:vml" Requires="v">
-                <p:oleObj spid="_x0000_s11288" name="Equation" r:id="rId7" imgW="215640" imgH="241200" progId="Equation.DSMT4">
+                <p:oleObj name="Equation" r:id="rId6" imgW="215640" imgH="241200" progId="Equation.DSMT4">
                   <p:embed/>
                 </p:oleObj>
               </mc:Choice>
               <mc:Fallback>
-                <p:oleObj name="Equation" r:id="rId7" imgW="215640" imgH="241200" progId="Equation.DSMT4">
+                <p:oleObj name="Equation" r:id="rId6" imgW="215640" imgH="241200" progId="Equation.DSMT4">
                   <p:embed/>
                   <p:pic>
                     <p:nvPicPr>
@@ -7968,7 +7681,7 @@
                       <p:nvPr/>
                     </p:nvPicPr>
                     <p:blipFill>
-                      <a:blip r:embed="rId8"/>
+                      <a:blip r:embed="rId7"/>
                       <a:srcRect/>
                       <a:stretch>
                         <a:fillRect/>
@@ -8040,7 +7753,7 @@
               <a:buChar char="•"/>
             </a:pPr>
             <a:r>
-              <a:rPr lang="en-US" dirty="0" smtClean="0"/>
+              <a:rPr lang="en-US" dirty="0"/>
               <a:t>Symmetric Positive Definite (SPD)</a:t>
             </a:r>
           </a:p>
@@ -8050,7 +7763,7 @@
               <a:buChar char="•"/>
             </a:pPr>
             <a:r>
-              <a:rPr lang="en-US" dirty="0" smtClean="0"/>
+              <a:rPr lang="en-US" dirty="0"/>
               <a:t>Nearly always assumed diagonal, i.e. extremely sparse</a:t>
             </a:r>
           </a:p>
@@ -8060,7 +7773,7 @@
               <a:buChar char="•"/>
             </a:pPr>
             <a:r>
-              <a:rPr lang="en-US" dirty="0" smtClean="0"/>
+              <a:rPr lang="en-US" dirty="0"/>
               <a:t>Often estimated from data </a:t>
             </a:r>
             <a:endParaRPr lang="en-GB" dirty="0"/>
@@ -8094,7 +7807,7 @@
               <a:buChar char="•"/>
             </a:pPr>
             <a:r>
-              <a:rPr lang="en-US" dirty="0" smtClean="0"/>
+              <a:rPr lang="en-US" dirty="0"/>
               <a:t>Symmetric Positive Definite (SPD)</a:t>
             </a:r>
           </a:p>
@@ -8104,14 +7817,14 @@
               <a:buChar char="•"/>
             </a:pPr>
             <a:r>
-              <a:rPr lang="en-US" dirty="0" smtClean="0"/>
+              <a:rPr lang="en-US" dirty="0"/>
               <a:t>Rarely diagonal, often spatial Exponential, Gaussian, Poisson,  </a:t>
             </a:r>
             <a:r>
-              <a:rPr lang="en-US" dirty="0" err="1" smtClean="0"/>
+              <a:rPr lang="en-US" dirty="0" err="1"/>
               <a:t>Matérn</a:t>
             </a:r>
-            <a:endParaRPr lang="en-US" dirty="0" smtClean="0"/>
+            <a:endParaRPr lang="en-US" dirty="0"/>
           </a:p>
           <a:p>
             <a:pPr marL="285750" indent="-285750">
@@ -8119,7 +7832,7 @@
               <a:buChar char="•"/>
             </a:pPr>
             <a:r>
-              <a:rPr lang="en-US" dirty="0" smtClean="0"/>
+              <a:rPr lang="en-US" dirty="0"/>
               <a:t>Not sparse, if not localized</a:t>
             </a:r>
           </a:p>
@@ -8129,15 +7842,15 @@
               <a:buChar char="•"/>
             </a:pPr>
             <a:r>
-              <a:rPr lang="en-US" dirty="0" smtClean="0"/>
+              <a:rPr lang="en-US" dirty="0"/>
               <a:t>Rarely estimated from data (some nice examples from </a:t>
             </a:r>
             <a:r>
-              <a:rPr lang="en-US" dirty="0" err="1" smtClean="0"/>
+              <a:rPr lang="en-US" dirty="0" err="1"/>
               <a:t>geostatitical</a:t>
             </a:r>
             <a:r>
-              <a:rPr lang="en-US" dirty="0" smtClean="0"/>
+              <a:rPr lang="en-US" dirty="0"/>
               <a:t> inversion)  </a:t>
             </a:r>
             <a:endParaRPr lang="en-GB" dirty="0"/>
@@ -8153,25 +7866,25 @@
           <p:nvPr>
             <p:extLst>
               <p:ext uri="{D42A27DB-BD31-4B8C-83A1-F6EECF244321}">
-                <p14:modId xmlns:p14="http://schemas.microsoft.com/office/powerpoint/2010/main" val="371495115"/>
+                <p14:modId xmlns:p14="http://schemas.microsoft.com/office/powerpoint/2010/main" val="443240789"/>
               </p:ext>
             </p:extLst>
           </p:nvPr>
         </p:nvGraphicFramePr>
         <p:xfrm>
-          <a:off x="5148064" y="2175706"/>
-          <a:ext cx="1620180" cy="1508443"/>
+          <a:off x="5518530" y="2391730"/>
+          <a:ext cx="2079758" cy="1936326"/>
         </p:xfrm>
         <a:graphic>
           <a:graphicData uri="http://schemas.openxmlformats.org/presentationml/2006/ole">
             <mc:AlternateContent xmlns:mc="http://schemas.openxmlformats.org/markup-compatibility/2006">
               <mc:Choice xmlns:v="urn:schemas-microsoft-com:vml" Requires="v">
-                <p:oleObj spid="_x0000_s11289" name="Equation" r:id="rId9" imgW="1587240" imgH="1295280" progId="Equation.DSMT4">
+                <p:oleObj name="Equation" r:id="rId8" imgW="1587240" imgH="1295280" progId="Equation.DSMT4">
                   <p:embed/>
                 </p:oleObj>
               </mc:Choice>
               <mc:Fallback>
-                <p:oleObj name="Equation" r:id="rId9" imgW="1587240" imgH="1295280" progId="Equation.DSMT4">
+                <p:oleObj name="Equation" r:id="rId8" imgW="1587240" imgH="1295280" progId="Equation.DSMT4">
                   <p:embed/>
                   <p:pic>
                     <p:nvPicPr>
@@ -8182,7 +7895,7 @@
                       <p:nvPr/>
                     </p:nvPicPr>
                     <p:blipFill>
-                      <a:blip r:embed="rId10"/>
+                      <a:blip r:embed="rId9"/>
                       <a:srcRect/>
                       <a:stretch>
                         <a:fillRect/>
@@ -8190,8 +7903,8 @@
                     </p:blipFill>
                     <p:spPr bwMode="auto">
                       <a:xfrm>
-                        <a:off x="5148064" y="2175706"/>
-                        <a:ext cx="1620180" cy="1508443"/>
+                        <a:off x="5518530" y="2391730"/>
+                        <a:ext cx="2079758" cy="1936326"/>
                       </a:xfrm>
                       <a:prstGeom prst="rect">
                         <a:avLst/>
@@ -8218,13 +7931,6 @@
   <p:clrMapOvr>
     <a:masterClrMapping/>
   </p:clrMapOvr>
-  <p:timing>
-    <p:tnLst>
-      <p:par>
-        <p:cTn id="1" dur="indefinite" restart="never" nodeType="tmRoot"/>
-      </p:par>
-    </p:tnLst>
-  </p:timing>
 </p:sld>
 </file>
 
@@ -8269,7 +7975,7 @@
           <a:p>
             <a:pPr algn="l"/>
             <a:r>
-              <a:rPr lang="en-GB" sz="3200" dirty="0" smtClean="0">
+              <a:rPr lang="en-GB" sz="3200" dirty="0">
                 <a:effectLst>
                   <a:outerShdw blurRad="38100" dist="38100" dir="2700000" algn="tl">
                     <a:srgbClr val="000000">
@@ -8281,16 +7987,6 @@
               </a:rPr>
               <a:t>References I</a:t>
             </a:r>
-            <a:endParaRPr lang="en-GB" sz="3200" dirty="0">
-              <a:effectLst>
-                <a:outerShdw blurRad="38100" dist="38100" dir="2700000" algn="tl">
-                  <a:srgbClr val="000000">
-                    <a:alpha val="43137"/>
-                  </a:srgbClr>
-                </a:outerShdw>
-              </a:effectLst>
-              <a:latin typeface="+mn-lt"/>
-            </a:endParaRPr>
           </a:p>
         </p:txBody>
       </p:sp>
@@ -8321,7 +8017,7 @@
                 <a:spcPts val="600"/>
               </a:spcAft>
             </a:pPr>
-            <a:endParaRPr lang="en-IE" dirty="0" smtClean="0"/>
+            <a:endParaRPr lang="en-IE" dirty="0"/>
           </a:p>
           <a:p>
             <a:endParaRPr lang="en-IE" dirty="0"/>
@@ -8355,16 +8051,12 @@
               </a:spcAft>
             </a:pPr>
             <a:r>
-              <a:rPr lang="en-GB" sz="1200" dirty="0" err="1" smtClean="0"/>
+              <a:rPr lang="en-GB" sz="1200" dirty="0" err="1"/>
               <a:t>Baglama</a:t>
             </a:r>
             <a:r>
-              <a:rPr lang="en-GB" sz="1200" dirty="0" smtClean="0"/>
-              <a:t> J </a:t>
-            </a:r>
-            <a:r>
               <a:rPr lang="en-GB" sz="1200" dirty="0"/>
-              <a:t>&amp; </a:t>
+              <a:t> J &amp; </a:t>
             </a:r>
             <a:r>
               <a:rPr lang="en-GB" sz="1200" dirty="0" err="1"/>
@@ -8372,15 +8064,7 @@
             </a:r>
             <a:r>
               <a:rPr lang="en-GB" sz="1200" dirty="0"/>
-              <a:t>, </a:t>
-            </a:r>
-            <a:r>
-              <a:rPr lang="en-GB" sz="1200" dirty="0" smtClean="0"/>
-              <a:t>L: Augmented </a:t>
-            </a:r>
-            <a:r>
-              <a:rPr lang="en-GB" sz="1200" dirty="0"/>
-              <a:t>Implicitly Restarted </a:t>
+              <a:t>, L: Augmented Implicitly Restarted </a:t>
             </a:r>
             <a:r>
               <a:rPr lang="en-GB" sz="1200" dirty="0" err="1"/>
@@ -8396,19 +8080,11 @@
             </a:r>
             <a:r>
               <a:rPr lang="en-GB" sz="1200" dirty="0"/>
-              <a:t> </a:t>
-            </a:r>
-            <a:r>
-              <a:rPr lang="en-GB" sz="1200" dirty="0" smtClean="0"/>
-              <a:t>Methods,  </a:t>
-            </a:r>
-            <a:r>
-              <a:rPr lang="en-GB" sz="1200" i="1" dirty="0" smtClean="0"/>
-              <a:t>SIAM </a:t>
+              <a:t> Methods,  </a:t>
             </a:r>
             <a:r>
               <a:rPr lang="en-GB" sz="1200" i="1" dirty="0"/>
-              <a:t>J. Sci. Comp., </a:t>
+              <a:t>SIAM J. Sci. Comp., </a:t>
             </a:r>
             <a:r>
               <a:rPr lang="en-GB" sz="1200" b="1" dirty="0"/>
@@ -8430,40 +8106,24 @@
               </a:spcAft>
             </a:pPr>
             <a:r>
-              <a:rPr lang="en-US" sz="1200" dirty="0" smtClean="0"/>
+              <a:rPr lang="en-US" sz="1200" dirty="0"/>
               <a:t>Bui-Thanh T, </a:t>
             </a:r>
             <a:r>
-              <a:rPr lang="en-US" sz="1200" dirty="0" err="1" smtClean="0"/>
+              <a:rPr lang="en-US" sz="1200" dirty="0" err="1"/>
               <a:t>Ghattas</a:t>
             </a:r>
             <a:r>
-              <a:rPr lang="en-US" sz="1200" dirty="0" smtClean="0"/>
+              <a:rPr lang="en-US" sz="1200" dirty="0"/>
               <a:t> O, Martin J &amp; </a:t>
             </a:r>
             <a:r>
-              <a:rPr lang="en-US" sz="1200" dirty="0" err="1" smtClean="0"/>
+              <a:rPr lang="en-US" sz="1200" dirty="0" err="1"/>
               <a:t>Stadler</a:t>
             </a:r>
             <a:r>
-              <a:rPr lang="en-US" sz="1200" dirty="0" smtClean="0"/>
-              <a:t> G</a:t>
-            </a:r>
-            <a:r>
               <a:rPr lang="en-US" sz="1200" dirty="0"/>
-              <a:t>: A Computational Framework for Infinite-Dimensional Bayesian Inverse Problems Part </a:t>
-            </a:r>
-            <a:r>
-              <a:rPr lang="en-US" sz="1200" dirty="0" smtClean="0"/>
-              <a:t>I: </a:t>
-            </a:r>
-            <a:r>
-              <a:rPr lang="en-US" sz="1200" dirty="0"/>
-              <a:t>The Linearized Case, with Application to Global Seismic </a:t>
-            </a:r>
-            <a:r>
-              <a:rPr lang="en-US" sz="1200" dirty="0" smtClean="0"/>
-              <a:t>Inversion, </a:t>
+              <a:t> G: A Computational Framework for Infinite-Dimensional Bayesian Inverse Problems Part I: The Linearized Case, with Application to Global Seismic Inversion, </a:t>
             </a:r>
             <a:r>
               <a:rPr lang="en-US" sz="1200" i="1" dirty="0"/>
@@ -8474,16 +8134,12 @@
               <a:t>, </a:t>
             </a:r>
             <a:r>
-              <a:rPr lang="en-US" sz="1200" b="1" dirty="0" smtClean="0"/>
+              <a:rPr lang="en-US" sz="1200" b="1" dirty="0"/>
               <a:t>2013</a:t>
             </a:r>
             <a:r>
               <a:rPr lang="en-US" sz="1200" dirty="0"/>
-              <a:t>, 35, </a:t>
-            </a:r>
-            <a:r>
-              <a:rPr lang="en-US" sz="1200" dirty="0" smtClean="0"/>
-              <a:t>A2494-A2523</a:t>
+              <a:t>, 35, A2494-A2523</a:t>
             </a:r>
             <a:endParaRPr lang="en-GB" sz="1200" dirty="0"/>
           </a:p>
@@ -8494,31 +8150,27 @@
               </a:spcAft>
             </a:pPr>
             <a:r>
-              <a:rPr lang="en-US" sz="1200" dirty="0" smtClean="0"/>
-              <a:t>Deal M </a:t>
-            </a:r>
-            <a:r>
               <a:rPr lang="en-US" sz="1200" dirty="0"/>
-              <a:t>&amp; </a:t>
-            </a:r>
-            <a:r>
-              <a:rPr lang="en-US" sz="1200" dirty="0" err="1" smtClean="0"/>
+              <a:t>Deal M &amp; </a:t>
+            </a:r>
+            <a:r>
+              <a:rPr lang="en-US" sz="1200" dirty="0" err="1"/>
               <a:t>Nolet</a:t>
             </a:r>
             <a:r>
-              <a:rPr lang="en-US" sz="1200" dirty="0" smtClean="0"/>
+              <a:rPr lang="en-US" sz="1200" dirty="0"/>
               <a:t> G: </a:t>
             </a:r>
             <a:r>
-              <a:rPr lang="en-US" sz="1200" dirty="0" err="1" smtClean="0"/>
+              <a:rPr lang="en-US" sz="1200" dirty="0" err="1"/>
               <a:t>Nullspace</a:t>
             </a:r>
             <a:r>
-              <a:rPr lang="en-US" sz="1200" dirty="0" smtClean="0"/>
+              <a:rPr lang="en-US" sz="1200" dirty="0"/>
               <a:t> shuttles, </a:t>
             </a:r>
             <a:r>
-              <a:rPr lang="en-US" sz="1200" i="1" dirty="0" err="1" smtClean="0"/>
+              <a:rPr lang="en-US" sz="1200" i="1" dirty="0" err="1"/>
               <a:t>Geophys</a:t>
             </a:r>
             <a:r>
@@ -8537,7 +8189,6 @@
               <a:rPr lang="en-US" sz="1200" dirty="0"/>
               <a:t>, 372-380 </a:t>
             </a:r>
-            <a:endParaRPr lang="en-US" sz="1200" dirty="0" smtClean="0"/>
           </a:p>
           <a:p>
             <a:pPr indent="-457200">
@@ -8546,24 +8197,12 @@
               </a:spcAft>
             </a:pPr>
             <a:r>
-              <a:rPr lang="en-US" sz="1200" dirty="0" smtClean="0"/>
-              <a:t>Doherty J: Calibration </a:t>
-            </a:r>
-            <a:r>
               <a:rPr lang="en-US" sz="1200" dirty="0"/>
-              <a:t>and Uncertainty Analysis for Complex Environmental </a:t>
-            </a:r>
-            <a:r>
-              <a:rPr lang="en-US" sz="1200" dirty="0" smtClean="0"/>
-              <a:t>Models, </a:t>
-            </a:r>
-            <a:r>
-              <a:rPr lang="en-US" sz="1200" i="1" dirty="0" smtClean="0"/>
-              <a:t>Watermark</a:t>
+              <a:t>Doherty J: Calibration and Uncertainty Analysis for Complex Environmental Models, </a:t>
             </a:r>
             <a:r>
               <a:rPr lang="en-US" sz="1200" i="1" dirty="0"/>
-              <a:t>, </a:t>
+              <a:t>Watermark, </a:t>
             </a:r>
             <a:r>
               <a:rPr lang="en-US" sz="1200" b="1" dirty="0"/>
@@ -8573,7 +8212,6 @@
               <a:rPr lang="en-US" sz="1200" dirty="0"/>
               <a:t> </a:t>
             </a:r>
-            <a:endParaRPr lang="en-US" sz="1200" dirty="0" smtClean="0"/>
           </a:p>
           <a:p>
             <a:pPr indent="-457200">
@@ -8582,19 +8220,19 @@
               </a:spcAft>
             </a:pPr>
             <a:r>
-              <a:rPr lang="en-US" sz="1200" dirty="0" err="1" smtClean="0"/>
+              <a:rPr lang="en-US" sz="1200" dirty="0" err="1"/>
               <a:t>Flath</a:t>
             </a:r>
             <a:r>
-              <a:rPr lang="en-US" sz="1200" dirty="0" smtClean="0"/>
+              <a:rPr lang="en-US" sz="1200" dirty="0"/>
               <a:t> H, Wilcox L, </a:t>
             </a:r>
             <a:r>
-              <a:rPr lang="en-US" sz="1200" dirty="0" err="1" smtClean="0"/>
+              <a:rPr lang="en-US" sz="1200" dirty="0" err="1"/>
               <a:t>Akcelik</a:t>
             </a:r>
             <a:r>
-              <a:rPr lang="en-US" sz="1200" dirty="0" smtClean="0"/>
+              <a:rPr lang="en-US" sz="1200" dirty="0"/>
               <a:t> V, Hill J, van </a:t>
             </a:r>
             <a:r>
@@ -8611,49 +8249,33 @@
             </a:r>
             <a:r>
               <a:rPr lang="en-US" sz="1200" dirty="0"/>
-              <a:t> </a:t>
-            </a:r>
-            <a:r>
-              <a:rPr lang="en-US" sz="1200" dirty="0" smtClean="0"/>
-              <a:t>B &amp; </a:t>
-            </a:r>
-            <a:r>
-              <a:rPr lang="en-US" sz="1200" dirty="0" err="1" smtClean="0"/>
+              <a:t> B &amp; </a:t>
+            </a:r>
+            <a:r>
+              <a:rPr lang="en-US" sz="1200" dirty="0" err="1"/>
               <a:t>Ghattas</a:t>
             </a:r>
             <a:r>
               <a:rPr lang="en-US" sz="1200" dirty="0"/>
-              <a:t> O, Fast Algorithms for Bayesian Uncertainty Quantification in Large-Scale Linear Inverse Problems Based on Low-Rank Partial Hessian </a:t>
-            </a:r>
-            <a:r>
-              <a:rPr lang="en-US" sz="1200" dirty="0" smtClean="0"/>
-              <a:t>Approximations</a:t>
+              <a:t> O, Fast Algorithms for Bayesian Uncertainty Quantification in Large-Scale Linear Inverse Problems Based on Low-Rank Partial Hessian Approximations, </a:t>
+            </a:r>
+            <a:r>
+              <a:rPr lang="en-US" sz="1200" i="1" dirty="0"/>
+              <a:t>SIAM J. Sci. Comp.</a:t>
             </a:r>
             <a:r>
               <a:rPr lang="en-US" sz="1200" dirty="0"/>
               <a:t>, </a:t>
             </a:r>
             <a:r>
-              <a:rPr lang="en-US" sz="1200" i="1" dirty="0"/>
-              <a:t>SIAM </a:t>
-            </a:r>
-            <a:r>
-              <a:rPr lang="en-US" sz="1200" i="1" dirty="0" smtClean="0"/>
-              <a:t>J. Sci. Comp.</a:t>
-            </a:r>
-            <a:r>
-              <a:rPr lang="en-US" sz="1200" dirty="0" smtClean="0"/>
-              <a:t>, </a:t>
-            </a:r>
-            <a:r>
-              <a:rPr lang="en-US" sz="1200" b="1" dirty="0" smtClean="0"/>
+              <a:rPr lang="en-US" sz="1200" b="1" dirty="0"/>
               <a:t>2011</a:t>
             </a:r>
             <a:r>
-              <a:rPr lang="en-US" sz="1200" dirty="0" smtClean="0"/>
+              <a:rPr lang="en-US" sz="1200" dirty="0"/>
               <a:t>, 33, 407-432</a:t>
             </a:r>
-            <a:endParaRPr lang="en-GB" sz="1200" dirty="0" smtClean="0"/>
+            <a:endParaRPr lang="en-GB" sz="1200" dirty="0"/>
           </a:p>
           <a:p>
             <a:pPr indent="-457200">
@@ -8662,40 +8284,24 @@
               </a:spcAft>
             </a:pPr>
             <a:r>
-              <a:rPr lang="en-GB" sz="1200" dirty="0" err="1" smtClean="0"/>
+              <a:rPr lang="en-GB" sz="1200" dirty="0" err="1"/>
               <a:t>Halko</a:t>
             </a:r>
             <a:r>
-              <a:rPr lang="en-GB" sz="1200" dirty="0" smtClean="0"/>
-              <a:t> N, Martinsson P G </a:t>
-            </a:r>
-            <a:r>
               <a:rPr lang="en-GB" sz="1200" dirty="0"/>
-              <a:t>&amp; </a:t>
-            </a:r>
-            <a:r>
-              <a:rPr lang="en-GB" sz="1200" dirty="0" err="1" smtClean="0"/>
+              <a:t> N, Martinsson P G &amp; </a:t>
+            </a:r>
+            <a:r>
+              <a:rPr lang="en-GB" sz="1200" dirty="0" err="1"/>
               <a:t>Tropp</a:t>
             </a:r>
             <a:r>
-              <a:rPr lang="en-GB" sz="1200" dirty="0" smtClean="0"/>
-              <a:t> J A: Finding </a:t>
-            </a:r>
-            <a:r>
               <a:rPr lang="en-GB" sz="1200" dirty="0"/>
-              <a:t>Structure with Randomness: Probabilistic Algorithms for Constructing Approximate Matrix </a:t>
-            </a:r>
-            <a:r>
-              <a:rPr lang="en-GB" sz="1200" dirty="0" smtClean="0"/>
-              <a:t>Decompositions, </a:t>
-            </a:r>
-            <a:r>
-              <a:rPr lang="en-GB" sz="1200" i="1" dirty="0" smtClean="0"/>
-              <a:t>SIAM </a:t>
+              <a:t> J A: Finding Structure with Randomness: Probabilistic Algorithms for Constructing Approximate Matrix Decompositions, </a:t>
             </a:r>
             <a:r>
               <a:rPr lang="en-GB" sz="1200" i="1" dirty="0"/>
-              <a:t>Review, </a:t>
+              <a:t>SIAM Review, </a:t>
             </a:r>
             <a:r>
               <a:rPr lang="en-GB" sz="1200" b="1" dirty="0"/>
@@ -8709,7 +8315,7 @@
               <a:rPr lang="en-GB" sz="1200" dirty="0"/>
               <a:t>, 217-288 </a:t>
             </a:r>
-            <a:endParaRPr lang="en-US" sz="1200" dirty="0" smtClean="0"/>
+            <a:endParaRPr lang="en-US" sz="1200" dirty="0"/>
           </a:p>
           <a:p>
             <a:pPr indent="-457200">
@@ -8718,31 +8324,19 @@
               </a:spcAft>
             </a:pPr>
             <a:r>
-              <a:rPr lang="en-GB" sz="1200" dirty="0" smtClean="0"/>
-              <a:t>Kannan R </a:t>
-            </a:r>
-            <a:r>
               <a:rPr lang="en-GB" sz="1200" dirty="0"/>
-              <a:t>&amp; </a:t>
-            </a:r>
-            <a:r>
-              <a:rPr lang="en-GB" sz="1200" dirty="0" err="1" smtClean="0"/>
+              <a:t>Kannan R &amp; </a:t>
+            </a:r>
+            <a:r>
+              <a:rPr lang="en-GB" sz="1200" dirty="0" err="1"/>
               <a:t>Vempala</a:t>
             </a:r>
             <a:r>
-              <a:rPr lang="en-GB" sz="1200" dirty="0" smtClean="0"/>
-              <a:t> S: Randomized </a:t>
-            </a:r>
-            <a:r>
               <a:rPr lang="en-GB" sz="1200" dirty="0"/>
-              <a:t>algorithms in numerical </a:t>
-            </a:r>
-            <a:r>
-              <a:rPr lang="en-GB" sz="1200" dirty="0" smtClean="0"/>
-              <a:t> linear algebra,  </a:t>
-            </a:r>
-            <a:r>
-              <a:rPr lang="en-GB" sz="1200" i="1" dirty="0" err="1" smtClean="0"/>
+              <a:t> S: Randomized algorithms in numerical  linear algebra,  </a:t>
+            </a:r>
+            <a:r>
+              <a:rPr lang="en-GB" sz="1200" i="1" dirty="0" err="1"/>
               <a:t>Acta</a:t>
             </a:r>
             <a:r>
@@ -8750,7 +8344,7 @@
               <a:t> </a:t>
             </a:r>
             <a:r>
-              <a:rPr lang="en-GB" sz="1200" i="1" dirty="0" err="1" smtClean="0"/>
+              <a:rPr lang="en-GB" sz="1200" i="1" dirty="0" err="1"/>
               <a:t>Numerica</a:t>
             </a:r>
             <a:r>
@@ -8758,7 +8352,7 @@
               <a:t>, </a:t>
             </a:r>
             <a:r>
-              <a:rPr lang="en-GB" sz="1200" b="1" dirty="0" smtClean="0"/>
+              <a:rPr lang="en-GB" sz="1200" b="1" dirty="0"/>
               <a:t>2017</a:t>
             </a:r>
             <a:r>
@@ -8769,7 +8363,6 @@
               <a:rPr lang="en-GB" sz="1200" dirty="0"/>
               <a:t>, 95-135 </a:t>
             </a:r>
-            <a:endParaRPr lang="en-GB" sz="1200" dirty="0" smtClean="0"/>
           </a:p>
           <a:p>
             <a:pPr indent="-457200">
@@ -8778,39 +8371,35 @@
               </a:spcAft>
             </a:pPr>
             <a:r>
-              <a:rPr lang="en-US" sz="1200" dirty="0" err="1" smtClean="0"/>
+              <a:rPr lang="en-US" sz="1200" dirty="0" err="1"/>
               <a:t>Kundu</a:t>
             </a:r>
             <a:r>
-              <a:rPr lang="en-US" sz="1200" dirty="0" smtClean="0"/>
+              <a:rPr lang="en-US" sz="1200" dirty="0"/>
               <a:t>  A &amp; </a:t>
             </a:r>
             <a:r>
-              <a:rPr lang="en-US" sz="1200" dirty="0" err="1" smtClean="0"/>
+              <a:rPr lang="en-US" sz="1200" dirty="0" err="1"/>
               <a:t>Drineas</a:t>
             </a:r>
             <a:r>
-              <a:rPr lang="en-US" sz="1200" dirty="0" smtClean="0"/>
-              <a:t>, P: </a:t>
-            </a:r>
-            <a:r>
               <a:rPr lang="en-US" sz="1200" dirty="0"/>
-              <a:t>A Note on Randomized Element-wise Matrix </a:t>
-            </a:r>
-            <a:r>
-              <a:rPr lang="en-US" sz="1200" dirty="0" err="1" smtClean="0"/>
+              <a:t>, P: A Note on Randomized Element-wise Matrix </a:t>
+            </a:r>
+            <a:r>
+              <a:rPr lang="en-US" sz="1200" dirty="0" err="1"/>
               <a:t>Sparsification</a:t>
             </a:r>
             <a:r>
-              <a:rPr lang="en-US" sz="1200" dirty="0" smtClean="0"/>
+              <a:rPr lang="en-US" sz="1200" dirty="0"/>
               <a:t>, </a:t>
             </a:r>
             <a:r>
-              <a:rPr lang="en-US" sz="1200" b="1" dirty="0" smtClean="0"/>
+              <a:rPr lang="en-US" sz="1200" b="1" dirty="0"/>
               <a:t>2014</a:t>
             </a:r>
             <a:r>
-              <a:rPr lang="en-US" sz="1200" dirty="0" smtClean="0"/>
+              <a:rPr lang="en-US" sz="1200" dirty="0"/>
               <a:t>, arXiv:1404.0320v1.</a:t>
             </a:r>
           </a:p>
@@ -8821,23 +8410,15 @@
               </a:spcAft>
             </a:pPr>
             <a:r>
-              <a:rPr lang="en-US" sz="1200" dirty="0" err="1" smtClean="0"/>
+              <a:rPr lang="en-US" sz="1200" dirty="0" err="1"/>
               <a:t>Lanczos</a:t>
             </a:r>
             <a:r>
-              <a:rPr lang="en-US" sz="1200" dirty="0" smtClean="0"/>
-              <a:t> C: Linear </a:t>
-            </a:r>
-            <a:r>
               <a:rPr lang="en-US" sz="1200" dirty="0"/>
-              <a:t>Differential </a:t>
-            </a:r>
-            <a:r>
-              <a:rPr lang="en-US" sz="1200" dirty="0" smtClean="0"/>
-              <a:t>Operators, </a:t>
-            </a:r>
-            <a:r>
-              <a:rPr lang="en-US" sz="1200" i="1" dirty="0" smtClean="0"/>
+              <a:t> C: Linear Differential Operators, </a:t>
+            </a:r>
+            <a:r>
+              <a:rPr lang="en-US" sz="1200" i="1" dirty="0"/>
               <a:t>Van </a:t>
             </a:r>
             <a:r>
@@ -8846,11 +8427,7 @@
             </a:r>
             <a:r>
               <a:rPr lang="en-US" sz="1200" i="1" dirty="0"/>
-              <a:t> </a:t>
-            </a:r>
-            <a:r>
-              <a:rPr lang="en-US" sz="1200" i="1" dirty="0" smtClean="0"/>
-              <a:t>, </a:t>
+              <a:t> , </a:t>
             </a:r>
             <a:r>
               <a:rPr lang="en-US" sz="1200" b="1" dirty="0"/>
@@ -8860,7 +8437,7 @@
               <a:rPr lang="en-US" sz="1200" dirty="0"/>
               <a:t> </a:t>
             </a:r>
-            <a:endParaRPr lang="en-GB" sz="1200" dirty="0" smtClean="0"/>
+            <a:endParaRPr lang="en-GB" sz="1200" dirty="0"/>
           </a:p>
           <a:p>
             <a:pPr indent="-457200">
@@ -8869,19 +8446,19 @@
               </a:spcAft>
             </a:pPr>
             <a:r>
-              <a:rPr lang="en-US" sz="1200" dirty="0" smtClean="0"/>
+              <a:rPr lang="en-US" sz="1200" dirty="0"/>
               <a:t>Isaac T, Petra N, </a:t>
             </a:r>
             <a:r>
-              <a:rPr lang="en-US" sz="1200" dirty="0" err="1" smtClean="0"/>
+              <a:rPr lang="en-US" sz="1200" dirty="0" err="1"/>
               <a:t>Stadler</a:t>
             </a:r>
             <a:r>
-              <a:rPr lang="en-US" sz="1200" dirty="0" smtClean="0"/>
+              <a:rPr lang="en-US" sz="1200" dirty="0"/>
               <a:t> G &amp; </a:t>
             </a:r>
             <a:r>
-              <a:rPr lang="en-US" sz="1200" dirty="0" err="1" smtClean="0"/>
+              <a:rPr lang="en-US" sz="1200" dirty="0" err="1"/>
               <a:t>Ghattas</a:t>
             </a:r>
             <a:r>
@@ -8889,19 +8466,19 @@
               <a:t> O: Scalable and efficient algorithms for the propagation of uncertainty from data through inference to prediction for large-scale problems, with application to flow of the Antarctic ice sheet, </a:t>
             </a:r>
             <a:r>
-              <a:rPr lang="en-US" sz="1200" i="1" dirty="0" smtClean="0"/>
+              <a:rPr lang="en-US" sz="1200" i="1" dirty="0"/>
               <a:t>J. Comp. Phys.</a:t>
             </a:r>
             <a:r>
-              <a:rPr lang="en-US" sz="1200" dirty="0" smtClean="0"/>
+              <a:rPr lang="en-US" sz="1200" dirty="0"/>
               <a:t>, </a:t>
             </a:r>
             <a:r>
-              <a:rPr lang="en-US" sz="1200" b="1" dirty="0" smtClean="0"/>
+              <a:rPr lang="en-US" sz="1200" b="1" dirty="0"/>
               <a:t>2015</a:t>
             </a:r>
             <a:r>
-              <a:rPr lang="en-US" sz="1200" dirty="0" smtClean="0"/>
+              <a:rPr lang="en-US" sz="1200" dirty="0"/>
               <a:t>, 296, 348-368 </a:t>
             </a:r>
           </a:p>
@@ -8912,20 +8489,8 @@
               </a:spcAft>
             </a:pPr>
             <a:r>
-              <a:rPr lang="en-US" sz="1200" dirty="0" smtClean="0"/>
-              <a:t>Muñoz G </a:t>
-            </a:r>
-            <a:r>
               <a:rPr lang="en-US" sz="1200" dirty="0"/>
-              <a:t>&amp; </a:t>
-            </a:r>
-            <a:r>
-              <a:rPr lang="en-US" sz="1200" dirty="0" smtClean="0"/>
-              <a:t>Rath V: Beyond </a:t>
-            </a:r>
-            <a:r>
-              <a:rPr lang="en-US" sz="1200" dirty="0"/>
-              <a:t>smooth inversion: the use of </a:t>
+              <a:t>Muñoz G &amp; Rath V: Beyond smooth inversion: the use of </a:t>
             </a:r>
             <a:r>
               <a:rPr lang="en-US" sz="1200" dirty="0" err="1"/>
@@ -8933,18 +8498,14 @@
             </a:r>
             <a:r>
               <a:rPr lang="en-US" sz="1200" dirty="0"/>
-              <a:t> projection for the exploration of non-uniqueness in </a:t>
-            </a:r>
-            <a:r>
-              <a:rPr lang="en-US" sz="1200" dirty="0" smtClean="0"/>
-              <a:t>MT, </a:t>
-            </a:r>
-            <a:r>
-              <a:rPr lang="en-US" sz="1200" i="1" dirty="0" err="1" smtClean="0"/>
+              <a:t> projection for the exploration of non-uniqueness in MT, </a:t>
+            </a:r>
+            <a:r>
+              <a:rPr lang="en-US" sz="1200" i="1" dirty="0" err="1"/>
               <a:t>Geophys</a:t>
             </a:r>
             <a:r>
-              <a:rPr lang="en-US" sz="1200" i="1" dirty="0" smtClean="0"/>
+              <a:rPr lang="en-US" sz="1200" i="1" dirty="0"/>
               <a:t>. J. Int., </a:t>
             </a:r>
             <a:r>
@@ -8959,7 +8520,6 @@
               <a:rPr lang="en-US" sz="1200" dirty="0"/>
               <a:t>, 301-311 </a:t>
             </a:r>
-            <a:endParaRPr lang="en-US" sz="1200" dirty="0" smtClean="0"/>
           </a:p>
           <a:p>
             <a:pPr indent="-457200">
@@ -8968,31 +8528,15 @@
               </a:spcAft>
             </a:pPr>
             <a:r>
-              <a:rPr lang="en-US" sz="1200" dirty="0" err="1" smtClean="0"/>
+              <a:rPr lang="en-US" sz="1200" dirty="0" err="1"/>
               <a:t>Rowbotham</a:t>
             </a:r>
             <a:r>
-              <a:rPr lang="en-US" sz="1200" dirty="0" smtClean="0"/>
-              <a:t> P S </a:t>
-            </a:r>
-            <a:r>
               <a:rPr lang="en-US" sz="1200" dirty="0"/>
-              <a:t>&amp; </a:t>
-            </a:r>
-            <a:r>
-              <a:rPr lang="en-US" sz="1200" dirty="0" smtClean="0"/>
-              <a:t>Pratt R G: Improved </a:t>
-            </a:r>
-            <a:r>
-              <a:rPr lang="en-US" sz="1200" dirty="0"/>
-              <a:t>inversion through use of the null </a:t>
-            </a:r>
-            <a:r>
-              <a:rPr lang="en-US" sz="1200" dirty="0" smtClean="0"/>
-              <a:t>space, </a:t>
-            </a:r>
-            <a:r>
-              <a:rPr lang="en-US" sz="1200" i="1" dirty="0" smtClean="0"/>
+              <a:t> P S &amp; Pratt R G: Improved inversion through use of the null space, </a:t>
+            </a:r>
+            <a:r>
+              <a:rPr lang="en-US" sz="1200" i="1" dirty="0"/>
               <a:t>Geophysics, </a:t>
             </a:r>
             <a:r>
@@ -9007,7 +8551,6 @@
               <a:rPr lang="en-US" sz="1200" dirty="0"/>
               <a:t>, 869-883 </a:t>
             </a:r>
-            <a:endParaRPr lang="en-US" sz="1200" dirty="0" smtClean="0"/>
           </a:p>
           <a:p>
             <a:pPr indent="-457200">
@@ -9016,76 +8559,48 @@
               </a:spcAft>
             </a:pPr>
             <a:r>
-              <a:rPr lang="en-GB" sz="1200" dirty="0" err="1" smtClean="0"/>
+              <a:rPr lang="en-GB" sz="1200" dirty="0" err="1"/>
               <a:t>Tavakoli</a:t>
             </a:r>
             <a:r>
-              <a:rPr lang="en-GB" sz="1200" dirty="0" smtClean="0"/>
+              <a:rPr lang="en-GB" sz="1200" dirty="0"/>
               <a:t> R, Yoon H, </a:t>
             </a:r>
             <a:r>
-              <a:rPr lang="en-GB" sz="1200" dirty="0" err="1" smtClean="0"/>
+              <a:rPr lang="en-GB" sz="1200" dirty="0" err="1"/>
               <a:t>Delshad</a:t>
             </a:r>
             <a:r>
-              <a:rPr lang="en-GB" sz="1200" dirty="0" smtClean="0"/>
+              <a:rPr lang="en-GB" sz="1200" dirty="0"/>
               <a:t> M, </a:t>
             </a:r>
             <a:r>
-              <a:rPr lang="en-GB" sz="1200" dirty="0" err="1" smtClean="0"/>
+              <a:rPr lang="en-GB" sz="1200" dirty="0" err="1"/>
               <a:t>ElSheikh</a:t>
             </a:r>
             <a:r>
-              <a:rPr lang="en-GB" sz="1200" dirty="0" smtClean="0"/>
-              <a:t> A H, Wheeler M F </a:t>
-            </a:r>
-            <a:r>
               <a:rPr lang="en-GB" sz="1200" dirty="0"/>
-              <a:t>&amp; </a:t>
-            </a:r>
-            <a:r>
-              <a:rPr lang="en-GB" sz="1200" dirty="0" smtClean="0"/>
-              <a:t>Arnold B W: Comparison </a:t>
+              <a:t> A H, Wheeler M F &amp; Arnold B W: Comparison of ensemble filtering algorithms and null-space Monte Carlo for parameter estimation and uncertainty quantification using CO</a:t>
+            </a:r>
+            <a:r>
+              <a:rPr lang="en-GB" sz="1200" baseline="-25000" dirty="0"/>
+              <a:t>2</a:t>
             </a:r>
             <a:r>
               <a:rPr lang="en-GB" sz="1200" dirty="0"/>
-              <a:t>of ensemble filtering algorithms and null-space Monte Carlo for parameter estimation and uncertainty quantification using </a:t>
-            </a:r>
-            <a:r>
-              <a:rPr lang="en-GB" sz="1200" dirty="0" smtClean="0"/>
-              <a:t>CO</a:t>
-            </a:r>
-            <a:r>
-              <a:rPr lang="en-GB" sz="1200" baseline="-25000" dirty="0" smtClean="0"/>
-              <a:t>2</a:t>
-            </a:r>
-            <a:r>
-              <a:rPr lang="en-GB" sz="1200" dirty="0" smtClean="0"/>
-              <a:t> </a:t>
-            </a:r>
-            <a:r>
-              <a:rPr lang="en-GB" sz="1200" dirty="0"/>
-              <a:t>sequestration </a:t>
-            </a:r>
-            <a:r>
-              <a:rPr lang="en-GB" sz="1200" dirty="0" smtClean="0"/>
-              <a:t>data, </a:t>
-            </a:r>
-            <a:r>
-              <a:rPr lang="en-GB" sz="1200" i="1" dirty="0" smtClean="0"/>
+              <a:t> sequestration data, </a:t>
+            </a:r>
+            <a:r>
+              <a:rPr lang="en-GB" sz="1200" i="1" dirty="0"/>
               <a:t>Water </a:t>
             </a:r>
             <a:r>
-              <a:rPr lang="en-GB" sz="1200" i="1" dirty="0" err="1" smtClean="0"/>
+              <a:rPr lang="en-GB" sz="1200" i="1" dirty="0" err="1"/>
               <a:t>Resour</a:t>
             </a:r>
             <a:r>
               <a:rPr lang="en-GB" sz="1200" i="1" dirty="0"/>
-              <a:t>.</a:t>
-            </a:r>
-            <a:r>
-              <a:rPr lang="en-GB" sz="1200" i="1" dirty="0" smtClean="0"/>
-              <a:t> Res., </a:t>
+              <a:t>. Res., </a:t>
             </a:r>
             <a:r>
               <a:rPr lang="en-GB" sz="1200" b="1" dirty="0"/>
@@ -9097,11 +8612,7 @@
             </a:r>
             <a:r>
               <a:rPr lang="en-GB" sz="1200" dirty="0"/>
-              <a:t>, </a:t>
-            </a:r>
-            <a:r>
-              <a:rPr lang="en-GB" sz="1200" dirty="0" smtClean="0"/>
-              <a:t>8108-8127</a:t>
+              <a:t>, 8108-8127</a:t>
             </a:r>
           </a:p>
         </p:txBody>
@@ -9116,13 +8627,6 @@
   <p:clrMapOvr>
     <a:masterClrMapping/>
   </p:clrMapOvr>
-  <p:timing>
-    <p:tnLst>
-      <p:par>
-        <p:cTn id="1" dur="indefinite" restart="never" nodeType="tmRoot"/>
-      </p:par>
-    </p:tnLst>
-  </p:timing>
 </p:sld>
 </file>
 
@@ -9169,7 +8673,7 @@
               <a:buChar char="Ø"/>
             </a:pPr>
             <a:r>
-              <a:rPr lang="en-IE" sz="2800" dirty="0" smtClean="0"/>
+              <a:rPr lang="en-IE" sz="2800" dirty="0"/>
               <a:t>Motivation</a:t>
             </a:r>
           </a:p>
@@ -9179,18 +8683,9 @@
               <a:buChar char="Ø"/>
             </a:pPr>
             <a:r>
-              <a:rPr lang="en-IE" sz="2800" dirty="0" smtClean="0"/>
-              <a:t>Reminder: Singular Value Decomposition</a:t>
-            </a:r>
-            <a:r>
               <a:rPr lang="en-IE" sz="2800" dirty="0"/>
-              <a:t> </a:t>
-            </a:r>
-            <a:r>
-              <a:rPr lang="en-IE" sz="2800" dirty="0" smtClean="0"/>
-              <a:t>(SVD)    </a:t>
-            </a:r>
-            <a:endParaRPr lang="en-IE" sz="2800" dirty="0"/>
+              <a:t>Reminder: Singular Value Decomposition (SVD)    </a:t>
+            </a:r>
           </a:p>
           <a:p>
             <a:pPr marL="342900" indent="-342900">
@@ -9198,11 +8693,11 @@
               <a:buChar char="Ø"/>
             </a:pPr>
             <a:r>
-              <a:rPr lang="en-IE" sz="2800" dirty="0" err="1" smtClean="0"/>
+              <a:rPr lang="en-IE" sz="2800" dirty="0" err="1"/>
               <a:t>Nullspace</a:t>
             </a:r>
             <a:r>
-              <a:rPr lang="en-IE" sz="2800" dirty="0" smtClean="0"/>
+              <a:rPr lang="en-IE" sz="2800" dirty="0"/>
               <a:t> shuttle</a:t>
             </a:r>
           </a:p>
@@ -9212,7 +8707,7 @@
               <a:buChar char="Ø"/>
             </a:pPr>
             <a:r>
-              <a:rPr lang="en-IE" sz="2800" dirty="0" smtClean="0"/>
+              <a:rPr lang="en-IE" sz="2800" dirty="0"/>
               <a:t>Computational issues </a:t>
             </a:r>
           </a:p>
@@ -9222,7 +8717,7 @@
               <a:buChar char="o"/>
             </a:pPr>
             <a:r>
-              <a:rPr lang="en-IE" sz="2800" dirty="0" smtClean="0"/>
+              <a:rPr lang="en-IE" sz="2800" dirty="0"/>
               <a:t>“Sparsity” of  the Jacobian in MT</a:t>
             </a:r>
           </a:p>
@@ -9232,7 +8727,7 @@
               <a:buChar char="o"/>
             </a:pPr>
             <a:r>
-              <a:rPr lang="en-IE" sz="2800" dirty="0" smtClean="0"/>
+              <a:rPr lang="en-IE" sz="2800" dirty="0"/>
               <a:t>Complexity of SVD – Randomized algorithms</a:t>
             </a:r>
           </a:p>
@@ -9242,7 +8737,7 @@
               <a:buChar char="Ø"/>
             </a:pPr>
             <a:r>
-              <a:rPr lang="en-IE" sz="2800" dirty="0" smtClean="0"/>
+              <a:rPr lang="en-IE" sz="2800" dirty="0"/>
               <a:t>Applications</a:t>
             </a:r>
             <a:endParaRPr lang="en-IE" sz="2400" dirty="0"/>
@@ -9272,7 +8767,7 @@
           <a:lstStyle/>
           <a:p>
             <a:r>
-              <a:rPr lang="en-IE" sz="3200" i="1" dirty="0" smtClean="0">
+              <a:rPr lang="en-IE" sz="3200" i="1" dirty="0">
                 <a:effectLst>
                   <a:outerShdw blurRad="38100" dist="38100" dir="2700000" algn="tl">
                     <a:srgbClr val="000000">
@@ -9283,15 +8778,6 @@
               </a:rPr>
               <a:t>Roadmap</a:t>
             </a:r>
-            <a:endParaRPr lang="en-IE" sz="3200" i="1" dirty="0">
-              <a:effectLst>
-                <a:outerShdw blurRad="38100" dist="38100" dir="2700000" algn="tl">
-                  <a:srgbClr val="000000">
-                    <a:alpha val="43137"/>
-                  </a:srgbClr>
-                </a:outerShdw>
-              </a:effectLst>
-            </a:endParaRPr>
           </a:p>
         </p:txBody>
       </p:sp>
@@ -9305,13 +8791,6 @@
   <p:clrMapOvr>
     <a:masterClrMapping/>
   </p:clrMapOvr>
-  <p:timing>
-    <p:tnLst>
-      <p:par>
-        <p:cTn id="1" dur="indefinite" restart="never" nodeType="tmRoot"/>
-      </p:par>
-    </p:tnLst>
-  </p:timing>
 </p:sld>
 </file>
 
@@ -9356,7 +8835,7 @@
           <a:p>
             <a:pPr algn="l"/>
             <a:r>
-              <a:rPr lang="en-GB" sz="3200" dirty="0" smtClean="0">
+              <a:rPr lang="en-GB" sz="3200" dirty="0">
                 <a:effectLst>
                   <a:outerShdw blurRad="38100" dist="38100" dir="2700000" algn="tl">
                     <a:srgbClr val="000000">
@@ -9368,16 +8847,6 @@
               </a:rPr>
               <a:t>References II</a:t>
             </a:r>
-            <a:endParaRPr lang="en-GB" sz="3200" dirty="0">
-              <a:effectLst>
-                <a:outerShdw blurRad="38100" dist="38100" dir="2700000" algn="tl">
-                  <a:srgbClr val="000000">
-                    <a:alpha val="43137"/>
-                  </a:srgbClr>
-                </a:outerShdw>
-              </a:effectLst>
-              <a:latin typeface="+mn-lt"/>
-            </a:endParaRPr>
           </a:p>
         </p:txBody>
       </p:sp>
@@ -9408,7 +8877,7 @@
                 <a:spcPts val="600"/>
               </a:spcAft>
             </a:pPr>
-            <a:endParaRPr lang="en-IE" dirty="0" smtClean="0"/>
+            <a:endParaRPr lang="en-IE" dirty="0"/>
           </a:p>
           <a:p>
             <a:endParaRPr lang="en-IE" dirty="0"/>
@@ -9442,23 +8911,19 @@
               </a:spcAft>
             </a:pPr>
             <a:r>
-              <a:rPr lang="en-US" sz="1200" dirty="0" smtClean="0"/>
-              <a:t>Tonkin </a:t>
-            </a:r>
-            <a:r>
               <a:rPr lang="en-US" sz="1200" dirty="0"/>
-              <a:t>M &amp; Doherty J: Calibration-constrained Monte Carlo analysis of highly parameterized models using subspace techniques, </a:t>
+              <a:t>Tonkin M &amp; Doherty J: Calibration-constrained Monte Carlo analysis of highly parameterized models using subspace techniques, </a:t>
             </a:r>
             <a:r>
               <a:rPr lang="en-US" sz="1200" i="1" dirty="0"/>
               <a:t>Water </a:t>
             </a:r>
             <a:r>
-              <a:rPr lang="en-US" sz="1200" i="1" dirty="0" err="1" smtClean="0"/>
+              <a:rPr lang="en-US" sz="1200" i="1" dirty="0" err="1"/>
               <a:t>Resour</a:t>
             </a:r>
             <a:r>
-              <a:rPr lang="en-US" sz="1200" i="1" dirty="0" smtClean="0"/>
+              <a:rPr lang="en-US" sz="1200" i="1" dirty="0"/>
               <a:t>. Res., </a:t>
             </a:r>
             <a:r>
@@ -9482,12 +8947,8 @@
               </a:spcAft>
             </a:pPr>
             <a:r>
-              <a:rPr lang="en-US" sz="1200" dirty="0" smtClean="0"/>
-              <a:t>Woodruff  </a:t>
-            </a:r>
-            <a:r>
               <a:rPr lang="en-US" sz="1200" dirty="0"/>
-              <a:t>D P: Sketching as a Tool for Numerical Linear Algebra, </a:t>
+              <a:t>Woodruff  D P: Sketching as a Tool for Numerical Linear Algebra, </a:t>
             </a:r>
             <a:r>
               <a:rPr lang="en-US" sz="1200" i="1" dirty="0"/>
@@ -9546,13 +9007,6 @@
   <p:clrMapOvr>
     <a:masterClrMapping/>
   </p:clrMapOvr>
-  <p:timing>
-    <p:tnLst>
-      <p:par>
-        <p:cTn id="1" dur="indefinite" restart="never" nodeType="tmRoot"/>
-      </p:par>
-    </p:tnLst>
-  </p:timing>
 </p:sld>
 </file>
 
@@ -9605,18 +9059,14 @@
             </a:pPr>
             <a:r>
               <a:rPr lang="en-IE" sz="2400" dirty="0"/>
-              <a:t>e</a:t>
-            </a:r>
-            <a:r>
-              <a:rPr lang="en-IE" sz="2400" dirty="0" smtClean="0"/>
-              <a:t>arly work on </a:t>
-            </a:r>
-            <a:r>
-              <a:rPr lang="en-IE" sz="2400" dirty="0" err="1" smtClean="0"/>
+              <a:t>early work on </a:t>
+            </a:r>
+            <a:r>
+              <a:rPr lang="en-IE" sz="2400" dirty="0" err="1"/>
               <a:t>Nullspace</a:t>
             </a:r>
             <a:r>
-              <a:rPr lang="en-IE" sz="2400" dirty="0" smtClean="0"/>
+              <a:rPr lang="en-IE" sz="2400" dirty="0"/>
               <a:t> Shuttle in MT (Muñoz &amp; Rath, EMTF 2003)    </a:t>
             </a:r>
           </a:p>
@@ -9626,7 +9076,7 @@
               <a:buChar char="Ø"/>
             </a:pPr>
             <a:r>
-              <a:rPr lang="en-IE" sz="2400" dirty="0" smtClean="0"/>
+              <a:rPr lang="en-IE" sz="2400" dirty="0"/>
               <a:t>renewed interest of related methods in hydrogeology and seismology </a:t>
             </a:r>
           </a:p>
@@ -9636,19 +9086,19 @@
               <a:buChar char="Ø"/>
             </a:pPr>
             <a:r>
-              <a:rPr lang="en-IE" sz="2400" dirty="0" smtClean="0"/>
+              <a:rPr lang="en-IE" sz="2400" dirty="0"/>
               <a:t>movement from 2-D to 3-D (data and </a:t>
             </a:r>
             <a:r>
-              <a:rPr lang="en-IE" sz="2400" dirty="0" err="1" smtClean="0"/>
+              <a:rPr lang="en-IE" sz="2400" dirty="0" err="1"/>
               <a:t>modeling</a:t>
             </a:r>
             <a:r>
-              <a:rPr lang="en-IE" sz="2400" dirty="0" smtClean="0"/>
+              <a:rPr lang="en-IE" sz="2400" dirty="0"/>
               <a:t>) has not improved the situation for </a:t>
             </a:r>
             <a:r>
-              <a:rPr lang="en-IE" sz="2400" smtClean="0"/>
+              <a:rPr lang="en-IE" sz="2400"/>
               <a:t>uncertainty studies</a:t>
             </a:r>
             <a:endParaRPr lang="en-IE" sz="2400" dirty="0"/>
@@ -9659,7 +9109,7 @@
               <a:buChar char="Ø"/>
             </a:pPr>
             <a:r>
-              <a:rPr lang="en-IE" sz="2400" dirty="0" smtClean="0"/>
+              <a:rPr lang="en-IE" sz="2400" dirty="0"/>
               <a:t>approximate methods for uncertainty and resolution analysis even more necessary</a:t>
             </a:r>
           </a:p>
@@ -9669,10 +9119,9 @@
               <a:buChar char="Ø"/>
             </a:pPr>
             <a:r>
-              <a:rPr lang="en-IE" sz="2400" dirty="0" smtClean="0"/>
+              <a:rPr lang="en-IE" sz="2400" dirty="0"/>
               <a:t>“Big Data” :  emergence of randomized linear algebra (“matrix sketching”)  </a:t>
             </a:r>
-            <a:endParaRPr lang="en-IE" sz="2400" dirty="0"/>
           </a:p>
         </p:txBody>
       </p:sp>
@@ -9699,7 +9148,7 @@
           <a:lstStyle/>
           <a:p>
             <a:r>
-              <a:rPr lang="en-IE" sz="3200" i="1" dirty="0" smtClean="0">
+              <a:rPr lang="en-IE" sz="3200" i="1" dirty="0">
                 <a:effectLst>
                   <a:outerShdw blurRad="38100" dist="38100" dir="2700000" algn="tl">
                     <a:srgbClr val="000000">
@@ -9710,15 +9159,6 @@
               </a:rPr>
               <a:t>Motivation: Why?</a:t>
             </a:r>
-            <a:endParaRPr lang="en-IE" sz="3200" i="1" dirty="0">
-              <a:effectLst>
-                <a:outerShdw blurRad="38100" dist="38100" dir="2700000" algn="tl">
-                  <a:srgbClr val="000000">
-                    <a:alpha val="43137"/>
-                  </a:srgbClr>
-                </a:outerShdw>
-              </a:effectLst>
-            </a:endParaRPr>
           </a:p>
         </p:txBody>
       </p:sp>
@@ -9762,13 +9202,6 @@
   <p:clrMapOvr>
     <a:masterClrMapping/>
   </p:clrMapOvr>
-  <p:timing>
-    <p:tnLst>
-      <p:par>
-        <p:cTn id="1" dur="indefinite" restart="never" nodeType="tmRoot"/>
-      </p:par>
-    </p:tnLst>
-  </p:timing>
 </p:sld>
 </file>
 
@@ -9812,7 +9245,7 @@
           <a:lstStyle/>
           <a:p>
             <a:r>
-              <a:rPr lang="en-IE" sz="3200" i="1" dirty="0" smtClean="0">
+              <a:rPr lang="en-IE" sz="3200" i="1" dirty="0">
                 <a:effectLst>
                   <a:outerShdw blurRad="38100" dist="38100" dir="2700000" algn="tl">
                     <a:srgbClr val="000000">
@@ -9823,15 +9256,6 @@
               </a:rPr>
               <a:t>Singular value decomposition – Basics</a:t>
             </a:r>
-            <a:endParaRPr lang="en-IE" sz="3200" i="1" dirty="0">
-              <a:effectLst>
-                <a:outerShdw blurRad="38100" dist="38100" dir="2700000" algn="tl">
-                  <a:srgbClr val="000000">
-                    <a:alpha val="43137"/>
-                  </a:srgbClr>
-                </a:outerShdw>
-              </a:effectLst>
-            </a:endParaRPr>
           </a:p>
         </p:txBody>
       </p:sp>
@@ -9857,12 +9281,12 @@
           <a:graphicData uri="http://schemas.openxmlformats.org/presentationml/2006/ole">
             <mc:AlternateContent xmlns:mc="http://schemas.openxmlformats.org/markup-compatibility/2006">
               <mc:Choice xmlns:v="urn:schemas-microsoft-com:vml" Requires="v">
-                <p:oleObj spid="_x0000_s1191" name="Equation" r:id="rId3" imgW="1130040" imgH="228600" progId="Equation.DSMT4">
+                <p:oleObj name="Equation" r:id="rId2" imgW="1130040" imgH="228600" progId="Equation.DSMT4">
                   <p:embed/>
                 </p:oleObj>
               </mc:Choice>
               <mc:Fallback>
-                <p:oleObj name="Equation" r:id="rId3" imgW="1130040" imgH="228600" progId="Equation.DSMT4">
+                <p:oleObj name="Equation" r:id="rId2" imgW="1130040" imgH="228600" progId="Equation.DSMT4">
                   <p:embed/>
                   <p:pic>
                     <p:nvPicPr>
@@ -9871,7 +9295,7 @@
                       <p:nvPr/>
                     </p:nvPicPr>
                     <p:blipFill>
-                      <a:blip r:embed="rId4"/>
+                      <a:blip r:embed="rId3"/>
                       <a:stretch>
                         <a:fillRect/>
                       </a:stretch>
@@ -9914,12 +9338,12 @@
           <a:graphicData uri="http://schemas.openxmlformats.org/presentationml/2006/ole">
             <mc:AlternateContent xmlns:mc="http://schemas.openxmlformats.org/markup-compatibility/2006">
               <mc:Choice xmlns:v="urn:schemas-microsoft-com:vml" Requires="v">
-                <p:oleObj spid="_x0000_s1192" name="Equation" r:id="rId5" imgW="1295280" imgH="228600" progId="Equation.DSMT4">
+                <p:oleObj name="Equation" r:id="rId4" imgW="1295280" imgH="228600" progId="Equation.DSMT4">
                   <p:embed/>
                 </p:oleObj>
               </mc:Choice>
               <mc:Fallback>
-                <p:oleObj name="Equation" r:id="rId5" imgW="1295280" imgH="228600" progId="Equation.DSMT4">
+                <p:oleObj name="Equation" r:id="rId4" imgW="1295280" imgH="228600" progId="Equation.DSMT4">
                   <p:embed/>
                   <p:pic>
                     <p:nvPicPr>
@@ -9928,7 +9352,7 @@
                       <p:nvPr/>
                     </p:nvPicPr>
                     <p:blipFill>
-                      <a:blip r:embed="rId6"/>
+                      <a:blip r:embed="rId5"/>
                       <a:stretch>
                         <a:fillRect/>
                       </a:stretch>
@@ -9971,12 +9395,12 @@
           <a:graphicData uri="http://schemas.openxmlformats.org/presentationml/2006/ole">
             <mc:AlternateContent xmlns:mc="http://schemas.openxmlformats.org/markup-compatibility/2006">
               <mc:Choice xmlns:v="urn:schemas-microsoft-com:vml" Requires="v">
-                <p:oleObj spid="_x0000_s1193" name="Equation" r:id="rId7" imgW="1269720" imgH="711000" progId="Equation.DSMT4">
+                <p:oleObj name="Equation" r:id="rId6" imgW="1269720" imgH="711000" progId="Equation.DSMT4">
                   <p:embed/>
                 </p:oleObj>
               </mc:Choice>
               <mc:Fallback>
-                <p:oleObj name="Equation" r:id="rId7" imgW="1269720" imgH="711000" progId="Equation.DSMT4">
+                <p:oleObj name="Equation" r:id="rId6" imgW="1269720" imgH="711000" progId="Equation.DSMT4">
                   <p:embed/>
                   <p:pic>
                     <p:nvPicPr>
@@ -9985,7 +9409,7 @@
                       <p:nvPr/>
                     </p:nvPicPr>
                     <p:blipFill>
-                      <a:blip r:embed="rId8"/>
+                      <a:blip r:embed="rId7"/>
                       <a:stretch>
                         <a:fillRect/>
                       </a:stretch>
@@ -10029,12 +9453,12 @@
           <a:lstStyle/>
           <a:p>
             <a:r>
-              <a:rPr lang="en-US" sz="2400" dirty="0" smtClean="0"/>
+              <a:rPr lang="en-US" sz="2400" dirty="0"/>
               <a:t>Properties: </a:t>
             </a:r>
           </a:p>
           <a:p>
-            <a:endParaRPr lang="en-US" sz="2400" dirty="0" smtClean="0"/>
+            <a:endParaRPr lang="en-US" sz="2400" dirty="0"/>
           </a:p>
           <a:p>
             <a:r>
@@ -10052,18 +9476,18 @@
           </a:p>
           <a:p>
             <a:r>
-              <a:rPr lang="en-US" sz="2400" b="1" dirty="0" smtClean="0">
+              <a:rPr lang="en-US" sz="2400" b="1" dirty="0">
                 <a:latin typeface="Times New Roman" panose="02020603050405020304" pitchFamily="18" charset="0"/>
                 <a:cs typeface="Times New Roman" panose="02020603050405020304" pitchFamily="18" charset="0"/>
               </a:rPr>
               <a:t>U</a:t>
             </a:r>
             <a:r>
-              <a:rPr lang="en-US" sz="2400" dirty="0" smtClean="0"/>
+              <a:rPr lang="en-US" sz="2400" dirty="0"/>
               <a:t>,</a:t>
             </a:r>
             <a:r>
-              <a:rPr lang="en-US" sz="2400" b="1" dirty="0" smtClean="0">
+              <a:rPr lang="en-US" sz="2400" b="1" dirty="0">
                 <a:latin typeface="Times New Roman" panose="02020603050405020304" pitchFamily="18" charset="0"/>
                 <a:cs typeface="Times New Roman" panose="02020603050405020304" pitchFamily="18" charset="0"/>
               </a:rPr>
@@ -10071,11 +9495,7 @@
             </a:r>
             <a:r>
               <a:rPr lang="en-US" sz="2400" dirty="0"/>
-              <a:t>orthogonal</a:t>
-            </a:r>
-            <a:r>
-              <a:rPr lang="en-US" sz="2400" dirty="0" smtClean="0"/>
-              <a:t>(unitary)</a:t>
+              <a:t>orthogonal(unitary)</a:t>
             </a:r>
           </a:p>
         </p:txBody>
@@ -10102,12 +9522,12 @@
           <a:graphicData uri="http://schemas.openxmlformats.org/presentationml/2006/ole">
             <mc:AlternateContent xmlns:mc="http://schemas.openxmlformats.org/markup-compatibility/2006">
               <mc:Choice xmlns:v="urn:schemas-microsoft-com:vml" Requires="v">
-                <p:oleObj spid="_x0000_s1194" name="Equation" r:id="rId9" imgW="2438280" imgH="228600" progId="Equation.DSMT4">
+                <p:oleObj name="Equation" r:id="rId8" imgW="2438280" imgH="228600" progId="Equation.DSMT4">
                   <p:embed/>
                 </p:oleObj>
               </mc:Choice>
               <mc:Fallback>
-                <p:oleObj name="Equation" r:id="rId9" imgW="2438280" imgH="228600" progId="Equation.DSMT4">
+                <p:oleObj name="Equation" r:id="rId8" imgW="2438280" imgH="228600" progId="Equation.DSMT4">
                   <p:embed/>
                   <p:pic>
                     <p:nvPicPr>
@@ -10116,7 +9536,7 @@
                       <p:nvPr/>
                     </p:nvPicPr>
                     <p:blipFill>
-                      <a:blip r:embed="rId10"/>
+                      <a:blip r:embed="rId9"/>
                       <a:stretch>
                         <a:fillRect/>
                       </a:stretch>
@@ -10159,12 +9579,12 @@
           <a:graphicData uri="http://schemas.openxmlformats.org/presentationml/2006/ole">
             <mc:AlternateContent xmlns:mc="http://schemas.openxmlformats.org/markup-compatibility/2006">
               <mc:Choice xmlns:v="urn:schemas-microsoft-com:vml" Requires="v">
-                <p:oleObj spid="_x0000_s1195" name="Equation" r:id="rId11" imgW="3340080" imgH="228600" progId="Equation.DSMT4">
+                <p:oleObj name="Equation" r:id="rId10" imgW="3340080" imgH="228600" progId="Equation.DSMT4">
                   <p:embed/>
                 </p:oleObj>
               </mc:Choice>
               <mc:Fallback>
-                <p:oleObj name="Equation" r:id="rId11" imgW="3340080" imgH="228600" progId="Equation.DSMT4">
+                <p:oleObj name="Equation" r:id="rId10" imgW="3340080" imgH="228600" progId="Equation.DSMT4">
                   <p:embed/>
                   <p:pic>
                     <p:nvPicPr>
@@ -10173,7 +9593,7 @@
                       <p:nvPr/>
                     </p:nvPicPr>
                     <p:blipFill>
-                      <a:blip r:embed="rId12"/>
+                      <a:blip r:embed="rId11"/>
                       <a:stretch>
                         <a:fillRect/>
                       </a:stretch>
@@ -10204,13 +9624,6 @@
   <p:clrMapOvr>
     <a:masterClrMapping/>
   </p:clrMapOvr>
-  <p:timing>
-    <p:tnLst>
-      <p:par>
-        <p:cTn id="1" dur="indefinite" restart="never" nodeType="tmRoot"/>
-      </p:par>
-    </p:tnLst>
-  </p:timing>
 </p:sld>
 </file>
 
@@ -10254,7 +9667,7 @@
           <a:lstStyle/>
           <a:p>
             <a:r>
-              <a:rPr lang="en-IE" sz="3200" i="1" dirty="0" smtClean="0">
+              <a:rPr lang="en-IE" sz="3200" i="1" dirty="0">
                 <a:effectLst>
                   <a:outerShdw blurRad="38100" dist="38100" dir="2700000" algn="tl">
                     <a:srgbClr val="000000">
@@ -10265,15 +9678,6 @@
               </a:rPr>
               <a:t>Singular value decomposition – Applications</a:t>
             </a:r>
-            <a:endParaRPr lang="en-IE" sz="3200" i="1" dirty="0">
-              <a:effectLst>
-                <a:outerShdw blurRad="38100" dist="38100" dir="2700000" algn="tl">
-                  <a:srgbClr val="000000">
-                    <a:alpha val="43137"/>
-                  </a:srgbClr>
-                </a:outerShdw>
-              </a:effectLst>
-            </a:endParaRPr>
           </a:p>
         </p:txBody>
       </p:sp>
@@ -10300,7 +9704,7 @@
           <a:lstStyle/>
           <a:p>
             <a:r>
-              <a:rPr lang="en-US" sz="2800" b="1" dirty="0" smtClean="0"/>
+              <a:rPr lang="en-US" sz="2800" b="1" dirty="0"/>
               <a:t>General: Low –rank approximation </a:t>
             </a:r>
           </a:p>
@@ -10310,7 +9714,7 @@
               <a:buChar char="Ø"/>
             </a:pPr>
             <a:r>
-              <a:rPr lang="en-US" sz="2800" dirty="0" smtClean="0"/>
+              <a:rPr lang="en-US" sz="2800" dirty="0"/>
               <a:t>Truncated or damped SVD inversion</a:t>
             </a:r>
           </a:p>
@@ -10320,7 +9724,7 @@
               <a:buChar char="Ø"/>
             </a:pPr>
             <a:r>
-              <a:rPr lang="en-US" sz="2800" dirty="0" smtClean="0"/>
+              <a:rPr lang="en-US" sz="2800" dirty="0"/>
               <a:t>Principal Component Analysis (PCA/ICA)</a:t>
             </a:r>
           </a:p>
@@ -10330,15 +9734,15 @@
               <a:buChar char="Ø"/>
             </a:pPr>
             <a:r>
-              <a:rPr lang="en-US" sz="2800" dirty="0" smtClean="0"/>
+              <a:rPr lang="en-US" sz="2800" dirty="0"/>
               <a:t>Noise-Estimation / reduction (see Poster </a:t>
             </a:r>
             <a:r>
-              <a:rPr lang="en-US" sz="2800" dirty="0" err="1" smtClean="0"/>
+              <a:rPr lang="en-US" sz="2800" dirty="0" err="1"/>
               <a:t>Kiyan</a:t>
             </a:r>
             <a:r>
-              <a:rPr lang="en-US" sz="2800" dirty="0" smtClean="0"/>
+              <a:rPr lang="en-US" sz="2800" dirty="0"/>
               <a:t> et al.) </a:t>
             </a:r>
           </a:p>
@@ -10348,15 +9752,15 @@
               <a:buChar char="Ø"/>
             </a:pPr>
             <a:r>
-              <a:rPr lang="en-US" sz="2800" dirty="0" smtClean="0"/>
+              <a:rPr lang="en-US" sz="2800" dirty="0"/>
               <a:t>Model order reduction (MOR), e.g. </a:t>
             </a:r>
             <a:r>
-              <a:rPr lang="en-US" sz="2800" dirty="0" err="1" smtClean="0"/>
+              <a:rPr lang="en-US" sz="2800" dirty="0" err="1"/>
               <a:t>Karhunen-Loeve</a:t>
             </a:r>
             <a:r>
-              <a:rPr lang="en-US" sz="2800" dirty="0" smtClean="0"/>
+              <a:rPr lang="en-US" sz="2800" dirty="0"/>
               <a:t> Expansion (KLE) </a:t>
             </a:r>
           </a:p>
@@ -10366,10 +9770,9 @@
               <a:buChar char="Ø"/>
             </a:pPr>
             <a:r>
-              <a:rPr lang="en-US" sz="2800" dirty="0" smtClean="0"/>
+              <a:rPr lang="en-US" sz="2800" dirty="0"/>
               <a:t>Uncertainty/resolution estimation</a:t>
             </a:r>
-            <a:endParaRPr lang="en-US" sz="2800" dirty="0"/>
           </a:p>
           <a:p>
             <a:pPr marL="342900" indent="-342900">
@@ -10377,7 +9780,7 @@
               <a:buChar char="Ø"/>
             </a:pPr>
             <a:r>
-              <a:rPr lang="en-US" sz="2800" dirty="0" smtClean="0"/>
+              <a:rPr lang="en-US" sz="2800" dirty="0"/>
               <a:t>Model-based Experimental design (OED)</a:t>
             </a:r>
           </a:p>
@@ -10393,13 +9796,6 @@
   <p:clrMapOvr>
     <a:masterClrMapping/>
   </p:clrMapOvr>
-  <p:timing>
-    <p:tnLst>
-      <p:par>
-        <p:cTn id="1" dur="indefinite" restart="never" nodeType="tmRoot"/>
-      </p:par>
-    </p:tnLst>
-  </p:timing>
 </p:sld>
 </file>
 
@@ -10443,7 +9839,7 @@
           <a:lstStyle/>
           <a:p>
             <a:r>
-              <a:rPr lang="en-IE" sz="3200" i="1" dirty="0" smtClean="0">
+              <a:rPr lang="en-IE" sz="3200" i="1" dirty="0">
                 <a:effectLst>
                   <a:outerShdw blurRad="38100" dist="38100" dir="2700000" algn="tl">
                     <a:srgbClr val="000000">
@@ -10455,7 +9851,7 @@
               <a:t>Singular value decomposition - </a:t>
             </a:r>
             <a:r>
-              <a:rPr lang="en-IE" sz="3200" i="1" dirty="0" err="1" smtClean="0">
+              <a:rPr lang="en-IE" sz="3200" i="1" dirty="0" err="1">
                 <a:effectLst>
                   <a:outerShdw blurRad="38100" dist="38100" dir="2700000" algn="tl">
                     <a:srgbClr val="000000">
@@ -10505,60 +9901,44 @@
               <a:buAutoNum type="romanUcPeriod"/>
             </a:pPr>
             <a:r>
-              <a:rPr lang="en-US" dirty="0" smtClean="0"/>
+              <a:rPr lang="en-US" dirty="0"/>
               <a:t>Traditional (e.g., LINPACK, LAPACK and </a:t>
             </a:r>
             <a:r>
-              <a:rPr lang="en-US" dirty="0" err="1" smtClean="0"/>
+              <a:rPr lang="en-US" dirty="0" err="1"/>
               <a:t>derivates</a:t>
             </a:r>
             <a:r>
-              <a:rPr lang="en-US" dirty="0" smtClean="0"/>
+              <a:rPr lang="en-US" dirty="0"/>
               <a:t>)</a:t>
             </a:r>
-            <a:r>
-              <a:rPr lang="en-GB" dirty="0" smtClean="0"/>
-              <a:t/>
-            </a:r>
             <a:br>
-              <a:rPr lang="en-GB" dirty="0" smtClean="0"/>
+              <a:rPr lang="en-GB" dirty="0"/>
             </a:br>
             <a:r>
-              <a:rPr lang="en-GB" dirty="0" smtClean="0"/>
+              <a:rPr lang="en-GB" dirty="0"/>
               <a:t>all  k = min(</a:t>
             </a:r>
             <a:r>
-              <a:rPr lang="en-GB" dirty="0" err="1" smtClean="0"/>
+              <a:rPr lang="en-GB" dirty="0" err="1"/>
               <a:t>m,n</a:t>
             </a:r>
             <a:r>
-              <a:rPr lang="en-GB" dirty="0" smtClean="0"/>
-              <a:t>) , </a:t>
-            </a:r>
-            <a:r>
               <a:rPr lang="en-GB" dirty="0"/>
-              <a:t>but  </a:t>
-            </a:r>
-            <a:r>
-              <a:rPr lang="en-GB" dirty="0" smtClean="0"/>
-              <a:t>computational </a:t>
+              <a:t>) , but  computational complexity   </a:t>
+            </a:r>
+            <a:r>
+              <a:rPr lang="en-GB" dirty="0">
+                <a:sym typeface="Symbol"/>
+              </a:rPr>
+              <a:t></a:t>
             </a:r>
             <a:r>
               <a:rPr lang="en-GB" dirty="0"/>
-              <a:t>complexity   </a:t>
-            </a:r>
-            <a:r>
-              <a:rPr lang="en-GB" dirty="0" smtClean="0">
-                <a:sym typeface="Symbol"/>
-              </a:rPr>
-              <a:t></a:t>
-            </a:r>
-            <a:r>
-              <a:rPr lang="en-GB" dirty="0" smtClean="0"/>
               <a:t>min{mn</a:t>
             </a:r>
             <a:r>
-              <a:rPr lang="en-GB" baseline="30000" dirty="0" smtClean="0"/>
+              <a:rPr lang="en-GB" baseline="30000" dirty="0"/>
               <a:t>2</a:t>
             </a:r>
             <a:r>
@@ -10571,11 +9951,7 @@
             </a:r>
             <a:r>
               <a:rPr lang="en-GB" dirty="0"/>
-              <a:t>n</a:t>
-            </a:r>
-            <a:r>
-              <a:rPr lang="en-GB" dirty="0" smtClean="0"/>
-              <a:t>}</a:t>
+              <a:t>n}</a:t>
             </a:r>
           </a:p>
           <a:p>
@@ -10584,47 +9960,47 @@
               <a:buAutoNum type="romanUcPeriod"/>
             </a:pPr>
             <a:r>
-              <a:rPr lang="en-GB" dirty="0" smtClean="0"/>
+              <a:rPr lang="en-GB" dirty="0"/>
               <a:t>Iterative methods (e.g., EISPACK, ARPACK , PROPACK)</a:t>
             </a:r>
           </a:p>
           <a:p>
             <a:pPr lvl="1"/>
             <a:r>
-              <a:rPr lang="en-GB" dirty="0" smtClean="0"/>
+              <a:rPr lang="en-GB" dirty="0"/>
               <a:t>only  k largest values are needed (TSVD)</a:t>
             </a:r>
           </a:p>
           <a:p>
             <a:pPr lvl="1"/>
             <a:r>
-              <a:rPr lang="en-GB" dirty="0" smtClean="0"/>
+              <a:rPr lang="en-GB" dirty="0"/>
               <a:t>SVD of </a:t>
             </a:r>
             <a:r>
-              <a:rPr lang="en-GB" b="1" dirty="0" smtClean="0">
+              <a:rPr lang="en-GB" b="1" dirty="0">
                 <a:latin typeface="Times New Roman" panose="02020603050405020304" pitchFamily="18" charset="0"/>
                 <a:cs typeface="Times New Roman" panose="02020603050405020304" pitchFamily="18" charset="0"/>
               </a:rPr>
               <a:t>A</a:t>
             </a:r>
             <a:r>
-              <a:rPr lang="en-GB" dirty="0" smtClean="0"/>
+              <a:rPr lang="en-GB" dirty="0"/>
               <a:t> can be calculated by any method for </a:t>
             </a:r>
             <a:r>
-              <a:rPr lang="en-GB" dirty="0" err="1" smtClean="0"/>
+              <a:rPr lang="en-GB" dirty="0" err="1"/>
               <a:t>eigendecomposition</a:t>
             </a:r>
             <a:r>
-              <a:rPr lang="en-GB" dirty="0" smtClean="0"/>
+              <a:rPr lang="en-GB" dirty="0"/>
               <a:t> of:</a:t>
             </a:r>
             <a:br>
-              <a:rPr lang="en-GB" dirty="0" smtClean="0"/>
+              <a:rPr lang="en-GB" dirty="0"/>
             </a:br>
             <a:r>
-              <a:rPr lang="en-GB" dirty="0" smtClean="0"/>
+              <a:rPr lang="en-GB" dirty="0"/>
               <a:t>well adapted for sparse matrices</a:t>
             </a:r>
           </a:p>
@@ -10634,34 +10010,34 @@
               <a:buAutoNum type="romanUcPeriod"/>
             </a:pPr>
             <a:r>
-              <a:rPr lang="en-GB" dirty="0" smtClean="0"/>
+              <a:rPr lang="en-GB" dirty="0"/>
               <a:t>Randomized SVD.  Only k largest values  </a:t>
             </a:r>
             <a:br>
-              <a:rPr lang="en-GB" dirty="0" smtClean="0"/>
+              <a:rPr lang="en-GB" dirty="0"/>
             </a:br>
             <a:r>
-              <a:rPr lang="en-GB" dirty="0" smtClean="0"/>
+              <a:rPr lang="en-GB" dirty="0"/>
               <a:t>Implemented in several machine learning libraries, e.g. </a:t>
             </a:r>
             <a:r>
-              <a:rPr lang="en-GB" dirty="0" err="1" smtClean="0"/>
+              <a:rPr lang="en-GB" dirty="0" err="1"/>
               <a:t>scikits.learn</a:t>
             </a:r>
             <a:r>
-              <a:rPr lang="en-GB" dirty="0" smtClean="0"/>
+              <a:rPr lang="en-GB" dirty="0"/>
               <a:t> (Python, R) </a:t>
             </a:r>
             <a:br>
-              <a:rPr lang="en-GB" dirty="0" smtClean="0"/>
+              <a:rPr lang="en-GB" dirty="0"/>
             </a:br>
             <a:r>
-              <a:rPr lang="en-GB" dirty="0" smtClean="0"/>
+              <a:rPr lang="en-GB" dirty="0"/>
               <a:t>Very active area of research (”Big Data”) </a:t>
             </a:r>
           </a:p>
           <a:p>
-            <a:endParaRPr lang="en-US" dirty="0" smtClean="0"/>
+            <a:endParaRPr lang="en-US" dirty="0"/>
           </a:p>
           <a:p>
             <a:endParaRPr lang="en-US" dirty="0"/>
@@ -10672,14 +10048,14 @@
               <a:buChar char="Ø"/>
             </a:pPr>
             <a:r>
-              <a:rPr lang="en-US" sz="2000" dirty="0" smtClean="0"/>
+              <a:rPr lang="en-US" sz="2000" dirty="0"/>
               <a:t>First numerical  experiments with simple implementation give speedups of </a:t>
             </a:r>
             <a:br>
-              <a:rPr lang="en-US" sz="2000" dirty="0" smtClean="0"/>
+              <a:rPr lang="en-US" sz="2000" dirty="0"/>
             </a:br>
             <a:r>
-              <a:rPr lang="en-US" sz="2000" dirty="0" smtClean="0"/>
+              <a:rPr lang="en-US" sz="2000" dirty="0"/>
               <a:t>more than 2 orders of magnitude for “large” models</a:t>
             </a:r>
           </a:p>
@@ -10689,10 +10065,10 @@
               <a:buChar char="Ø"/>
             </a:pPr>
             <a:r>
-              <a:rPr lang="en-US" sz="2000" dirty="0" smtClean="0"/>
+              <a:rPr lang="en-US" sz="2000" dirty="0"/>
               <a:t>Parallelism needs to be further investigated  </a:t>
             </a:r>
-            <a:endParaRPr lang="en-GB" sz="2000" dirty="0" smtClean="0"/>
+            <a:endParaRPr lang="en-GB" sz="2000" dirty="0"/>
           </a:p>
         </p:txBody>
       </p:sp>
@@ -10718,12 +10094,12 @@
           <a:graphicData uri="http://schemas.openxmlformats.org/presentationml/2006/ole">
             <mc:AlternateContent xmlns:mc="http://schemas.openxmlformats.org/markup-compatibility/2006">
               <mc:Choice xmlns:v="urn:schemas-microsoft-com:vml" Requires="v">
-                <p:oleObj spid="_x0000_s2082" name="Equation" r:id="rId3" imgW="901440" imgH="457200" progId="Equation.DSMT4">
+                <p:oleObj name="Equation" r:id="rId2" imgW="901440" imgH="457200" progId="Equation.DSMT4">
                   <p:embed/>
                 </p:oleObj>
               </mc:Choice>
               <mc:Fallback>
-                <p:oleObj name="Equation" r:id="rId3" imgW="901440" imgH="457200" progId="Equation.DSMT4">
+                <p:oleObj name="Equation" r:id="rId2" imgW="901440" imgH="457200" progId="Equation.DSMT4">
                   <p:embed/>
                   <p:pic>
                     <p:nvPicPr>
@@ -10732,7 +10108,7 @@
                       <p:nvPr/>
                     </p:nvPicPr>
                     <p:blipFill>
-                      <a:blip r:embed="rId4"/>
+                      <a:blip r:embed="rId3"/>
                       <a:stretch>
                         <a:fillRect/>
                       </a:stretch>
@@ -10763,13 +10139,6 @@
   <p:clrMapOvr>
     <a:masterClrMapping/>
   </p:clrMapOvr>
-  <p:timing>
-    <p:tnLst>
-      <p:par>
-        <p:cTn id="1" dur="indefinite" restart="never" nodeType="tmRoot"/>
-      </p:par>
-    </p:tnLst>
-  </p:timing>
 </p:sld>
 </file>
 
@@ -10811,12 +10180,8 @@
           </a:bodyPr>
           <a:lstStyle/>
           <a:p>
-            <a:r>
-              <a:rPr lang="en-IE" sz="2400" dirty="0" smtClean="0"/>
-              <a:t/>
-            </a:r>
             <a:br>
-              <a:rPr lang="en-IE" sz="2400" dirty="0" smtClean="0"/>
+              <a:rPr lang="en-IE" sz="2400" dirty="0"/>
             </a:br>
             <a:endParaRPr lang="en-IE" sz="2400" dirty="0"/>
           </a:p>
@@ -10845,7 +10210,7 @@
           <a:lstStyle/>
           <a:p>
             <a:r>
-              <a:rPr lang="en-IE" sz="3200" i="1" dirty="0" smtClean="0">
+              <a:rPr lang="en-IE" sz="3200" i="1" dirty="0">
                 <a:effectLst>
                   <a:outerShdw blurRad="38100" dist="38100" dir="2700000" algn="tl">
                     <a:srgbClr val="000000">
@@ -10856,15 +10221,6 @@
               </a:rPr>
               <a:t>Singular value decomposition - randomized</a:t>
             </a:r>
-            <a:endParaRPr lang="en-IE" sz="3200" i="1" dirty="0">
-              <a:effectLst>
-                <a:outerShdw blurRad="38100" dist="38100" dir="2700000" algn="tl">
-                  <a:srgbClr val="000000">
-                    <a:alpha val="43137"/>
-                  </a:srgbClr>
-                </a:outerShdw>
-              </a:effectLst>
-            </a:endParaRPr>
           </a:p>
         </p:txBody>
       </p:sp>
@@ -10891,36 +10247,29 @@
           <a:lstStyle/>
           <a:p>
             <a:r>
-              <a:rPr lang="en-GB" sz="1900" dirty="0" smtClean="0">
-                <a:latin typeface="Courier New" panose="02070309020205020404" pitchFamily="49" charset="0"/>
-                <a:cs typeface="Courier New" panose="02070309020205020404" pitchFamily="49" charset="0"/>
-              </a:rPr>
-              <a:t>[M,N] = size(A); </a:t>
-            </a:r>
-          </a:p>
-          <a:p>
-            <a:r>
-              <a:rPr lang="en-GB" sz="1900" dirty="0" smtClean="0">
-                <a:latin typeface="Courier New" panose="02070309020205020404" pitchFamily="49" charset="0"/>
-                <a:cs typeface="Courier New" panose="02070309020205020404" pitchFamily="49" charset="0"/>
-              </a:rPr>
-              <a:t>P = min(2*K,N);</a:t>
-            </a:r>
-          </a:p>
-          <a:p>
-            <a:r>
-              <a:rPr lang="en-GB" sz="1900" dirty="0" smtClean="0">
-                <a:latin typeface="Courier New" panose="02070309020205020404" pitchFamily="49" charset="0"/>
-                <a:cs typeface="Courier New" panose="02070309020205020404" pitchFamily="49" charset="0"/>
-              </a:rPr>
-              <a:t>X </a:t>
-            </a:r>
-            <a:r>
               <a:rPr lang="en-GB" sz="1900" dirty="0">
                 <a:latin typeface="Courier New" panose="02070309020205020404" pitchFamily="49" charset="0"/>
                 <a:cs typeface="Courier New" panose="02070309020205020404" pitchFamily="49" charset="0"/>
               </a:rPr>
-              <a:t>= </a:t>
+              <a:t>[M,N] = size(A); </a:t>
+            </a:r>
+          </a:p>
+          <a:p>
+            <a:r>
+              <a:rPr lang="en-GB" sz="1900" dirty="0">
+                <a:latin typeface="Courier New" panose="02070309020205020404" pitchFamily="49" charset="0"/>
+                <a:cs typeface="Courier New" panose="02070309020205020404" pitchFamily="49" charset="0"/>
+              </a:rPr>
+              <a:t>P = min(2*K,N);</a:t>
+            </a:r>
+          </a:p>
+          <a:p>
+            <a:r>
+              <a:rPr lang="en-GB" sz="1900" dirty="0">
+                <a:latin typeface="Courier New" panose="02070309020205020404" pitchFamily="49" charset="0"/>
+                <a:cs typeface="Courier New" panose="02070309020205020404" pitchFamily="49" charset="0"/>
+              </a:rPr>
+              <a:t>X = </a:t>
             </a:r>
             <a:r>
               <a:rPr lang="en-GB" dirty="0" err="1">
@@ -10937,47 +10286,83 @@
               <a:t>(N,P</a:t>
             </a:r>
             <a:r>
-              <a:rPr lang="en-GB" sz="1900" dirty="0" smtClean="0">
-                <a:latin typeface="Courier New" panose="02070309020205020404" pitchFamily="49" charset="0"/>
-                <a:cs typeface="Courier New" panose="02070309020205020404" pitchFamily="49" charset="0"/>
-              </a:rPr>
-              <a:t>);W1 </a:t>
-            </a:r>
-            <a:r>
               <a:rPr lang="en-GB" sz="1900" dirty="0">
                 <a:latin typeface="Courier New" panose="02070309020205020404" pitchFamily="49" charset="0"/>
                 <a:cs typeface="Courier New" panose="02070309020205020404" pitchFamily="49" charset="0"/>
               </a:rPr>
-              <a:t>= </a:t>
-            </a:r>
-            <a:r>
-              <a:rPr lang="en-GB" sz="1900" dirty="0" err="1" smtClean="0">
+              <a:t>);W1 = </a:t>
+            </a:r>
+            <a:r>
+              <a:rPr lang="en-GB" sz="1900" dirty="0" err="1">
                 <a:latin typeface="Courier New" panose="02070309020205020404" pitchFamily="49" charset="0"/>
                 <a:cs typeface="Courier New" panose="02070309020205020404" pitchFamily="49" charset="0"/>
               </a:rPr>
               <a:t>orth</a:t>
-            </a:r>
-            <a:r>
-              <a:rPr lang="en-GB" sz="1900" dirty="0" smtClean="0">
-                <a:latin typeface="Courier New" panose="02070309020205020404" pitchFamily="49" charset="0"/>
-                <a:cs typeface="Courier New" panose="02070309020205020404" pitchFamily="49" charset="0"/>
-              </a:rPr>
-              <a:t>(</a:t>
             </a:r>
             <a:r>
               <a:rPr lang="en-GB" sz="1900" dirty="0">
                 <a:latin typeface="Courier New" panose="02070309020205020404" pitchFamily="49" charset="0"/>
                 <a:cs typeface="Courier New" panose="02070309020205020404" pitchFamily="49" charset="0"/>
               </a:rPr>
-              <a:t>A*X</a:t>
-            </a:r>
-            <a:r>
-              <a:rPr lang="en-GB" sz="1900" dirty="0" smtClean="0">
+              <a:t>(A*X);</a:t>
+            </a:r>
+          </a:p>
+          <a:p>
+            <a:r>
+              <a:rPr lang="en-GB" sz="1900" dirty="0">
                 <a:latin typeface="Courier New" panose="02070309020205020404" pitchFamily="49" charset="0"/>
                 <a:cs typeface="Courier New" panose="02070309020205020404" pitchFamily="49" charset="0"/>
               </a:rPr>
-              <a:t>);</a:t>
-            </a:r>
+              <a:t>B = W1'*A;</a:t>
+            </a:r>
+          </a:p>
+          <a:p>
+            <a:r>
+              <a:rPr lang="en-GB" sz="1900" dirty="0">
+                <a:latin typeface="Courier New" panose="02070309020205020404" pitchFamily="49" charset="0"/>
+                <a:cs typeface="Courier New" panose="02070309020205020404" pitchFamily="49" charset="0"/>
+              </a:rPr>
+              <a:t>[W2,S,V] = </a:t>
+            </a:r>
+            <a:r>
+              <a:rPr lang="en-GB" sz="1900" dirty="0" err="1">
+                <a:latin typeface="Courier New" panose="02070309020205020404" pitchFamily="49" charset="0"/>
+                <a:cs typeface="Courier New" panose="02070309020205020404" pitchFamily="49" charset="0"/>
+              </a:rPr>
+              <a:t>svd</a:t>
+            </a:r>
+            <a:r>
+              <a:rPr lang="en-GB" sz="1900" dirty="0">
+                <a:latin typeface="Courier New" panose="02070309020205020404" pitchFamily="49" charset="0"/>
+                <a:cs typeface="Courier New" panose="02070309020205020404" pitchFamily="49" charset="0"/>
+              </a:rPr>
+              <a:t>(</a:t>
+            </a:r>
+            <a:r>
+              <a:rPr lang="en-GB" sz="1900" dirty="0" err="1">
+                <a:latin typeface="Courier New" panose="02070309020205020404" pitchFamily="49" charset="0"/>
+                <a:cs typeface="Courier New" panose="02070309020205020404" pitchFamily="49" charset="0"/>
+              </a:rPr>
+              <a:t>B,'econ</a:t>
+            </a:r>
+            <a:r>
+              <a:rPr lang="en-GB" sz="1900" dirty="0">
+                <a:latin typeface="Courier New" panose="02070309020205020404" pitchFamily="49" charset="0"/>
+                <a:cs typeface="Courier New" panose="02070309020205020404" pitchFamily="49" charset="0"/>
+              </a:rPr>
+              <a:t>');</a:t>
+            </a:r>
+          </a:p>
+          <a:p>
+            <a:r>
+              <a:rPr lang="en-GB" sz="1900" dirty="0">
+                <a:latin typeface="Courier New" panose="02070309020205020404" pitchFamily="49" charset="0"/>
+                <a:cs typeface="Courier New" panose="02070309020205020404" pitchFamily="49" charset="0"/>
+              </a:rPr>
+              <a:t>U = W1*W2;</a:t>
+            </a:r>
+          </a:p>
+          <a:p>
             <a:endParaRPr lang="en-GB" sz="1900" dirty="0">
               <a:latin typeface="Courier New" panose="02070309020205020404" pitchFamily="49" charset="0"/>
               <a:cs typeface="Courier New" panose="02070309020205020404" pitchFamily="49" charset="0"/>
@@ -10989,51 +10374,39 @@
                 <a:latin typeface="Courier New" panose="02070309020205020404" pitchFamily="49" charset="0"/>
                 <a:cs typeface="Courier New" panose="02070309020205020404" pitchFamily="49" charset="0"/>
               </a:rPr>
-              <a:t>B = W1'*A;</a:t>
-            </a:r>
-          </a:p>
-          <a:p>
-            <a:r>
-              <a:rPr lang="en-GB" sz="1900" dirty="0" smtClean="0">
+              <a:t>K=min(</a:t>
+            </a:r>
+            <a:r>
+              <a:rPr lang="en-GB" sz="1900" dirty="0" err="1">
                 <a:latin typeface="Courier New" panose="02070309020205020404" pitchFamily="49" charset="0"/>
                 <a:cs typeface="Courier New" panose="02070309020205020404" pitchFamily="49" charset="0"/>
               </a:rPr>
-              <a:t>[</a:t>
+              <a:t>K,size</a:t>
             </a:r>
             <a:r>
               <a:rPr lang="en-GB" sz="1900" dirty="0">
                 <a:latin typeface="Courier New" panose="02070309020205020404" pitchFamily="49" charset="0"/>
                 <a:cs typeface="Courier New" panose="02070309020205020404" pitchFamily="49" charset="0"/>
               </a:rPr>
-              <a:t>W2,S,V] = </a:t>
-            </a:r>
-            <a:r>
-              <a:rPr lang="en-GB" sz="1900" dirty="0" err="1">
-                <a:latin typeface="Courier New" panose="02070309020205020404" pitchFamily="49" charset="0"/>
-                <a:cs typeface="Courier New" panose="02070309020205020404" pitchFamily="49" charset="0"/>
-              </a:rPr>
-              <a:t>svd</a:t>
-            </a:r>
+              <a:t>(U,2));</a:t>
+            </a:r>
+          </a:p>
+          <a:p>
             <a:r>
               <a:rPr lang="en-GB" sz="1900" dirty="0">
                 <a:latin typeface="Courier New" panose="02070309020205020404" pitchFamily="49" charset="0"/>
                 <a:cs typeface="Courier New" panose="02070309020205020404" pitchFamily="49" charset="0"/>
               </a:rPr>
-              <a:t>(</a:t>
-            </a:r>
-            <a:r>
-              <a:rPr lang="en-GB" sz="1900" dirty="0" err="1">
-                <a:latin typeface="Courier New" panose="02070309020205020404" pitchFamily="49" charset="0"/>
-                <a:cs typeface="Courier New" panose="02070309020205020404" pitchFamily="49" charset="0"/>
-              </a:rPr>
-              <a:t>B,'econ</a:t>
-            </a:r>
+              <a:t>U = U(:,1:K);</a:t>
+            </a:r>
+          </a:p>
+          <a:p>
             <a:r>
               <a:rPr lang="en-GB" sz="1900" dirty="0">
                 <a:latin typeface="Courier New" panose="02070309020205020404" pitchFamily="49" charset="0"/>
                 <a:cs typeface="Courier New" panose="02070309020205020404" pitchFamily="49" charset="0"/>
               </a:rPr>
-              <a:t>');</a:t>
+              <a:t>S = S(1:K,1:K);</a:t>
             </a:r>
           </a:p>
           <a:p>
@@ -11042,77 +10415,7 @@
                 <a:latin typeface="Courier New" panose="02070309020205020404" pitchFamily="49" charset="0"/>
                 <a:cs typeface="Courier New" panose="02070309020205020404" pitchFamily="49" charset="0"/>
               </a:rPr>
-              <a:t>U = W1*W2</a:t>
-            </a:r>
-            <a:r>
-              <a:rPr lang="en-GB" sz="1900" dirty="0" smtClean="0">
-                <a:latin typeface="Courier New" panose="02070309020205020404" pitchFamily="49" charset="0"/>
-                <a:cs typeface="Courier New" panose="02070309020205020404" pitchFamily="49" charset="0"/>
-              </a:rPr>
-              <a:t>;</a:t>
-            </a:r>
-          </a:p>
-          <a:p>
-            <a:endParaRPr lang="en-GB" sz="1900" dirty="0">
-              <a:latin typeface="Courier New" panose="02070309020205020404" pitchFamily="49" charset="0"/>
-              <a:cs typeface="Courier New" panose="02070309020205020404" pitchFamily="49" charset="0"/>
-            </a:endParaRPr>
-          </a:p>
-          <a:p>
-            <a:r>
-              <a:rPr lang="en-GB" sz="1900" dirty="0">
-                <a:latin typeface="Courier New" panose="02070309020205020404" pitchFamily="49" charset="0"/>
-                <a:cs typeface="Courier New" panose="02070309020205020404" pitchFamily="49" charset="0"/>
-              </a:rPr>
-              <a:t>K=min(</a:t>
-            </a:r>
-            <a:r>
-              <a:rPr lang="en-GB" sz="1900" dirty="0" err="1">
-                <a:latin typeface="Courier New" panose="02070309020205020404" pitchFamily="49" charset="0"/>
-                <a:cs typeface="Courier New" panose="02070309020205020404" pitchFamily="49" charset="0"/>
-              </a:rPr>
-              <a:t>K,size</a:t>
-            </a:r>
-            <a:r>
-              <a:rPr lang="en-GB" sz="1900" dirty="0">
-                <a:latin typeface="Courier New" panose="02070309020205020404" pitchFamily="49" charset="0"/>
-                <a:cs typeface="Courier New" panose="02070309020205020404" pitchFamily="49" charset="0"/>
-              </a:rPr>
-              <a:t>(U,2));</a:t>
-            </a:r>
-          </a:p>
-          <a:p>
-            <a:r>
-              <a:rPr lang="en-GB" sz="1900" dirty="0">
-                <a:latin typeface="Courier New" panose="02070309020205020404" pitchFamily="49" charset="0"/>
-                <a:cs typeface="Courier New" panose="02070309020205020404" pitchFamily="49" charset="0"/>
-              </a:rPr>
-              <a:t>U = U(:,1:K);</a:t>
-            </a:r>
-          </a:p>
-          <a:p>
-            <a:r>
-              <a:rPr lang="en-GB" sz="1900" dirty="0">
-                <a:latin typeface="Courier New" panose="02070309020205020404" pitchFamily="49" charset="0"/>
-                <a:cs typeface="Courier New" panose="02070309020205020404" pitchFamily="49" charset="0"/>
-              </a:rPr>
-              <a:t>S = S(1:K,1:K);</a:t>
-            </a:r>
-          </a:p>
-          <a:p>
-            <a:r>
-              <a:rPr lang="en-GB" sz="1900" dirty="0">
-                <a:latin typeface="Courier New" panose="02070309020205020404" pitchFamily="49" charset="0"/>
-                <a:cs typeface="Courier New" panose="02070309020205020404" pitchFamily="49" charset="0"/>
-              </a:rPr>
-              <a:t>V = V(:,1:K</a:t>
-            </a:r>
-            <a:r>
-              <a:rPr lang="en-GB" sz="1900" dirty="0" smtClean="0">
-                <a:latin typeface="Courier New" panose="02070309020205020404" pitchFamily="49" charset="0"/>
-                <a:cs typeface="Courier New" panose="02070309020205020404" pitchFamily="49" charset="0"/>
-              </a:rPr>
-              <a:t>);</a:t>
+              <a:t>V = V(:,1:K);</a:t>
             </a:r>
           </a:p>
           <a:p>
@@ -11146,44 +10449,30 @@
           <a:lstStyle/>
           <a:p>
             <a:r>
-              <a:rPr lang="en-US" dirty="0" smtClean="0">
+              <a:rPr lang="en-US" dirty="0">
                 <a:cs typeface="Courier New" panose="02070309020205020404" pitchFamily="49" charset="0"/>
               </a:rPr>
               <a:t> direct </a:t>
-            </a:r>
-            <a:r>
-              <a:rPr lang="fi-FI" dirty="0" smtClean="0">
-                <a:latin typeface="+mj-lt"/>
-                <a:cs typeface="Courier New" panose="02070309020205020404" pitchFamily="49" charset="0"/>
-              </a:rPr>
-              <a:t>rsvd algorithm </a:t>
-            </a:r>
-            <a:br>
-              <a:rPr lang="fi-FI" dirty="0" smtClean="0">
-                <a:latin typeface="+mj-lt"/>
-                <a:cs typeface="Courier New" panose="02070309020205020404" pitchFamily="49" charset="0"/>
-              </a:rPr>
-            </a:br>
-            <a:r>
-              <a:rPr lang="fi-FI" dirty="0" smtClean="0">
-                <a:latin typeface="+mj-lt"/>
-                <a:cs typeface="Courier New" panose="02070309020205020404" pitchFamily="49" charset="0"/>
-              </a:rPr>
-              <a:t>(after </a:t>
             </a:r>
             <a:r>
               <a:rPr lang="fi-FI" dirty="0">
                 <a:latin typeface="+mj-lt"/>
                 <a:cs typeface="Courier New" panose="02070309020205020404" pitchFamily="49" charset="0"/>
               </a:rPr>
-              <a:t>Antoine Liutkus 2014</a:t>
-            </a:r>
-            <a:r>
-              <a:rPr lang="fi-FI" dirty="0" smtClean="0">
+              <a:t>rsvd algorithm </a:t>
+            </a:r>
+            <a:br>
+              <a:rPr lang="fi-FI" dirty="0">
                 <a:latin typeface="+mj-lt"/>
                 <a:cs typeface="Courier New" panose="02070309020205020404" pitchFamily="49" charset="0"/>
               </a:rPr>
-              <a:t>)</a:t>
+            </a:br>
+            <a:r>
+              <a:rPr lang="fi-FI" dirty="0">
+                <a:latin typeface="+mj-lt"/>
+                <a:cs typeface="Courier New" panose="02070309020205020404" pitchFamily="49" charset="0"/>
+              </a:rPr>
+              <a:t>(after Antoine Liutkus 2014)</a:t>
             </a:r>
           </a:p>
         </p:txBody>
@@ -11215,47 +10504,28 @@
               <a:buChar char="•"/>
             </a:pPr>
             <a:r>
-              <a:rPr lang="en-US" dirty="0" smtClean="0">
-                <a:cs typeface="Courier New" panose="02070309020205020404" pitchFamily="49" charset="0"/>
-              </a:rPr>
-              <a:t>generate </a:t>
-            </a:r>
-            <a:r>
               <a:rPr lang="en-US" dirty="0">
                 <a:cs typeface="Courier New" panose="02070309020205020404" pitchFamily="49" charset="0"/>
               </a:rPr>
-              <a:t>matrix of </a:t>
-            </a:r>
-            <a:r>
-              <a:rPr lang="en-US" dirty="0" smtClean="0">
+              <a:t>generate matrix of </a:t>
+            </a:r>
+            <a:br>
+              <a:rPr lang="en-US" dirty="0">
                 <a:cs typeface="Courier New" panose="02070309020205020404" pitchFamily="49" charset="0"/>
               </a:rPr>
-              <a:t/>
-            </a:r>
-            <a:br>
-              <a:rPr lang="en-US" dirty="0" smtClean="0">
+            </a:br>
+            <a:r>
+              <a:rPr lang="en-US" dirty="0">
                 <a:cs typeface="Courier New" panose="02070309020205020404" pitchFamily="49" charset="0"/>
               </a:rPr>
-            </a:br>
-            <a:r>
-              <a:rPr lang="en-US" dirty="0" smtClean="0">
-                <a:cs typeface="Courier New" panose="02070309020205020404" pitchFamily="49" charset="0"/>
-              </a:rPr>
               <a:t>orthonormal random columns</a:t>
             </a:r>
             <a:r>
-              <a:rPr lang="en-US" dirty="0" smtClean="0">
+              <a:rPr lang="en-US" dirty="0">
                 <a:latin typeface="Courier New" panose="02070309020205020404" pitchFamily="49" charset="0"/>
                 <a:cs typeface="Courier New" panose="02070309020205020404" pitchFamily="49" charset="0"/>
               </a:rPr>
               <a:t> </a:t>
-            </a:r>
-            <a:r>
-              <a:rPr lang="en-GB" dirty="0">
-                <a:latin typeface="Courier New" panose="02070309020205020404" pitchFamily="49" charset="0"/>
-                <a:cs typeface="Courier New" panose="02070309020205020404" pitchFamily="49" charset="0"/>
-              </a:rPr>
-              <a:t/>
             </a:r>
             <a:br>
               <a:rPr lang="en-GB" dirty="0">
@@ -11264,26 +10534,26 @@
               </a:rPr>
             </a:br>
             <a:r>
-              <a:rPr lang="en-US" dirty="0" smtClean="0">
+              <a:rPr lang="en-US" dirty="0">
                 <a:cs typeface="Courier New" panose="02070309020205020404" pitchFamily="49" charset="0"/>
               </a:rPr>
               <a:t>transform M</a:t>
             </a:r>
             <a:r>
-              <a:rPr lang="en-US" dirty="0" smtClean="0">
+              <a:rPr lang="en-US" dirty="0">
                 <a:cs typeface="Courier New" panose="02070309020205020404" pitchFamily="49" charset="0"/>
                 <a:sym typeface="Symbol"/>
               </a:rPr>
               <a:t></a:t>
             </a:r>
             <a:r>
-              <a:rPr lang="en-US" dirty="0" smtClean="0">
+              <a:rPr lang="en-US" dirty="0">
                 <a:cs typeface="Courier New" panose="02070309020205020404" pitchFamily="49" charset="0"/>
               </a:rPr>
               <a:t>N matrix to M</a:t>
             </a:r>
             <a:r>
-              <a:rPr lang="en-US" dirty="0" smtClean="0">
+              <a:rPr lang="en-US" dirty="0">
                 <a:cs typeface="Courier New" panose="02070309020205020404" pitchFamily="49" charset="0"/>
                 <a:sym typeface="Symbol"/>
               </a:rPr>
@@ -11295,7 +10565,7 @@
               <a:buFont typeface="Arial" panose="020B0604020202020204" pitchFamily="34" charset="0"/>
               <a:buChar char="•"/>
             </a:pPr>
-            <a:endParaRPr lang="en-US" dirty="0" smtClean="0">
+            <a:endParaRPr lang="en-US" dirty="0">
               <a:cs typeface="Courier New" panose="02070309020205020404" pitchFamily="49" charset="0"/>
               <a:sym typeface="Symbol"/>
             </a:endParaRPr>
@@ -11306,10 +10576,10 @@
               <a:buChar char="•"/>
             </a:pPr>
             <a:r>
-              <a:rPr lang="en-US" dirty="0" smtClean="0"/>
+              <a:rPr lang="en-US" dirty="0"/>
               <a:t>calculate SVD of smaller matrix B</a:t>
             </a:r>
-            <a:endParaRPr lang="en-US" sz="1600" dirty="0" smtClean="0"/>
+            <a:endParaRPr lang="en-US" sz="1600" dirty="0"/>
           </a:p>
           <a:p>
             <a:pPr marL="285750" indent="-285750">
@@ -11317,7 +10587,7 @@
               <a:buChar char="•"/>
             </a:pPr>
             <a:r>
-              <a:rPr lang="en-US" dirty="0" smtClean="0"/>
+              <a:rPr lang="en-US" dirty="0"/>
               <a:t>back transform</a:t>
             </a:r>
           </a:p>
@@ -11326,7 +10596,7 @@
               <a:buFont typeface="Arial" panose="020B0604020202020204" pitchFamily="34" charset="0"/>
               <a:buChar char="•"/>
             </a:pPr>
-            <a:endParaRPr lang="en-US" dirty="0" smtClean="0"/>
+            <a:endParaRPr lang="en-US" dirty="0"/>
           </a:p>
           <a:p>
             <a:pPr marL="285750" indent="-285750">
@@ -11334,22 +10604,22 @@
               <a:buChar char="•"/>
             </a:pPr>
             <a:r>
-              <a:rPr lang="en-US" dirty="0" smtClean="0"/>
+              <a:rPr lang="en-US" dirty="0"/>
               <a:t>Truncate to </a:t>
             </a:r>
             <a:br>
-              <a:rPr lang="en-US" dirty="0" smtClean="0"/>
+              <a:rPr lang="en-US" dirty="0"/>
             </a:br>
             <a:r>
-              <a:rPr lang="en-US" dirty="0" smtClean="0"/>
+              <a:rPr lang="en-US" dirty="0"/>
               <a:t>standard  </a:t>
             </a:r>
             <a:r>
-              <a:rPr lang="en-US" dirty="0" err="1" smtClean="0"/>
+              <a:rPr lang="en-US" dirty="0" err="1"/>
               <a:t>matlab</a:t>
             </a:r>
             <a:r>
-              <a:rPr lang="en-US" dirty="0" smtClean="0"/>
+              <a:rPr lang="en-US" dirty="0"/>
               <a:t> “econ” form</a:t>
             </a:r>
             <a:endParaRPr lang="en-GB" dirty="0"/>
@@ -11366,13 +10636,6 @@
   <p:clrMapOvr>
     <a:masterClrMapping/>
   </p:clrMapOvr>
-  <p:timing>
-    <p:tnLst>
-      <p:par>
-        <p:cTn id="1" dur="indefinite" restart="never" nodeType="tmRoot"/>
-      </p:par>
-    </p:tnLst>
-  </p:timing>
 </p:sld>
 </file>
 
@@ -11422,29 +10685,29 @@
               <a:buChar char="Ø"/>
             </a:pPr>
             <a:r>
-              <a:rPr lang="en-IE" dirty="0" smtClean="0"/>
+              <a:rPr lang="en-IE" dirty="0"/>
               <a:t>Jacobian </a:t>
             </a:r>
             <a:r>
-              <a:rPr lang="en-IE" b="1" dirty="0" smtClean="0">
+              <a:rPr lang="en-IE" b="1" dirty="0">
                 <a:latin typeface="Times New Roman" panose="02020603050405020304" pitchFamily="18" charset="0"/>
                 <a:cs typeface="Times New Roman" panose="02020603050405020304" pitchFamily="18" charset="0"/>
               </a:rPr>
               <a:t>J</a:t>
             </a:r>
             <a:r>
-              <a:rPr lang="en-IE" dirty="0" smtClean="0"/>
+              <a:rPr lang="en-IE" dirty="0"/>
               <a:t>: expand nonlinear model at </a:t>
             </a:r>
             <a:r>
-              <a:rPr lang="en-IE" b="1" dirty="0" smtClean="0">
+              <a:rPr lang="en-IE" b="1" dirty="0">
                 <a:latin typeface="Times New Roman" panose="02020603050405020304" pitchFamily="18" charset="0"/>
                 <a:cs typeface="Times New Roman" panose="02020603050405020304" pitchFamily="18" charset="0"/>
               </a:rPr>
               <a:t>m</a:t>
             </a:r>
             <a:r>
-              <a:rPr lang="en-IE" baseline="-25000" dirty="0" smtClean="0">
+              <a:rPr lang="en-IE" baseline="-25000" dirty="0">
                 <a:latin typeface="Times New Roman" panose="02020603050405020304" pitchFamily="18" charset="0"/>
                 <a:cs typeface="Times New Roman" panose="02020603050405020304" pitchFamily="18" charset="0"/>
               </a:rPr>
@@ -11459,7 +10722,7 @@
               <a:buFont typeface="Wingdings" panose="05000000000000000000" pitchFamily="2" charset="2"/>
               <a:buChar char="Ø"/>
             </a:pPr>
-            <a:endParaRPr lang="en-IE" baseline="-25000" dirty="0" smtClean="0">
+            <a:endParaRPr lang="en-IE" baseline="-25000" dirty="0">
               <a:latin typeface="Times New Roman" panose="02020603050405020304" pitchFamily="18" charset="0"/>
               <a:cs typeface="Times New Roman" panose="02020603050405020304" pitchFamily="18" charset="0"/>
             </a:endParaRPr>
@@ -11470,89 +10733,31 @@
               <a:buChar char="Ø"/>
             </a:pPr>
             <a:r>
-              <a:rPr lang="en-IE" dirty="0" smtClean="0"/>
+              <a:rPr lang="en-IE" dirty="0"/>
               <a:t>Calculate Singular Value Decomposition (SVD)</a:t>
             </a:r>
             <a:br>
-              <a:rPr lang="en-IE" dirty="0" smtClean="0"/>
+              <a:rPr lang="en-IE" dirty="0"/>
             </a:br>
             <a:r>
-              <a:rPr lang="en-IE" dirty="0" smtClean="0"/>
+              <a:rPr lang="en-IE" dirty="0"/>
               <a:t>Numerical bottleneck!</a:t>
             </a:r>
             <a:br>
-              <a:rPr lang="en-IE" dirty="0" smtClean="0"/>
+              <a:rPr lang="en-IE" dirty="0"/>
             </a:br>
             <a:r>
-              <a:rPr lang="en-IE" dirty="0" smtClean="0"/>
+              <a:rPr lang="en-IE" dirty="0"/>
               <a:t>Truncate SVD, choose </a:t>
             </a:r>
             <a:r>
-              <a:rPr lang="en-IE" dirty="0" err="1" smtClean="0"/>
+              <a:rPr lang="en-IE" dirty="0" err="1"/>
               <a:t>nullspace</a:t>
             </a:r>
             <a:r>
-              <a:rPr lang="en-IE" dirty="0" smtClean="0"/>
+              <a:rPr lang="en-IE" dirty="0"/>
               <a:t> </a:t>
             </a:r>
-          </a:p>
-          <a:p>
-            <a:pPr marL="342900" indent="-342900">
-              <a:buFont typeface="Wingdings" panose="05000000000000000000" pitchFamily="2" charset="2"/>
-              <a:buChar char="Ø"/>
-            </a:pPr>
-            <a:endParaRPr lang="en-IE" dirty="0" smtClean="0"/>
-          </a:p>
-          <a:p>
-            <a:pPr marL="342900" indent="-342900">
-              <a:buFont typeface="Wingdings" panose="05000000000000000000" pitchFamily="2" charset="2"/>
-              <a:buChar char="Ø"/>
-            </a:pPr>
-            <a:r>
-              <a:rPr lang="en-IE" dirty="0" smtClean="0"/>
-              <a:t>Construct </a:t>
-            </a:r>
-            <a:r>
-              <a:rPr lang="en-IE" dirty="0" err="1" smtClean="0"/>
-              <a:t>Nullspace</a:t>
-            </a:r>
-            <a:r>
-              <a:rPr lang="en-IE" dirty="0" smtClean="0"/>
-              <a:t> Projector </a:t>
-            </a:r>
-            <a:r>
-              <a:rPr lang="en-IE" b="1" dirty="0" smtClean="0">
-                <a:latin typeface="Times New Roman" panose="02020603050405020304" pitchFamily="18" charset="0"/>
-                <a:cs typeface="Times New Roman" panose="02020603050405020304" pitchFamily="18" charset="0"/>
-              </a:rPr>
-              <a:t>P</a:t>
-            </a:r>
-            <a:br>
-              <a:rPr lang="en-IE" b="1" dirty="0" smtClean="0">
-                <a:latin typeface="Times New Roman" panose="02020603050405020304" pitchFamily="18" charset="0"/>
-                <a:cs typeface="Times New Roman" panose="02020603050405020304" pitchFamily="18" charset="0"/>
-              </a:rPr>
-            </a:br>
-            <a:r>
-              <a:rPr lang="en-IE" dirty="0" smtClean="0">
-                <a:cs typeface="Times New Roman" panose="02020603050405020304" pitchFamily="18" charset="0"/>
-              </a:rPr>
-              <a:t>Note </a:t>
-            </a:r>
-            <a:r>
-              <a:rPr lang="en-IE" b="1" dirty="0" smtClean="0">
-                <a:latin typeface="Times New Roman" panose="02020603050405020304" pitchFamily="18" charset="0"/>
-                <a:cs typeface="Times New Roman" panose="02020603050405020304" pitchFamily="18" charset="0"/>
-              </a:rPr>
-              <a:t>R </a:t>
-            </a:r>
-            <a:r>
-              <a:rPr lang="en-IE" dirty="0" smtClean="0"/>
-              <a:t>is called Resolution Matrix</a:t>
-            </a:r>
-            <a:endParaRPr lang="en-IE" dirty="0" smtClean="0">
-              <a:cs typeface="Times New Roman" panose="02020603050405020304" pitchFamily="18" charset="0"/>
-            </a:endParaRPr>
           </a:p>
           <a:p>
             <a:pPr marL="342900" indent="-342900">
@@ -11567,16 +10772,50 @@
               <a:buChar char="Ø"/>
             </a:pPr>
             <a:r>
-              <a:rPr lang="en-IE" dirty="0" smtClean="0"/>
-              <a:t>Perturb/deform model </a:t>
+              <a:rPr lang="en-IE" dirty="0"/>
+              <a:t>Construct </a:t>
+            </a:r>
+            <a:r>
+              <a:rPr lang="en-IE" dirty="0" err="1"/>
+              <a:t>Nullspace</a:t>
+            </a:r>
+            <a:r>
+              <a:rPr lang="en-IE" dirty="0"/>
+              <a:t> Projector </a:t>
+            </a:r>
+            <a:r>
+              <a:rPr lang="en-IE" b="1" dirty="0">
+                <a:latin typeface="Times New Roman" panose="02020603050405020304" pitchFamily="18" charset="0"/>
+                <a:cs typeface="Times New Roman" panose="02020603050405020304" pitchFamily="18" charset="0"/>
+              </a:rPr>
+              <a:t>P</a:t>
             </a:r>
             <a:br>
-              <a:rPr lang="en-IE" dirty="0" smtClean="0"/>
+              <a:rPr lang="en-IE" b="1" dirty="0">
+                <a:latin typeface="Times New Roman" panose="02020603050405020304" pitchFamily="18" charset="0"/>
+                <a:cs typeface="Times New Roman" panose="02020603050405020304" pitchFamily="18" charset="0"/>
+              </a:rPr>
             </a:br>
             <a:r>
-              <a:rPr lang="en-IE" dirty="0" smtClean="0"/>
-              <a:t>(e.g. smoothen, sharpen, and random )</a:t>
-            </a:r>
+              <a:rPr lang="en-IE" dirty="0">
+                <a:cs typeface="Times New Roman" panose="02020603050405020304" pitchFamily="18" charset="0"/>
+              </a:rPr>
+              <a:t>Note </a:t>
+            </a:r>
+            <a:r>
+              <a:rPr lang="en-IE" b="1" dirty="0">
+                <a:latin typeface="Times New Roman" panose="02020603050405020304" pitchFamily="18" charset="0"/>
+                <a:cs typeface="Times New Roman" panose="02020603050405020304" pitchFamily="18" charset="0"/>
+              </a:rPr>
+              <a:t>R </a:t>
+            </a:r>
+            <a:r>
+              <a:rPr lang="en-IE" dirty="0"/>
+              <a:t>is called Resolution Matrix</a:t>
+            </a:r>
+            <a:endParaRPr lang="en-IE" dirty="0">
+              <a:cs typeface="Times New Roman" panose="02020603050405020304" pitchFamily="18" charset="0"/>
+            </a:endParaRPr>
           </a:p>
           <a:p>
             <a:pPr marL="342900" indent="-342900">
@@ -11591,57 +10830,81 @@
               <a:buChar char="Ø"/>
             </a:pPr>
             <a:r>
-              <a:rPr lang="en-IE" dirty="0" smtClean="0"/>
+              <a:rPr lang="en-IE" dirty="0"/>
+              <a:t>Perturb/deform model </a:t>
+            </a:r>
+            <a:br>
+              <a:rPr lang="en-IE" dirty="0"/>
+            </a:br>
+            <a:r>
+              <a:rPr lang="en-IE" dirty="0"/>
+              <a:t>(e.g. smoothen, sharpen, and random )</a:t>
+            </a:r>
+          </a:p>
+          <a:p>
+            <a:pPr marL="342900" indent="-342900">
+              <a:buFont typeface="Wingdings" panose="05000000000000000000" pitchFamily="2" charset="2"/>
+              <a:buChar char="Ø"/>
+            </a:pPr>
+            <a:endParaRPr lang="en-IE" dirty="0"/>
+          </a:p>
+          <a:p>
+            <a:pPr marL="342900" indent="-342900">
+              <a:buFont typeface="Wingdings" panose="05000000000000000000" pitchFamily="2" charset="2"/>
+              <a:buChar char="Ø"/>
+            </a:pPr>
+            <a:r>
+              <a:rPr lang="en-IE" dirty="0"/>
               <a:t>Project to </a:t>
             </a:r>
             <a:r>
-              <a:rPr lang="en-IE" dirty="0" err="1" smtClean="0"/>
+              <a:rPr lang="en-IE" dirty="0" err="1"/>
               <a:t>Nullspace</a:t>
             </a:r>
             <a:r>
-              <a:rPr lang="en-IE" dirty="0" smtClean="0"/>
+              <a:rPr lang="en-IE" dirty="0"/>
               <a:t>:</a:t>
             </a:r>
             <a:br>
-              <a:rPr lang="en-IE" dirty="0" smtClean="0"/>
+              <a:rPr lang="en-IE" dirty="0"/>
             </a:br>
             <a:r>
-              <a:rPr lang="en-IE" b="1" dirty="0" smtClean="0">
+              <a:rPr lang="en-IE" b="1" dirty="0">
                 <a:latin typeface="Times New Roman" panose="02020603050405020304" pitchFamily="18" charset="0"/>
                 <a:cs typeface="Times New Roman" panose="02020603050405020304" pitchFamily="18" charset="0"/>
               </a:rPr>
               <a:t>d(</a:t>
             </a:r>
             <a:r>
-              <a:rPr lang="en-IE" b="1" dirty="0" err="1" smtClean="0">
+              <a:rPr lang="en-IE" b="1" dirty="0" err="1">
                 <a:latin typeface="Times New Roman" panose="02020603050405020304" pitchFamily="18" charset="0"/>
                 <a:cs typeface="Times New Roman" panose="02020603050405020304" pitchFamily="18" charset="0"/>
               </a:rPr>
               <a:t>m</a:t>
             </a:r>
             <a:r>
-              <a:rPr lang="en-IE" i="1" baseline="-25000" dirty="0" err="1" smtClean="0">
+              <a:rPr lang="en-IE" i="1" baseline="-25000" dirty="0" err="1">
                 <a:latin typeface="Times New Roman" panose="02020603050405020304" pitchFamily="18" charset="0"/>
                 <a:cs typeface="Times New Roman" panose="02020603050405020304" pitchFamily="18" charset="0"/>
               </a:rPr>
               <a:t>null</a:t>
             </a:r>
             <a:r>
-              <a:rPr lang="en-IE" b="1" dirty="0" smtClean="0">
+              <a:rPr lang="en-IE" b="1" dirty="0">
                 <a:latin typeface="Times New Roman" panose="02020603050405020304" pitchFamily="18" charset="0"/>
                 <a:cs typeface="Times New Roman" panose="02020603050405020304" pitchFamily="18" charset="0"/>
               </a:rPr>
               <a:t>)</a:t>
             </a:r>
             <a:r>
-              <a:rPr lang="en-IE" dirty="0" smtClean="0">
+              <a:rPr lang="en-IE" dirty="0">
                 <a:latin typeface="Times New Roman" panose="02020603050405020304" pitchFamily="18" charset="0"/>
                 <a:cs typeface="Times New Roman" panose="02020603050405020304" pitchFamily="18" charset="0"/>
               </a:rPr>
               <a:t>  </a:t>
             </a:r>
             <a:r>
-              <a:rPr lang="en-IE" dirty="0" smtClean="0">
+              <a:rPr lang="en-IE" dirty="0">
                 <a:latin typeface="Times New Roman" panose="02020603050405020304" pitchFamily="18" charset="0"/>
                 <a:cs typeface="Times New Roman" panose="02020603050405020304" pitchFamily="18" charset="0"/>
                 <a:sym typeface="Symbol"/>
@@ -11669,12 +10932,8 @@
               </a:rPr>
               <a:t>)</a:t>
             </a:r>
-            <a:r>
-              <a:rPr lang="en-IE" dirty="0" smtClean="0"/>
-              <a:t/>
-            </a:r>
             <a:br>
-              <a:rPr lang="en-IE" dirty="0" smtClean="0"/>
+              <a:rPr lang="en-IE" dirty="0"/>
             </a:br>
             <a:endParaRPr lang="en-IE" sz="2400" dirty="0"/>
           </a:p>
@@ -11703,7 +10962,7 @@
           <a:lstStyle/>
           <a:p>
             <a:r>
-              <a:rPr lang="en-IE" sz="3200" i="1" dirty="0" err="1" smtClean="0">
+              <a:rPr lang="en-IE" sz="3200" i="1" dirty="0" err="1">
                 <a:effectLst>
                   <a:outerShdw blurRad="38100" dist="38100" dir="2700000" algn="tl">
                     <a:srgbClr val="000000">
@@ -11715,7 +10974,7 @@
               <a:t>Nullspace</a:t>
             </a:r>
             <a:r>
-              <a:rPr lang="en-IE" sz="3200" i="1" dirty="0" smtClean="0">
+              <a:rPr lang="en-IE" sz="3200" i="1" dirty="0">
                 <a:effectLst>
                   <a:outerShdw blurRad="38100" dist="38100" dir="2700000" algn="tl">
                     <a:srgbClr val="000000">
@@ -11726,15 +10985,6 @@
               </a:rPr>
               <a:t> shuttle – basic idea</a:t>
             </a:r>
-            <a:endParaRPr lang="en-IE" sz="3200" i="1" dirty="0">
-              <a:effectLst>
-                <a:outerShdw blurRad="38100" dist="38100" dir="2700000" algn="tl">
-                  <a:srgbClr val="000000">
-                    <a:alpha val="43137"/>
-                  </a:srgbClr>
-                </a:outerShdw>
-              </a:effectLst>
-            </a:endParaRPr>
           </a:p>
         </p:txBody>
       </p:sp>
@@ -11760,12 +11010,12 @@
           <a:graphicData uri="http://schemas.openxmlformats.org/presentationml/2006/ole">
             <mc:AlternateContent xmlns:mc="http://schemas.openxmlformats.org/markup-compatibility/2006">
               <mc:Choice xmlns:v="urn:schemas-microsoft-com:vml" Requires="v">
-                <p:oleObj spid="_x0000_s4215" name="Equation" r:id="rId3" imgW="1942920" imgH="228600" progId="Equation.DSMT4">
+                <p:oleObj name="Equation" r:id="rId2" imgW="1942920" imgH="228600" progId="Equation.DSMT4">
                   <p:embed/>
                 </p:oleObj>
               </mc:Choice>
               <mc:Fallback>
-                <p:oleObj name="Equation" r:id="rId3" imgW="1942920" imgH="228600" progId="Equation.DSMT4">
+                <p:oleObj name="Equation" r:id="rId2" imgW="1942920" imgH="228600" progId="Equation.DSMT4">
                   <p:embed/>
                   <p:pic>
                     <p:nvPicPr>
@@ -11774,7 +11024,7 @@
                       <p:nvPr/>
                     </p:nvPicPr>
                     <p:blipFill>
-                      <a:blip r:embed="rId4"/>
+                      <a:blip r:embed="rId3"/>
                       <a:stretch>
                         <a:fillRect/>
                       </a:stretch>
@@ -11817,12 +11067,12 @@
           <a:graphicData uri="http://schemas.openxmlformats.org/presentationml/2006/ole">
             <mc:AlternateContent xmlns:mc="http://schemas.openxmlformats.org/markup-compatibility/2006">
               <mc:Choice xmlns:v="urn:schemas-microsoft-com:vml" Requires="v">
-                <p:oleObj spid="_x0000_s4216" name="Equation" r:id="rId5" imgW="1663560" imgH="253800" progId="Equation.DSMT4">
+                <p:oleObj name="Equation" r:id="rId4" imgW="1663560" imgH="253800" progId="Equation.DSMT4">
                   <p:embed/>
                 </p:oleObj>
               </mc:Choice>
               <mc:Fallback>
-                <p:oleObj name="Equation" r:id="rId5" imgW="1663560" imgH="253800" progId="Equation.DSMT4">
+                <p:oleObj name="Equation" r:id="rId4" imgW="1663560" imgH="253800" progId="Equation.DSMT4">
                   <p:embed/>
                   <p:pic>
                     <p:nvPicPr>
@@ -11831,7 +11081,7 @@
                       <p:nvPr/>
                     </p:nvPicPr>
                     <p:blipFill>
-                      <a:blip r:embed="rId6"/>
+                      <a:blip r:embed="rId5"/>
                       <a:stretch>
                         <a:fillRect/>
                       </a:stretch>
@@ -11874,12 +11124,12 @@
           <a:graphicData uri="http://schemas.openxmlformats.org/presentationml/2006/ole">
             <mc:AlternateContent xmlns:mc="http://schemas.openxmlformats.org/markup-compatibility/2006">
               <mc:Choice xmlns:v="urn:schemas-microsoft-com:vml" Requires="v">
-                <p:oleObj spid="_x0000_s4217" name="Equation" r:id="rId7" imgW="2108160" imgH="253800" progId="Equation.DSMT4">
+                <p:oleObj name="Equation" r:id="rId6" imgW="2108160" imgH="253800" progId="Equation.DSMT4">
                   <p:embed/>
                 </p:oleObj>
               </mc:Choice>
               <mc:Fallback>
-                <p:oleObj name="Equation" r:id="rId7" imgW="2108160" imgH="253800" progId="Equation.DSMT4">
+                <p:oleObj name="Equation" r:id="rId6" imgW="2108160" imgH="253800" progId="Equation.DSMT4">
                   <p:embed/>
                   <p:pic>
                     <p:nvPicPr>
@@ -11888,7 +11138,7 @@
                       <p:nvPr/>
                     </p:nvPicPr>
                     <p:blipFill>
-                      <a:blip r:embed="rId8"/>
+                      <a:blip r:embed="rId7"/>
                       <a:stretch>
                         <a:fillRect/>
                       </a:stretch>
@@ -11931,12 +11181,12 @@
           <a:graphicData uri="http://schemas.openxmlformats.org/presentationml/2006/ole">
             <mc:AlternateContent xmlns:mc="http://schemas.openxmlformats.org/markup-compatibility/2006">
               <mc:Choice xmlns:v="urn:schemas-microsoft-com:vml" Requires="v">
-                <p:oleObj spid="_x0000_s4218" name="Equation" r:id="rId9" imgW="2133360" imgH="241200" progId="Equation.DSMT4">
+                <p:oleObj name="Equation" r:id="rId8" imgW="2133360" imgH="241200" progId="Equation.DSMT4">
                   <p:embed/>
                 </p:oleObj>
               </mc:Choice>
               <mc:Fallback>
-                <p:oleObj name="Equation" r:id="rId9" imgW="2133360" imgH="241200" progId="Equation.DSMT4">
+                <p:oleObj name="Equation" r:id="rId8" imgW="2133360" imgH="241200" progId="Equation.DSMT4">
                   <p:embed/>
                   <p:pic>
                     <p:nvPicPr>
@@ -11945,7 +11195,7 @@
                       <p:nvPr/>
                     </p:nvPicPr>
                     <p:blipFill>
-                      <a:blip r:embed="rId10"/>
+                      <a:blip r:embed="rId9"/>
                       <a:stretch>
                         <a:fillRect/>
                       </a:stretch>
@@ -11988,12 +11238,12 @@
           <a:graphicData uri="http://schemas.openxmlformats.org/presentationml/2006/ole">
             <mc:AlternateContent xmlns:mc="http://schemas.openxmlformats.org/markup-compatibility/2006">
               <mc:Choice xmlns:v="urn:schemas-microsoft-com:vml" Requires="v">
-                <p:oleObj spid="_x0000_s4219" name="Equation" r:id="rId11" imgW="1866600" imgH="482400" progId="Equation.DSMT4">
+                <p:oleObj name="Equation" r:id="rId10" imgW="1866600" imgH="482400" progId="Equation.DSMT4">
                   <p:embed/>
                 </p:oleObj>
               </mc:Choice>
               <mc:Fallback>
-                <p:oleObj name="Equation" r:id="rId11" imgW="1866600" imgH="482400" progId="Equation.DSMT4">
+                <p:oleObj name="Equation" r:id="rId10" imgW="1866600" imgH="482400" progId="Equation.DSMT4">
                   <p:embed/>
                   <p:pic>
                     <p:nvPicPr>
@@ -12002,7 +11252,7 @@
                       <p:nvPr/>
                     </p:nvPicPr>
                     <p:blipFill>
-                      <a:blip r:embed="rId12"/>
+                      <a:blip r:embed="rId11"/>
                       <a:stretch>
                         <a:fillRect/>
                       </a:stretch>
@@ -12033,13 +11283,6 @@
   <p:clrMapOvr>
     <a:masterClrMapping/>
   </p:clrMapOvr>
-  <p:timing>
-    <p:tnLst>
-      <p:par>
-        <p:cTn id="1" dur="indefinite" restart="never" nodeType="tmRoot"/>
-      </p:par>
-    </p:tnLst>
-  </p:timing>
 </p:sld>
 </file>
 
@@ -12083,7 +11326,7 @@
           <a:lstStyle/>
           <a:p>
             <a:r>
-              <a:rPr lang="en-IE" sz="3200" i="1" dirty="0" err="1" smtClean="0">
+              <a:rPr lang="en-IE" sz="3200" i="1" dirty="0" err="1">
                 <a:effectLst>
                   <a:outerShdw blurRad="38100" dist="38100" dir="2700000" algn="tl">
                     <a:srgbClr val="000000">
@@ -12095,7 +11338,7 @@
               <a:t>Nullspace</a:t>
             </a:r>
             <a:r>
-              <a:rPr lang="en-IE" sz="3200" i="1" dirty="0" smtClean="0">
+              <a:rPr lang="en-IE" sz="3200" i="1" dirty="0">
                 <a:effectLst>
                   <a:outerShdw blurRad="38100" dist="38100" dir="2700000" algn="tl">
                     <a:srgbClr val="000000">
@@ -12106,15 +11349,6 @@
               </a:rPr>
               <a:t> shuttle  - remarks </a:t>
             </a:r>
-            <a:endParaRPr lang="en-IE" sz="3200" i="1" dirty="0">
-              <a:effectLst>
-                <a:outerShdw blurRad="38100" dist="38100" dir="2700000" algn="tl">
-                  <a:srgbClr val="000000">
-                    <a:alpha val="43137"/>
-                  </a:srgbClr>
-                </a:outerShdw>
-              </a:effectLst>
-            </a:endParaRPr>
           </a:p>
         </p:txBody>
       </p:sp>
@@ -12144,7 +11378,7 @@
               <a:buChar char="Ø"/>
             </a:pPr>
             <a:r>
-              <a:rPr lang="en-IE" dirty="0" smtClean="0"/>
+              <a:rPr lang="en-IE" dirty="0"/>
               <a:t>NSP replaces the forward model by 2 matrix-vector products, once SVD is given </a:t>
             </a:r>
           </a:p>
@@ -12154,7 +11388,7 @@
               <a:buChar char="Ø"/>
             </a:pPr>
             <a:r>
-              <a:rPr lang="en-IE" dirty="0" smtClean="0"/>
+              <a:rPr lang="en-IE" dirty="0"/>
               <a:t>Inverse problems are ill-posed  -  need to be regularized to be unique! In NSP we relax the regularization as we need to know what changes the data “tolerate”</a:t>
             </a:r>
           </a:p>
@@ -12164,7 +11398,7 @@
               <a:buChar char="Ø"/>
             </a:pPr>
             <a:r>
-              <a:rPr lang="en-IE" dirty="0" smtClean="0">
+              <a:rPr lang="en-IE" dirty="0">
                 <a:cs typeface="Times New Roman" panose="02020603050405020304" pitchFamily="18" charset="0"/>
               </a:rPr>
               <a:t>Open questions: </a:t>
@@ -12176,19 +11410,19 @@
               <a:buChar char="o"/>
             </a:pPr>
             <a:r>
-              <a:rPr lang="en-IE" dirty="0" err="1" smtClean="0">
+              <a:rPr lang="en-IE" dirty="0" err="1">
                 <a:cs typeface="Times New Roman" panose="02020603050405020304" pitchFamily="18" charset="0"/>
               </a:rPr>
               <a:t>Numerics</a:t>
             </a:r>
             <a:r>
-              <a:rPr lang="en-IE" dirty="0" smtClean="0">
+              <a:rPr lang="en-IE" dirty="0">
                 <a:cs typeface="Times New Roman" panose="02020603050405020304" pitchFamily="18" charset="0"/>
               </a:rPr>
               <a:t>: Full SVD prohibitive </a:t>
             </a:r>
             <a:r>
-              <a:rPr lang="en-IE" dirty="0" smtClean="0">
+              <a:rPr lang="en-IE" dirty="0">
                 <a:cs typeface="Times New Roman" panose="02020603050405020304" pitchFamily="18" charset="0"/>
                 <a:sym typeface="Symbol"/>
               </a:rPr>
@@ -12201,7 +11435,7 @@
               <a:buChar char="o"/>
             </a:pPr>
             <a:r>
-              <a:rPr lang="en-IE" dirty="0" smtClean="0">
+              <a:rPr lang="en-IE" dirty="0">
                 <a:cs typeface="Times New Roman" panose="02020603050405020304" pitchFamily="18" charset="0"/>
                 <a:sym typeface="Symbol"/>
               </a:rPr>
@@ -12214,14 +11448,14 @@
               <a:buChar char="o"/>
             </a:pPr>
             <a:r>
-              <a:rPr lang="en-IE" dirty="0" smtClean="0">
+              <a:rPr lang="en-IE" dirty="0">
                 <a:cs typeface="Times New Roman" panose="02020603050405020304" pitchFamily="18" charset="0"/>
                 <a:sym typeface="Symbol"/>
               </a:rPr>
               <a:t>Which domain of validity (linear approximation)</a:t>
             </a:r>
             <a:r>
-              <a:rPr lang="en-IE" dirty="0" smtClean="0">
+              <a:rPr lang="en-IE" dirty="0">
                 <a:cs typeface="Times New Roman" panose="02020603050405020304" pitchFamily="18" charset="0"/>
               </a:rPr>
               <a:t> </a:t>
@@ -12233,7 +11467,7 @@
               <a:buChar char="o"/>
             </a:pPr>
             <a:r>
-              <a:rPr lang="en-IE" dirty="0" smtClean="0">
+              <a:rPr lang="en-IE" dirty="0">
                 <a:cs typeface="Times New Roman" panose="02020603050405020304" pitchFamily="18" charset="0"/>
               </a:rPr>
               <a:t>Which perturbations or deformations?</a:t>
@@ -12282,13 +11516,6 @@
   <p:clrMapOvr>
     <a:masterClrMapping/>
   </p:clrMapOvr>
-  <p:timing>
-    <p:tnLst>
-      <p:par>
-        <p:cTn id="1" dur="indefinite" restart="never" nodeType="tmRoot"/>
-      </p:par>
-    </p:tnLst>
-  </p:timing>
 </p:sld>
 </file>
 
